--- a/Project3.pptx
+++ b/Project3.pptx
@@ -5,28 +5,31 @@
     <p:sldMasterId id="2147483648" r:id="rId1"/>
   </p:sldMasterIdLst>
   <p:notesMasterIdLst>
-    <p:notesMasterId r:id="rId21"/>
+    <p:notesMasterId r:id="rId24"/>
   </p:notesMasterIdLst>
   <p:sldIdLst>
     <p:sldId id="256" r:id="rId2"/>
     <p:sldId id="259" r:id="rId3"/>
     <p:sldId id="257" r:id="rId4"/>
     <p:sldId id="258" r:id="rId5"/>
-    <p:sldId id="265" r:id="rId6"/>
-    <p:sldId id="267" r:id="rId7"/>
-    <p:sldId id="269" r:id="rId8"/>
-    <p:sldId id="268" r:id="rId9"/>
-    <p:sldId id="271" r:id="rId10"/>
-    <p:sldId id="273" r:id="rId11"/>
-    <p:sldId id="275" r:id="rId12"/>
-    <p:sldId id="266" r:id="rId13"/>
-    <p:sldId id="262" r:id="rId14"/>
-    <p:sldId id="261" r:id="rId15"/>
-    <p:sldId id="263" r:id="rId16"/>
-    <p:sldId id="264" r:id="rId17"/>
+    <p:sldId id="277" r:id="rId6"/>
+    <p:sldId id="278" r:id="rId7"/>
+    <p:sldId id="279" r:id="rId8"/>
+    <p:sldId id="264" r:id="rId9"/>
+    <p:sldId id="265" r:id="rId10"/>
+    <p:sldId id="267" r:id="rId11"/>
+    <p:sldId id="269" r:id="rId12"/>
+    <p:sldId id="268" r:id="rId13"/>
+    <p:sldId id="271" r:id="rId14"/>
+    <p:sldId id="273" r:id="rId15"/>
+    <p:sldId id="275" r:id="rId16"/>
+    <p:sldId id="266" r:id="rId17"/>
     <p:sldId id="270" r:id="rId18"/>
     <p:sldId id="274" r:id="rId19"/>
-    <p:sldId id="272" r:id="rId20"/>
+    <p:sldId id="281" r:id="rId20"/>
+    <p:sldId id="280" r:id="rId21"/>
+    <p:sldId id="272" r:id="rId22"/>
+    <p:sldId id="282" r:id="rId23"/>
   </p:sldIdLst>
   <p:sldSz cx="12192000" cy="6858000"/>
   <p:notesSz cx="6858000" cy="9144000"/>
@@ -136,7 +139,7 @@
 <file path=ppt/revisionInfo.xml><?xml version="1.0" encoding="utf-8"?>
 <p1510:revInfo xmlns:a="http://schemas.openxmlformats.org/drawingml/2006/main" xmlns:r="http://schemas.openxmlformats.org/officeDocument/2006/relationships" xmlns:p1510="http://schemas.microsoft.com/office/powerpoint/2015/10/main">
   <p1510:revLst>
-    <p1510:client id="{0C948896-85E7-49DE-8929-D59AAAFDDE36}" v="116" dt="2020-12-06T14:43:12.285"/>
+    <p1510:client id="{0C948896-85E7-49DE-8929-D59AAAFDDE36}" v="142" dt="2020-12-07T02:13:55.105"/>
   </p1510:revLst>
 </p1510:revInfo>
 </file>
@@ -146,7 +149,7 @@
   <pc:docChgLst>
     <pc:chgData name="Benjamin Dornel" userId="ae093956f9b222ec" providerId="LiveId" clId="{0C948896-85E7-49DE-8929-D59AAAFDDE36}"/>
     <pc:docChg chg="undo redo custSel mod addSld delSld modSld sldOrd">
-      <pc:chgData name="Benjamin Dornel" userId="ae093956f9b222ec" providerId="LiveId" clId="{0C948896-85E7-49DE-8929-D59AAAFDDE36}" dt="2020-12-06T14:56:56.127" v="6274" actId="20577"/>
+      <pc:chgData name="Benjamin Dornel" userId="ae093956f9b222ec" providerId="LiveId" clId="{0C948896-85E7-49DE-8929-D59AAAFDDE36}" dt="2020-12-07T03:07:51.473" v="7470" actId="20577"/>
       <pc:docMkLst>
         <pc:docMk/>
       </pc:docMkLst>
@@ -246,7 +249,7 @@
         </pc:cxnChg>
       </pc:sldChg>
       <pc:sldChg chg="addSp delSp modSp new mod setBg modNotesTx">
-        <pc:chgData name="Benjamin Dornel" userId="ae093956f9b222ec" providerId="LiveId" clId="{0C948896-85E7-49DE-8929-D59AAAFDDE36}" dt="2020-12-06T14:53:58.553" v="5951" actId="113"/>
+        <pc:chgData name="Benjamin Dornel" userId="ae093956f9b222ec" providerId="LiveId" clId="{0C948896-85E7-49DE-8929-D59AAAFDDE36}" dt="2020-12-07T01:17:19.921" v="6953" actId="20577"/>
         <pc:sldMkLst>
           <pc:docMk/>
           <pc:sldMk cId="2986605089" sldId="257"/>
@@ -276,7 +279,7 @@
           </ac:spMkLst>
         </pc:spChg>
         <pc:spChg chg="add mod">
-          <ac:chgData name="Benjamin Dornel" userId="ae093956f9b222ec" providerId="LiveId" clId="{0C948896-85E7-49DE-8929-D59AAAFDDE36}" dt="2020-12-06T14:53:58.553" v="5951" actId="113"/>
+          <ac:chgData name="Benjamin Dornel" userId="ae093956f9b222ec" providerId="LiveId" clId="{0C948896-85E7-49DE-8929-D59AAAFDDE36}" dt="2020-12-07T01:15:40.479" v="6765" actId="21"/>
           <ac:spMkLst>
             <pc:docMk/>
             <pc:sldMk cId="2986605089" sldId="257"/>
@@ -397,13 +400,13 @@
         </pc:cxnChg>
       </pc:sldChg>
       <pc:sldChg chg="addSp delSp modSp new mod setBg">
-        <pc:chgData name="Benjamin Dornel" userId="ae093956f9b222ec" providerId="LiveId" clId="{0C948896-85E7-49DE-8929-D59AAAFDDE36}" dt="2020-12-06T14:32:34.544" v="5049" actId="2711"/>
+        <pc:chgData name="Benjamin Dornel" userId="ae093956f9b222ec" providerId="LiveId" clId="{0C948896-85E7-49DE-8929-D59AAAFDDE36}" dt="2020-12-07T03:07:51.473" v="7470" actId="20577"/>
         <pc:sldMkLst>
           <pc:docMk/>
           <pc:sldMk cId="354800239" sldId="258"/>
         </pc:sldMkLst>
         <pc:spChg chg="mod">
-          <ac:chgData name="Benjamin Dornel" userId="ae093956f9b222ec" providerId="LiveId" clId="{0C948896-85E7-49DE-8929-D59AAAFDDE36}" dt="2020-12-06T13:25:19.931" v="2895" actId="26606"/>
+          <ac:chgData name="Benjamin Dornel" userId="ae093956f9b222ec" providerId="LiveId" clId="{0C948896-85E7-49DE-8929-D59AAAFDDE36}" dt="2020-12-07T03:07:51.473" v="7470" actId="20577"/>
           <ac:spMkLst>
             <pc:docMk/>
             <pc:sldMk cId="354800239" sldId="258"/>
@@ -411,7 +414,7 @@
           </ac:spMkLst>
         </pc:spChg>
         <pc:spChg chg="mod">
-          <ac:chgData name="Benjamin Dornel" userId="ae093956f9b222ec" providerId="LiveId" clId="{0C948896-85E7-49DE-8929-D59AAAFDDE36}" dt="2020-12-06T14:32:34.544" v="5049" actId="2711"/>
+          <ac:chgData name="Benjamin Dornel" userId="ae093956f9b222ec" providerId="LiveId" clId="{0C948896-85E7-49DE-8929-D59AAAFDDE36}" dt="2020-12-07T03:07:47.386" v="7457" actId="403"/>
           <ac:spMkLst>
             <pc:docMk/>
             <pc:sldMk cId="354800239" sldId="258"/>
@@ -720,8 +723,8 @@
           </ac:picMkLst>
         </pc:picChg>
       </pc:sldChg>
-      <pc:sldChg chg="addSp delSp modSp new mod ord">
-        <pc:chgData name="Benjamin Dornel" userId="ae093956f9b222ec" providerId="LiveId" clId="{0C948896-85E7-49DE-8929-D59AAAFDDE36}" dt="2020-12-06T13:13:22.943" v="2598"/>
+      <pc:sldChg chg="addSp delSp modSp new del mod ord">
+        <pc:chgData name="Benjamin Dornel" userId="ae093956f9b222ec" providerId="LiveId" clId="{0C948896-85E7-49DE-8929-D59AAAFDDE36}" dt="2020-12-07T01:08:09.374" v="6370" actId="47"/>
         <pc:sldMkLst>
           <pc:docMk/>
           <pc:sldMk cId="1135416399" sldId="261"/>
@@ -751,8 +754,8 @@
           </ac:picMkLst>
         </pc:picChg>
       </pc:sldChg>
-      <pc:sldChg chg="addSp delSp modSp new mod ord">
-        <pc:chgData name="Benjamin Dornel" userId="ae093956f9b222ec" providerId="LiveId" clId="{0C948896-85E7-49DE-8929-D59AAAFDDE36}" dt="2020-12-06T13:13:22.943" v="2598"/>
+      <pc:sldChg chg="addSp delSp modSp new del mod ord">
+        <pc:chgData name="Benjamin Dornel" userId="ae093956f9b222ec" providerId="LiveId" clId="{0C948896-85E7-49DE-8929-D59AAAFDDE36}" dt="2020-12-07T01:08:09.374" v="6370" actId="47"/>
         <pc:sldMkLst>
           <pc:docMk/>
           <pc:sldMk cId="2249829456" sldId="262"/>
@@ -782,8 +785,8 @@
           </ac:picMkLst>
         </pc:picChg>
       </pc:sldChg>
-      <pc:sldChg chg="addSp delSp modSp add mod ord">
-        <pc:chgData name="Benjamin Dornel" userId="ae093956f9b222ec" providerId="LiveId" clId="{0C948896-85E7-49DE-8929-D59AAAFDDE36}" dt="2020-12-06T13:13:22.943" v="2598"/>
+      <pc:sldChg chg="addSp delSp modSp add del mod ord">
+        <pc:chgData name="Benjamin Dornel" userId="ae093956f9b222ec" providerId="LiveId" clId="{0C948896-85E7-49DE-8929-D59AAAFDDE36}" dt="2020-12-07T01:08:09.374" v="6370" actId="47"/>
         <pc:sldMkLst>
           <pc:docMk/>
           <pc:sldMk cId="3172165100" sldId="263"/>
@@ -822,7 +825,7 @@
         </pc:picChg>
       </pc:sldChg>
       <pc:sldChg chg="addSp delSp modSp new mod ord">
-        <pc:chgData name="Benjamin Dornel" userId="ae093956f9b222ec" providerId="LiveId" clId="{0C948896-85E7-49DE-8929-D59AAAFDDE36}" dt="2020-12-06T13:13:22.943" v="2598"/>
+        <pc:chgData name="Benjamin Dornel" userId="ae093956f9b222ec" providerId="LiveId" clId="{0C948896-85E7-49DE-8929-D59AAAFDDE36}" dt="2020-12-07T01:12:18.913" v="6375"/>
         <pc:sldMkLst>
           <pc:docMk/>
           <pc:sldMk cId="3172282208" sldId="264"/>
@@ -924,7 +927,7 @@
         </pc:graphicFrameChg>
       </pc:sldChg>
       <pc:sldChg chg="addSp delSp modSp new mod setBg modNotesTx">
-        <pc:chgData name="Benjamin Dornel" userId="ae093956f9b222ec" providerId="LiveId" clId="{0C948896-85E7-49DE-8929-D59AAAFDDE36}" dt="2020-12-06T14:56:10.987" v="6251" actId="20577"/>
+        <pc:chgData name="Benjamin Dornel" userId="ae093956f9b222ec" providerId="LiveId" clId="{0C948896-85E7-49DE-8929-D59AAAFDDE36}" dt="2020-12-07T01:21:03.152" v="7029" actId="20577"/>
         <pc:sldMkLst>
           <pc:docMk/>
           <pc:sldMk cId="1124853290" sldId="265"/>
@@ -945,6 +948,22 @@
             <ac:spMk id="3" creationId="{591C95A7-BBF4-46B4-B893-FB39E2FB8EB7}"/>
           </ac:spMkLst>
         </pc:spChg>
+        <pc:spChg chg="add del">
+          <ac:chgData name="Benjamin Dornel" userId="ae093956f9b222ec" providerId="LiveId" clId="{0C948896-85E7-49DE-8929-D59AAAFDDE36}" dt="2020-12-07T00:59:40.753" v="6292" actId="11529"/>
+          <ac:spMkLst>
+            <pc:docMk/>
+            <pc:sldMk cId="1124853290" sldId="265"/>
+            <ac:spMk id="4" creationId="{BF407F00-FBDC-4EF5-9BF5-F304B4402C9A}"/>
+          </ac:spMkLst>
+        </pc:spChg>
+        <pc:spChg chg="add mod">
+          <ac:chgData name="Benjamin Dornel" userId="ae093956f9b222ec" providerId="LiveId" clId="{0C948896-85E7-49DE-8929-D59AAAFDDE36}" dt="2020-12-07T01:01:03.163" v="6344" actId="164"/>
+          <ac:spMkLst>
+            <pc:docMk/>
+            <pc:sldMk cId="1124853290" sldId="265"/>
+            <ac:spMk id="5" creationId="{F8180D75-9BCA-4494-BA02-1910B785823E}"/>
+          </ac:spMkLst>
+        </pc:spChg>
         <pc:spChg chg="add del mod">
           <ac:chgData name="Benjamin Dornel" userId="ae093956f9b222ec" providerId="LiveId" clId="{0C948896-85E7-49DE-8929-D59AAAFDDE36}" dt="2020-12-06T13:00:01.064" v="2280"/>
           <ac:spMkLst>
@@ -954,7 +973,7 @@
           </ac:spMkLst>
         </pc:spChg>
         <pc:spChg chg="add mod">
-          <ac:chgData name="Benjamin Dornel" userId="ae093956f9b222ec" providerId="LiveId" clId="{0C948896-85E7-49DE-8929-D59AAAFDDE36}" dt="2020-12-06T14:44:55.170" v="5309" actId="2711"/>
+          <ac:chgData name="Benjamin Dornel" userId="ae093956f9b222ec" providerId="LiveId" clId="{0C948896-85E7-49DE-8929-D59AAAFDDE36}" dt="2020-12-07T01:20:38.010" v="6993" actId="20577"/>
           <ac:spMkLst>
             <pc:docMk/>
             <pc:sldMk cId="1124853290" sldId="265"/>
@@ -1049,6 +1068,14 @@
             <ac:spMk id="28" creationId="{19C9EAEA-39D0-4B0E-A0EB-51E7B26740B1}"/>
           </ac:spMkLst>
         </pc:spChg>
+        <pc:grpChg chg="add mod">
+          <ac:chgData name="Benjamin Dornel" userId="ae093956f9b222ec" providerId="LiveId" clId="{0C948896-85E7-49DE-8929-D59AAAFDDE36}" dt="2020-12-07T01:01:06.298" v="6345" actId="1076"/>
+          <ac:grpSpMkLst>
+            <pc:docMk/>
+            <pc:sldMk cId="1124853290" sldId="265"/>
+            <ac:grpSpMk id="6" creationId="{69E7015A-39EF-4D8F-9D0A-0B4A6B43951A}"/>
+          </ac:grpSpMkLst>
+        </pc:grpChg>
         <pc:grpChg chg="add del">
           <ac:chgData name="Benjamin Dornel" userId="ae093956f9b222ec" providerId="LiveId" clId="{0C948896-85E7-49DE-8929-D59AAAFDDE36}" dt="2020-12-06T13:23:21.477" v="2852" actId="26606"/>
           <ac:grpSpMkLst>
@@ -1065,6 +1092,14 @@
             <ac:graphicFrameMk id="4" creationId="{A266DBD4-BA56-4F73-9B81-A3B7216BBD48}"/>
           </ac:graphicFrameMkLst>
         </pc:graphicFrameChg>
+        <pc:picChg chg="add mod modCrop">
+          <ac:chgData name="Benjamin Dornel" userId="ae093956f9b222ec" providerId="LiveId" clId="{0C948896-85E7-49DE-8929-D59AAAFDDE36}" dt="2020-12-07T01:01:03.163" v="6344" actId="164"/>
+          <ac:picMkLst>
+            <pc:docMk/>
+            <pc:sldMk cId="1124853290" sldId="265"/>
+            <ac:picMk id="3" creationId="{ECF1F96A-7EC6-4EB9-B3D7-0D3C1581978E}"/>
+          </ac:picMkLst>
+        </pc:picChg>
         <pc:picChg chg="add del mod">
           <ac:chgData name="Benjamin Dornel" userId="ae093956f9b222ec" providerId="LiveId" clId="{0C948896-85E7-49DE-8929-D59AAAFDDE36}" dt="2020-12-06T13:01:15.812" v="2298" actId="478"/>
           <ac:picMkLst>
@@ -1122,7 +1157,7 @@
         </pc:spChg>
       </pc:sldChg>
       <pc:sldChg chg="addSp delSp modSp new mod setBg">
-        <pc:chgData name="Benjamin Dornel" userId="ae093956f9b222ec" providerId="LiveId" clId="{0C948896-85E7-49DE-8929-D59AAAFDDE36}" dt="2020-12-06T14:49:01.700" v="5378" actId="1035"/>
+        <pc:chgData name="Benjamin Dornel" userId="ae093956f9b222ec" providerId="LiveId" clId="{0C948896-85E7-49DE-8929-D59AAAFDDE36}" dt="2020-12-07T02:13:00.407" v="7308" actId="113"/>
         <pc:sldMkLst>
           <pc:docMk/>
           <pc:sldMk cId="1309271220" sldId="267"/>
@@ -1143,6 +1178,14 @@
             <ac:spMk id="3" creationId="{65636415-BDF4-4668-867B-7D34995346D6}"/>
           </ac:spMkLst>
         </pc:spChg>
+        <pc:spChg chg="add mod">
+          <ac:chgData name="Benjamin Dornel" userId="ae093956f9b222ec" providerId="LiveId" clId="{0C948896-85E7-49DE-8929-D59AAAFDDE36}" dt="2020-12-07T02:13:00.407" v="7308" actId="113"/>
+          <ac:spMkLst>
+            <pc:docMk/>
+            <pc:sldMk cId="1309271220" sldId="267"/>
+            <ac:spMk id="4" creationId="{B36A0A88-AD38-4481-8E28-56EB6EE68564}"/>
+          </ac:spMkLst>
+        </pc:spChg>
         <pc:spChg chg="add del mod">
           <ac:chgData name="Benjamin Dornel" userId="ae093956f9b222ec" providerId="LiveId" clId="{0C948896-85E7-49DE-8929-D59AAAFDDE36}" dt="2020-12-06T13:20:25.689" v="2741"/>
           <ac:spMkLst>
@@ -1199,8 +1242,8 @@
             <ac:grpSpMk id="12" creationId="{1DE889C7-FAD6-4397-98E2-05D503484459}"/>
           </ac:grpSpMkLst>
         </pc:grpChg>
-        <pc:picChg chg="add mod">
-          <ac:chgData name="Benjamin Dornel" userId="ae093956f9b222ec" providerId="LiveId" clId="{0C948896-85E7-49DE-8929-D59AAAFDDE36}" dt="2020-12-06T14:33:00.077" v="5060" actId="1038"/>
+        <pc:picChg chg="add mod modCrop">
+          <ac:chgData name="Benjamin Dornel" userId="ae093956f9b222ec" providerId="LiveId" clId="{0C948896-85E7-49DE-8929-D59AAAFDDE36}" dt="2020-12-07T02:12:44.972" v="7266" actId="732"/>
           <ac:picMkLst>
             <pc:docMk/>
             <pc:sldMk cId="1309271220" sldId="267"/>
@@ -1209,7 +1252,7 @@
         </pc:picChg>
       </pc:sldChg>
       <pc:sldChg chg="addSp delSp modSp add mod setBg delDesignElem">
-        <pc:chgData name="Benjamin Dornel" userId="ae093956f9b222ec" providerId="LiveId" clId="{0C948896-85E7-49DE-8929-D59AAAFDDE36}" dt="2020-12-06T14:47:48.645" v="5357" actId="14100"/>
+        <pc:chgData name="Benjamin Dornel" userId="ae093956f9b222ec" providerId="LiveId" clId="{0C948896-85E7-49DE-8929-D59AAAFDDE36}" dt="2020-12-07T02:13:45.845" v="7327" actId="20577"/>
         <pc:sldMkLst>
           <pc:docMk/>
           <pc:sldMk cId="3031535676" sldId="268"/>
@@ -1268,6 +1311,14 @@
             <pc:docMk/>
             <pc:sldMk cId="3031535676" sldId="268"/>
             <ac:spMk id="11" creationId="{C13237C8-E62C-4F0D-A318-BD6FB6C2D138}"/>
+          </ac:spMkLst>
+        </pc:spChg>
+        <pc:spChg chg="add mod">
+          <ac:chgData name="Benjamin Dornel" userId="ae093956f9b222ec" providerId="LiveId" clId="{0C948896-85E7-49DE-8929-D59AAAFDDE36}" dt="2020-12-07T02:13:45.845" v="7327" actId="20577"/>
+          <ac:spMkLst>
+            <pc:docMk/>
+            <pc:sldMk cId="3031535676" sldId="268"/>
+            <ac:spMk id="13" creationId="{3B624380-04F0-4D87-853B-5CCDE3EC5B70}"/>
           </ac:spMkLst>
         </pc:spChg>
         <pc:spChg chg="add del">
@@ -1430,8 +1481,8 @@
             <ac:picMk id="5" creationId="{AE333EA3-000A-4F3D-9775-7FCA1FE75206}"/>
           </ac:picMkLst>
         </pc:picChg>
-        <pc:picChg chg="add mod">
-          <ac:chgData name="Benjamin Dornel" userId="ae093956f9b222ec" providerId="LiveId" clId="{0C948896-85E7-49DE-8929-D59AAAFDDE36}" dt="2020-12-06T14:33:20.525" v="5068" actId="1076"/>
+        <pc:picChg chg="add del mod modCrop">
+          <ac:chgData name="Benjamin Dornel" userId="ae093956f9b222ec" providerId="LiveId" clId="{0C948896-85E7-49DE-8929-D59AAAFDDE36}" dt="2020-12-07T02:13:34.980" v="7317" actId="732"/>
           <ac:picMkLst>
             <pc:docMk/>
             <pc:sldMk cId="3031535676" sldId="268"/>
@@ -1440,7 +1491,7 @@
         </pc:picChg>
       </pc:sldChg>
       <pc:sldChg chg="addSp delSp modSp add mod setBg delDesignElem">
-        <pc:chgData name="Benjamin Dornel" userId="ae093956f9b222ec" providerId="LiveId" clId="{0C948896-85E7-49DE-8929-D59AAAFDDE36}" dt="2020-12-06T14:56:56.127" v="6274" actId="20577"/>
+        <pc:chgData name="Benjamin Dornel" userId="ae093956f9b222ec" providerId="LiveId" clId="{0C948896-85E7-49DE-8929-D59AAAFDDE36}" dt="2020-12-07T02:13:07.305" v="7311"/>
         <pc:sldMkLst>
           <pc:docMk/>
           <pc:sldMk cId="2357560883" sldId="269"/>
@@ -1454,7 +1505,7 @@
           </ac:spMkLst>
         </pc:spChg>
         <pc:spChg chg="mod">
-          <ac:chgData name="Benjamin Dornel" userId="ae093956f9b222ec" providerId="LiveId" clId="{0C948896-85E7-49DE-8929-D59AAAFDDE36}" dt="2020-12-06T14:56:24.954" v="6263" actId="1036"/>
+          <ac:chgData name="Benjamin Dornel" userId="ae093956f9b222ec" providerId="LiveId" clId="{0C948896-85E7-49DE-8929-D59AAAFDDE36}" dt="2020-12-07T01:12:08.703" v="6373" actId="115"/>
           <ac:spMkLst>
             <pc:docMk/>
             <pc:sldMk cId="2357560883" sldId="269"/>
@@ -1531,6 +1582,14 @@
             <pc:docMk/>
             <pc:sldMk cId="2357560883" sldId="269"/>
             <ac:spMk id="17" creationId="{28460F09-EA48-4B32-97F2-F94CC55250BC}"/>
+          </ac:spMkLst>
+        </pc:spChg>
+        <pc:spChg chg="add mod">
+          <ac:chgData name="Benjamin Dornel" userId="ae093956f9b222ec" providerId="LiveId" clId="{0C948896-85E7-49DE-8929-D59AAAFDDE36}" dt="2020-12-07T02:13:07.305" v="7311"/>
+          <ac:spMkLst>
+            <pc:docMk/>
+            <pc:sldMk cId="2357560883" sldId="269"/>
+            <ac:spMk id="17" creationId="{8291E049-804E-4CDA-8E3B-7312016F6B38}"/>
           </ac:spMkLst>
         </pc:spChg>
         <pc:spChg chg="del">
@@ -1589,12 +1648,20 @@
             <ac:picMk id="5" creationId="{AE333EA3-000A-4F3D-9775-7FCA1FE75206}"/>
           </ac:picMkLst>
         </pc:picChg>
-        <pc:picChg chg="add mod">
-          <ac:chgData name="Benjamin Dornel" userId="ae093956f9b222ec" providerId="LiveId" clId="{0C948896-85E7-49DE-8929-D59AAAFDDE36}" dt="2020-12-06T14:33:04.678" v="5062"/>
+        <pc:picChg chg="add del mod">
+          <ac:chgData name="Benjamin Dornel" userId="ae093956f9b222ec" providerId="LiveId" clId="{0C948896-85E7-49DE-8929-D59AAAFDDE36}" dt="2020-12-07T02:13:04.548" v="7310" actId="478"/>
           <ac:picMkLst>
             <pc:docMk/>
             <pc:sldMk cId="2357560883" sldId="269"/>
             <ac:picMk id="12" creationId="{A8FB6496-1DC0-4A6C-8831-14C08687EC3A}"/>
+          </ac:picMkLst>
+        </pc:picChg>
+        <pc:picChg chg="add mod">
+          <ac:chgData name="Benjamin Dornel" userId="ae093956f9b222ec" providerId="LiveId" clId="{0C948896-85E7-49DE-8929-D59AAAFDDE36}" dt="2020-12-07T02:13:03.105" v="7309"/>
+          <ac:picMkLst>
+            <pc:docMk/>
+            <pc:sldMk cId="2357560883" sldId="269"/>
+            <ac:picMk id="16" creationId="{04B241BC-3CFA-418F-A699-C45068B31BB7}"/>
           </ac:picMkLst>
         </pc:picChg>
       </pc:sldChg>
@@ -1630,7 +1697,7 @@
         </pc:picChg>
       </pc:sldChg>
       <pc:sldChg chg="addSp delSp modSp add mod setBg delDesignElem">
-        <pc:chgData name="Benjamin Dornel" userId="ae093956f9b222ec" providerId="LiveId" clId="{0C948896-85E7-49DE-8929-D59AAAFDDE36}" dt="2020-12-06T14:47:52.584" v="5358" actId="14100"/>
+        <pc:chgData name="Benjamin Dornel" userId="ae093956f9b222ec" providerId="LiveId" clId="{0C948896-85E7-49DE-8929-D59AAAFDDE36}" dt="2020-12-07T02:13:55.105" v="7330"/>
         <pc:sldMkLst>
           <pc:docMk/>
           <pc:sldMk cId="1909178621" sldId="271"/>
@@ -1644,7 +1711,7 @@
           </ac:spMkLst>
         </pc:spChg>
         <pc:spChg chg="mod">
-          <ac:chgData name="Benjamin Dornel" userId="ae093956f9b222ec" providerId="LiveId" clId="{0C948896-85E7-49DE-8929-D59AAAFDDE36}" dt="2020-12-06T14:47:52.584" v="5358" actId="14100"/>
+          <ac:chgData name="Benjamin Dornel" userId="ae093956f9b222ec" providerId="LiveId" clId="{0C948896-85E7-49DE-8929-D59AAAFDDE36}" dt="2020-12-07T01:18:43.129" v="6959" actId="20577"/>
           <ac:spMkLst>
             <pc:docMk/>
             <pc:sldMk cId="1909178621" sldId="271"/>
@@ -1715,6 +1782,14 @@
             <ac:spMk id="16" creationId="{5B1583B6-3A1F-4DC9-A27E-C416A36876B6}"/>
           </ac:spMkLst>
         </pc:spChg>
+        <pc:spChg chg="add del">
+          <ac:chgData name="Benjamin Dornel" userId="ae093956f9b222ec" providerId="LiveId" clId="{0C948896-85E7-49DE-8929-D59AAAFDDE36}" dt="2020-12-07T02:13:52.189" v="7329" actId="22"/>
+          <ac:spMkLst>
+            <pc:docMk/>
+            <pc:sldMk cId="1909178621" sldId="271"/>
+            <ac:spMk id="16" creationId="{806E7EDD-576D-4843-B9CB-3CA3F6C70064}"/>
+          </ac:spMkLst>
+        </pc:spChg>
         <pc:spChg chg="add">
           <ac:chgData name="Benjamin Dornel" userId="ae093956f9b222ec" providerId="LiveId" clId="{0C948896-85E7-49DE-8929-D59AAAFDDE36}" dt="2020-12-06T13:53:28.315" v="3549" actId="26606"/>
           <ac:spMkLst>
@@ -1729,6 +1804,14 @@
             <pc:docMk/>
             <pc:sldMk cId="1909178621" sldId="271"/>
             <ac:spMk id="18" creationId="{9A777EB7-BBAB-46F5-9C4F-ED1E2FFFB5BE}"/>
+          </ac:spMkLst>
+        </pc:spChg>
+        <pc:spChg chg="add mod">
+          <ac:chgData name="Benjamin Dornel" userId="ae093956f9b222ec" providerId="LiveId" clId="{0C948896-85E7-49DE-8929-D59AAAFDDE36}" dt="2020-12-07T02:13:55.105" v="7330"/>
+          <ac:spMkLst>
+            <pc:docMk/>
+            <pc:sldMk cId="1909178621" sldId="271"/>
+            <ac:spMk id="18" creationId="{F3B8EEC5-BE13-44F7-860C-295EA5997DF9}"/>
           </ac:spMkLst>
         </pc:spChg>
         <pc:spChg chg="add">
@@ -1771,23 +1854,31 @@
             <ac:grpSpMk id="10" creationId="{1DE889C7-FAD6-4397-98E2-05D503484459}"/>
           </ac:grpSpMkLst>
         </pc:grpChg>
-        <pc:picChg chg="mod">
-          <ac:chgData name="Benjamin Dornel" userId="ae093956f9b222ec" providerId="LiveId" clId="{0C948896-85E7-49DE-8929-D59AAAFDDE36}" dt="2020-12-06T14:33:11.626" v="5065" actId="1076"/>
+        <pc:picChg chg="del mod">
+          <ac:chgData name="Benjamin Dornel" userId="ae093956f9b222ec" providerId="LiveId" clId="{0C948896-85E7-49DE-8929-D59AAAFDDE36}" dt="2020-12-07T02:13:40.869" v="7319" actId="478"/>
           <ac:picMkLst>
             <pc:docMk/>
             <pc:sldMk cId="1909178621" sldId="271"/>
             <ac:picMk id="4" creationId="{17477ED3-0BC5-4E1F-870A-7136CD397AF9}"/>
           </ac:picMkLst>
         </pc:picChg>
+        <pc:picChg chg="add mod">
+          <ac:chgData name="Benjamin Dornel" userId="ae093956f9b222ec" providerId="LiveId" clId="{0C948896-85E7-49DE-8929-D59AAAFDDE36}" dt="2020-12-07T02:13:39.512" v="7318"/>
+          <ac:picMkLst>
+            <pc:docMk/>
+            <pc:sldMk cId="1909178621" sldId="271"/>
+            <ac:picMk id="15" creationId="{57DEBA41-1197-4340-8580-3D2432E3FE36}"/>
+          </ac:picMkLst>
+        </pc:picChg>
       </pc:sldChg>
-      <pc:sldChg chg="addSp delSp modSp new mod">
-        <pc:chgData name="Benjamin Dornel" userId="ae093956f9b222ec" providerId="LiveId" clId="{0C948896-85E7-49DE-8929-D59AAAFDDE36}" dt="2020-12-06T14:04:33.396" v="4059" actId="1076"/>
+      <pc:sldChg chg="addSp delSp modSp new add del mod modNotesTx">
+        <pc:chgData name="Benjamin Dornel" userId="ae093956f9b222ec" providerId="LiveId" clId="{0C948896-85E7-49DE-8929-D59AAAFDDE36}" dt="2020-12-07T01:31:30.439" v="7061" actId="1076"/>
         <pc:sldMkLst>
           <pc:docMk/>
           <pc:sldMk cId="3870118615" sldId="272"/>
         </pc:sldMkLst>
         <pc:spChg chg="mod">
-          <ac:chgData name="Benjamin Dornel" userId="ae093956f9b222ec" providerId="LiveId" clId="{0C948896-85E7-49DE-8929-D59AAAFDDE36}" dt="2020-12-06T14:04:25.772" v="4053" actId="20577"/>
+          <ac:chgData name="Benjamin Dornel" userId="ae093956f9b222ec" providerId="LiveId" clId="{0C948896-85E7-49DE-8929-D59AAAFDDE36}" dt="2020-12-07T01:13:04.344" v="6382" actId="20577"/>
           <ac:spMkLst>
             <pc:docMk/>
             <pc:sldMk cId="3870118615" sldId="272"/>
@@ -1803,7 +1894,7 @@
           </ac:spMkLst>
         </pc:spChg>
         <pc:picChg chg="add mod">
-          <ac:chgData name="Benjamin Dornel" userId="ae093956f9b222ec" providerId="LiveId" clId="{0C948896-85E7-49DE-8929-D59AAAFDDE36}" dt="2020-12-06T14:04:33.396" v="4059" actId="1076"/>
+          <ac:chgData name="Benjamin Dornel" userId="ae093956f9b222ec" providerId="LiveId" clId="{0C948896-85E7-49DE-8929-D59AAAFDDE36}" dt="2020-12-07T01:31:30.439" v="7061" actId="1076"/>
           <ac:picMkLst>
             <pc:docMk/>
             <pc:sldMk cId="3870118615" sldId="272"/>
@@ -2015,6 +2106,207 @@
             <ac:grpSpMk id="10" creationId="{28FAF094-D087-493F-8DF9-A486C2D6BBAA}"/>
           </ac:grpSpMkLst>
         </pc:grpChg>
+      </pc:sldChg>
+      <pc:sldChg chg="addSp delSp modSp new del mod ord">
+        <pc:chgData name="Benjamin Dornel" userId="ae093956f9b222ec" providerId="LiveId" clId="{0C948896-85E7-49DE-8929-D59AAAFDDE36}" dt="2020-12-07T01:07:53.307" v="6369" actId="47"/>
+        <pc:sldMkLst>
+          <pc:docMk/>
+          <pc:sldMk cId="3534832241" sldId="276"/>
+        </pc:sldMkLst>
+        <pc:spChg chg="mod">
+          <ac:chgData name="Benjamin Dornel" userId="ae093956f9b222ec" providerId="LiveId" clId="{0C948896-85E7-49DE-8929-D59AAAFDDE36}" dt="2020-12-07T01:07:18.073" v="6353" actId="20577"/>
+          <ac:spMkLst>
+            <pc:docMk/>
+            <pc:sldMk cId="3534832241" sldId="276"/>
+            <ac:spMk id="2" creationId="{D05BEEBB-2D61-4614-AB9F-DFF9D0DA13CA}"/>
+          </ac:spMkLst>
+        </pc:spChg>
+        <pc:spChg chg="del">
+          <ac:chgData name="Benjamin Dornel" userId="ae093956f9b222ec" providerId="LiveId" clId="{0C948896-85E7-49DE-8929-D59AAAFDDE36}" dt="2020-12-07T01:07:25.722" v="6354" actId="478"/>
+          <ac:spMkLst>
+            <pc:docMk/>
+            <pc:sldMk cId="3534832241" sldId="276"/>
+            <ac:spMk id="3" creationId="{5D94209B-A326-4DBD-8A9A-0CE17FBC07BC}"/>
+          </ac:spMkLst>
+        </pc:spChg>
+        <pc:picChg chg="add del mod">
+          <ac:chgData name="Benjamin Dornel" userId="ae093956f9b222ec" providerId="LiveId" clId="{0C948896-85E7-49DE-8929-D59AAAFDDE36}" dt="2020-12-07T01:07:43.619" v="6367" actId="478"/>
+          <ac:picMkLst>
+            <pc:docMk/>
+            <pc:sldMk cId="3534832241" sldId="276"/>
+            <ac:picMk id="4" creationId="{4994A37B-D1FF-4FCF-9707-0D08A1D45D8A}"/>
+          </ac:picMkLst>
+        </pc:picChg>
+      </pc:sldChg>
+      <pc:sldChg chg="addSp delSp modSp add mod setBg modNotesTx">
+        <pc:chgData name="Benjamin Dornel" userId="ae093956f9b222ec" providerId="LiveId" clId="{0C948896-85E7-49DE-8929-D59AAAFDDE36}" dt="2020-12-07T01:43:28.998" v="7151" actId="20577"/>
+        <pc:sldMkLst>
+          <pc:docMk/>
+          <pc:sldMk cId="2765194612" sldId="277"/>
+        </pc:sldMkLst>
+        <pc:spChg chg="mod">
+          <ac:chgData name="Benjamin Dornel" userId="ae093956f9b222ec" providerId="LiveId" clId="{0C948896-85E7-49DE-8929-D59AAAFDDE36}" dt="2020-12-07T01:08:24.909" v="6372" actId="26606"/>
+          <ac:spMkLst>
+            <pc:docMk/>
+            <pc:sldMk cId="2765194612" sldId="277"/>
+            <ac:spMk id="2" creationId="{3A7B353F-9DE1-4469-B3B8-319674EE051E}"/>
+          </ac:spMkLst>
+        </pc:spChg>
+        <pc:spChg chg="add del">
+          <ac:chgData name="Benjamin Dornel" userId="ae093956f9b222ec" providerId="LiveId" clId="{0C948896-85E7-49DE-8929-D59AAAFDDE36}" dt="2020-12-07T01:08:24.909" v="6372" actId="26606"/>
+          <ac:spMkLst>
+            <pc:docMk/>
+            <pc:sldMk cId="2765194612" sldId="277"/>
+            <ac:spMk id="9" creationId="{E45B1D5C-0827-4AF0-8186-11FC5A8B8B92}"/>
+          </ac:spMkLst>
+        </pc:spChg>
+        <pc:spChg chg="add del">
+          <ac:chgData name="Benjamin Dornel" userId="ae093956f9b222ec" providerId="LiveId" clId="{0C948896-85E7-49DE-8929-D59AAAFDDE36}" dt="2020-12-07T01:08:24.909" v="6372" actId="26606"/>
+          <ac:spMkLst>
+            <pc:docMk/>
+            <pc:sldMk cId="2765194612" sldId="277"/>
+            <ac:spMk id="11" creationId="{99413ED5-9ED4-4772-BCE4-2BCAE6B12E35}"/>
+          </ac:spMkLst>
+        </pc:spChg>
+        <pc:spChg chg="add del">
+          <ac:chgData name="Benjamin Dornel" userId="ae093956f9b222ec" providerId="LiveId" clId="{0C948896-85E7-49DE-8929-D59AAAFDDE36}" dt="2020-12-07T01:08:24.909" v="6372" actId="26606"/>
+          <ac:spMkLst>
+            <pc:docMk/>
+            <pc:sldMk cId="2765194612" sldId="277"/>
+            <ac:spMk id="13" creationId="{04357C93-F0CB-4A1C-8F77-4E9063789819}"/>
+          </ac:spMkLst>
+        </pc:spChg>
+        <pc:spChg chg="add del">
+          <ac:chgData name="Benjamin Dornel" userId="ae093956f9b222ec" providerId="LiveId" clId="{0C948896-85E7-49DE-8929-D59AAAFDDE36}" dt="2020-12-07T01:08:24.909" v="6372" actId="26606"/>
+          <ac:spMkLst>
+            <pc:docMk/>
+            <pc:sldMk cId="2765194612" sldId="277"/>
+            <ac:spMk id="15" creationId="{90F533E9-6690-41A8-A372-4C6C622D028D}"/>
+          </ac:spMkLst>
+        </pc:spChg>
+        <pc:picChg chg="mod">
+          <ac:chgData name="Benjamin Dornel" userId="ae093956f9b222ec" providerId="LiveId" clId="{0C948896-85E7-49DE-8929-D59AAAFDDE36}" dt="2020-12-07T01:08:24.909" v="6372" actId="26606"/>
+          <ac:picMkLst>
+            <pc:docMk/>
+            <pc:sldMk cId="2765194612" sldId="277"/>
+            <ac:picMk id="4" creationId="{FFB930D6-B4CF-4172-92B6-94A39B873936}"/>
+          </ac:picMkLst>
+        </pc:picChg>
+      </pc:sldChg>
+      <pc:sldChg chg="add">
+        <pc:chgData name="Benjamin Dornel" userId="ae093956f9b222ec" providerId="LiveId" clId="{0C948896-85E7-49DE-8929-D59AAAFDDE36}" dt="2020-12-07T01:07:51.499" v="6368"/>
+        <pc:sldMkLst>
+          <pc:docMk/>
+          <pc:sldMk cId="1997895346" sldId="278"/>
+        </pc:sldMkLst>
+      </pc:sldChg>
+      <pc:sldChg chg="add">
+        <pc:chgData name="Benjamin Dornel" userId="ae093956f9b222ec" providerId="LiveId" clId="{0C948896-85E7-49DE-8929-D59AAAFDDE36}" dt="2020-12-07T01:07:51.499" v="6368"/>
+        <pc:sldMkLst>
+          <pc:docMk/>
+          <pc:sldMk cId="806620707" sldId="279"/>
+        </pc:sldMkLst>
+      </pc:sldChg>
+      <pc:sldChg chg="addSp delSp modSp new mod ord">
+        <pc:chgData name="Benjamin Dornel" userId="ae093956f9b222ec" providerId="LiveId" clId="{0C948896-85E7-49DE-8929-D59AAAFDDE36}" dt="2020-12-07T01:31:34.807" v="7063" actId="1076"/>
+        <pc:sldMkLst>
+          <pc:docMk/>
+          <pc:sldMk cId="2765606240" sldId="280"/>
+        </pc:sldMkLst>
+        <pc:spChg chg="mod">
+          <ac:chgData name="Benjamin Dornel" userId="ae093956f9b222ec" providerId="LiveId" clId="{0C948896-85E7-49DE-8929-D59AAAFDDE36}" dt="2020-12-07T01:31:04.239" v="7053" actId="20577"/>
+          <ac:spMkLst>
+            <pc:docMk/>
+            <pc:sldMk cId="2765606240" sldId="280"/>
+            <ac:spMk id="2" creationId="{E1674849-76CB-4BF1-8C0A-4DF232EDD195}"/>
+          </ac:spMkLst>
+        </pc:spChg>
+        <pc:spChg chg="del">
+          <ac:chgData name="Benjamin Dornel" userId="ae093956f9b222ec" providerId="LiveId" clId="{0C948896-85E7-49DE-8929-D59AAAFDDE36}" dt="2020-12-07T01:31:18.117" v="7054"/>
+          <ac:spMkLst>
+            <pc:docMk/>
+            <pc:sldMk cId="2765606240" sldId="280"/>
+            <ac:spMk id="3" creationId="{02F6EDE0-CEF4-461A-9A22-8B9E61C11ABE}"/>
+          </ac:spMkLst>
+        </pc:spChg>
+        <pc:picChg chg="add mod">
+          <ac:chgData name="Benjamin Dornel" userId="ae093956f9b222ec" providerId="LiveId" clId="{0C948896-85E7-49DE-8929-D59AAAFDDE36}" dt="2020-12-07T01:31:34.807" v="7063" actId="1076"/>
+          <ac:picMkLst>
+            <pc:docMk/>
+            <pc:sldMk cId="2765606240" sldId="280"/>
+            <ac:picMk id="4" creationId="{DA9AA4EE-5E23-42BF-942C-FEAED88C5026}"/>
+          </ac:picMkLst>
+        </pc:picChg>
+      </pc:sldChg>
+      <pc:sldChg chg="addSp delSp modSp new mod ord">
+        <pc:chgData name="Benjamin Dornel" userId="ae093956f9b222ec" providerId="LiveId" clId="{0C948896-85E7-49DE-8929-D59AAAFDDE36}" dt="2020-12-07T01:46:50.655" v="7221"/>
+        <pc:sldMkLst>
+          <pc:docMk/>
+          <pc:sldMk cId="3629284601" sldId="281"/>
+        </pc:sldMkLst>
+        <pc:spChg chg="mod">
+          <ac:chgData name="Benjamin Dornel" userId="ae093956f9b222ec" providerId="LiveId" clId="{0C948896-85E7-49DE-8929-D59AAAFDDE36}" dt="2020-12-07T01:45:58.736" v="7207" actId="20577"/>
+          <ac:spMkLst>
+            <pc:docMk/>
+            <pc:sldMk cId="3629284601" sldId="281"/>
+            <ac:spMk id="2" creationId="{1E3C0F32-F798-46CA-9760-55972009EEE1}"/>
+          </ac:spMkLst>
+        </pc:spChg>
+        <pc:spChg chg="del">
+          <ac:chgData name="Benjamin Dornel" userId="ae093956f9b222ec" providerId="LiveId" clId="{0C948896-85E7-49DE-8929-D59AAAFDDE36}" dt="2020-12-07T01:46:14.814" v="7208" actId="478"/>
+          <ac:spMkLst>
+            <pc:docMk/>
+            <pc:sldMk cId="3629284601" sldId="281"/>
+            <ac:spMk id="3" creationId="{70375095-E675-41F9-901E-A8A90FE2C4AB}"/>
+          </ac:spMkLst>
+        </pc:spChg>
+        <pc:picChg chg="add mod">
+          <ac:chgData name="Benjamin Dornel" userId="ae093956f9b222ec" providerId="LiveId" clId="{0C948896-85E7-49DE-8929-D59AAAFDDE36}" dt="2020-12-07T01:46:16.079" v="7210" actId="1076"/>
+          <ac:picMkLst>
+            <pc:docMk/>
+            <pc:sldMk cId="3629284601" sldId="281"/>
+            <ac:picMk id="4" creationId="{FB8E7086-98D8-4D1E-A9BC-BF91474572C4}"/>
+          </ac:picMkLst>
+        </pc:picChg>
+        <pc:picChg chg="add mod">
+          <ac:chgData name="Benjamin Dornel" userId="ae093956f9b222ec" providerId="LiveId" clId="{0C948896-85E7-49DE-8929-D59AAAFDDE36}" dt="2020-12-07T01:46:37.399" v="7217" actId="1076"/>
+          <ac:picMkLst>
+            <pc:docMk/>
+            <pc:sldMk cId="3629284601" sldId="281"/>
+            <ac:picMk id="5" creationId="{C990DBD9-F907-4D4C-BD93-1E5FB175D2E3}"/>
+          </ac:picMkLst>
+        </pc:picChg>
+      </pc:sldChg>
+      <pc:sldChg chg="addSp delSp modSp new mod">
+        <pc:chgData name="Benjamin Dornel" userId="ae093956f9b222ec" providerId="LiveId" clId="{0C948896-85E7-49DE-8929-D59AAAFDDE36}" dt="2020-12-07T01:56:58.717" v="7265" actId="1076"/>
+        <pc:sldMkLst>
+          <pc:docMk/>
+          <pc:sldMk cId="1333321789" sldId="282"/>
+        </pc:sldMkLst>
+        <pc:spChg chg="mod">
+          <ac:chgData name="Benjamin Dornel" userId="ae093956f9b222ec" providerId="LiveId" clId="{0C948896-85E7-49DE-8929-D59AAAFDDE36}" dt="2020-12-07T01:56:58.717" v="7265" actId="1076"/>
+          <ac:spMkLst>
+            <pc:docMk/>
+            <pc:sldMk cId="1333321789" sldId="282"/>
+            <ac:spMk id="2" creationId="{4F96CACA-FE8B-4D94-B9CB-DB40F4928A68}"/>
+          </ac:spMkLst>
+        </pc:spChg>
+        <pc:spChg chg="del">
+          <ac:chgData name="Benjamin Dornel" userId="ae093956f9b222ec" providerId="LiveId" clId="{0C948896-85E7-49DE-8929-D59AAAFDDE36}" dt="2020-12-07T01:56:20.066" v="7223"/>
+          <ac:spMkLst>
+            <pc:docMk/>
+            <pc:sldMk cId="1333321789" sldId="282"/>
+            <ac:spMk id="3" creationId="{0A40750C-6BE4-4B2A-B0C2-48A0359855B4}"/>
+          </ac:spMkLst>
+        </pc:spChg>
+        <pc:picChg chg="add mod">
+          <ac:chgData name="Benjamin Dornel" userId="ae093956f9b222ec" providerId="LiveId" clId="{0C948896-85E7-49DE-8929-D59AAAFDDE36}" dt="2020-12-07T01:56:55.022" v="7263" actId="1076"/>
+          <ac:picMkLst>
+            <pc:docMk/>
+            <pc:sldMk cId="1333321789" sldId="282"/>
+            <ac:picMk id="1026" creationId="{47954459-036B-48F6-9AD9-AC7541C4FE1D}"/>
+          </ac:picMkLst>
+        </pc:picChg>
       </pc:sldChg>
     </pc:docChg>
   </pc:docChgLst>
@@ -2103,7 +2395,7 @@
           <a:p>
             <a:fld id="{5177B98A-5CE0-4D37-A41A-99939C2A14F9}" type="datetimeFigureOut">
               <a:rPr lang="en-SG" smtClean="0"/>
-              <a:t>6/12/2020</a:t>
+              <a:t>7/12/2020</a:t>
             </a:fld>
             <a:endParaRPr lang="en-SG"/>
           </a:p>
@@ -2499,16 +2791,47 @@
               <a:t> </a:t>
             </a:r>
             <a:r>
+              <a:rPr lang="en-US" sz="1200" b="0" dirty="0">
+                <a:ea typeface="Roboto" panose="02000000000000000000" pitchFamily="2" charset="0"/>
+              </a:rPr>
+              <a:t>i</a:t>
+            </a:r>
+            <a:r>
+              <a:rPr lang="en-US" sz="1200" dirty="0">
+                <a:ea typeface="Roboto" panose="02000000000000000000" pitchFamily="2" charset="0"/>
+              </a:rPr>
+              <a:t>ncludes men who are gay, transexual or a person of color</a:t>
+            </a:r>
+          </a:p>
+          <a:p>
+            <a:pPr marL="0" marR="0" lvl="0" indent="0" algn="l" defTabSz="914400" rtl="0" eaLnBrk="1" fontAlgn="auto" latinLnBrk="0" hangingPunct="1">
+              <a:lnSpc>
+                <a:spcPct val="100000"/>
+              </a:lnSpc>
+              <a:spcBef>
+                <a:spcPts val="0"/>
+              </a:spcBef>
+              <a:spcAft>
+                <a:spcPts val="0"/>
+              </a:spcAft>
+              <a:buClrTx/>
+              <a:buSzTx/>
+              <a:buFontTx/>
+              <a:buNone/>
+              <a:tabLst/>
+              <a:defRPr/>
+            </a:pPr>
+            <a:r>
               <a:rPr lang="en-US" sz="1200" b="1" dirty="0">
                 <a:ea typeface="Roboto" panose="02000000000000000000" pitchFamily="2" charset="0"/>
               </a:rPr>
-              <a:t>i</a:t>
+              <a:t>Focus on positivity</a:t>
             </a:r>
             <a:r>
               <a:rPr lang="en-US" sz="1200" dirty="0">
                 <a:ea typeface="Roboto" panose="02000000000000000000" pitchFamily="2" charset="0"/>
               </a:rPr>
-              <a:t>ncludes men who are gay, transexual or a person of color</a:t>
+              <a:t>: aims to build a healthier, kinder, and more inclusive masculinity – generally a non-toxic community</a:t>
             </a:r>
           </a:p>
           <a:p>
@@ -2623,7 +2946,7 @@
               <a:rPr lang="en-US" sz="1200" dirty="0">
                 <a:ea typeface="Roboto" panose="02000000000000000000" pitchFamily="2" charset="0"/>
               </a:rPr>
-              <a:t>: subreddits like r/</a:t>
+              <a:t>: misogynistic subreddits like r/</a:t>
             </a:r>
             <a:r>
               <a:rPr lang="en-US" sz="1200" dirty="0" err="1">
@@ -2635,127 +2958,32 @@
               <a:rPr lang="en-US" sz="1200" dirty="0">
                 <a:ea typeface="Roboto" panose="02000000000000000000" pitchFamily="2" charset="0"/>
               </a:rPr>
-              <a:t> or r/MGTOW</a:t>
-            </a:r>
-          </a:p>
-          <a:p>
-            <a:pPr marL="0" marR="0" lvl="0" indent="0" algn="l" defTabSz="914400" rtl="0" eaLnBrk="1" fontAlgn="auto" latinLnBrk="0" hangingPunct="1">
-              <a:lnSpc>
-                <a:spcPct val="100000"/>
-              </a:lnSpc>
-              <a:spcBef>
-                <a:spcPts val="0"/>
-              </a:spcBef>
-              <a:spcAft>
-                <a:spcPts val="0"/>
-              </a:spcAft>
-              <a:buClrTx/>
-              <a:buSzTx/>
-              <a:buFontTx/>
-              <a:buNone/>
-              <a:tabLst/>
-              <a:defRPr/>
-            </a:pPr>
-            <a:endParaRPr lang="en-US" sz="1200" dirty="0">
-              <a:ea typeface="Roboto" panose="02000000000000000000" pitchFamily="2" charset="0"/>
-            </a:endParaRPr>
-          </a:p>
-          <a:p>
-            <a:pPr marL="0" marR="0" lvl="0" indent="0" algn="l" defTabSz="914400" rtl="0" eaLnBrk="1" fontAlgn="auto" latinLnBrk="0" hangingPunct="1">
-              <a:lnSpc>
-                <a:spcPct val="100000"/>
-              </a:lnSpc>
-              <a:spcBef>
-                <a:spcPts val="0"/>
-              </a:spcBef>
-              <a:spcAft>
-                <a:spcPts val="0"/>
-              </a:spcAft>
-              <a:buClrTx/>
-              <a:buSzTx/>
-              <a:buFontTx/>
-              <a:buNone/>
-              <a:tabLst/>
-              <a:defRPr/>
-            </a:pPr>
-            <a:endParaRPr lang="en-US" sz="1200" dirty="0">
-              <a:ea typeface="Roboto" panose="02000000000000000000" pitchFamily="2" charset="0"/>
-            </a:endParaRPr>
-          </a:p>
-          <a:p>
-            <a:pPr marL="0" marR="0" lvl="0" indent="0" algn="l" defTabSz="914400" rtl="0" eaLnBrk="1" fontAlgn="auto" latinLnBrk="0" hangingPunct="1">
-              <a:lnSpc>
-                <a:spcPct val="100000"/>
-              </a:lnSpc>
-              <a:spcBef>
-                <a:spcPts val="0"/>
-              </a:spcBef>
-              <a:spcAft>
-                <a:spcPts val="0"/>
-              </a:spcAft>
-              <a:buClrTx/>
-              <a:buSzTx/>
-              <a:buFontTx/>
-              <a:buNone/>
-              <a:tabLst/>
-              <a:defRPr/>
-            </a:pPr>
-            <a:endParaRPr lang="en-US" sz="1200" dirty="0">
-              <a:ea typeface="Roboto" panose="02000000000000000000" pitchFamily="2" charset="0"/>
-            </a:endParaRPr>
-          </a:p>
-          <a:p>
-            <a:pPr marL="0" marR="0" lvl="0" indent="0" algn="l" defTabSz="914400" rtl="0" eaLnBrk="1" fontAlgn="auto" latinLnBrk="0" hangingPunct="1">
-              <a:lnSpc>
-                <a:spcPct val="100000"/>
-              </a:lnSpc>
-              <a:spcBef>
-                <a:spcPts val="0"/>
-              </a:spcBef>
-              <a:spcAft>
-                <a:spcPts val="0"/>
-              </a:spcAft>
-              <a:buClrTx/>
-              <a:buSzTx/>
-              <a:buFontTx/>
-              <a:buNone/>
-              <a:tabLst/>
-              <a:defRPr/>
-            </a:pPr>
-            <a:endParaRPr lang="en-US" sz="1200" dirty="0">
-              <a:ea typeface="Roboto" panose="02000000000000000000" pitchFamily="2" charset="0"/>
-            </a:endParaRPr>
-          </a:p>
-          <a:p>
-            <a:pPr marL="0" marR="0" lvl="0" indent="0" algn="l" defTabSz="914400" rtl="0" eaLnBrk="1" fontAlgn="auto" latinLnBrk="0" hangingPunct="1">
-              <a:lnSpc>
-                <a:spcPct val="100000"/>
-              </a:lnSpc>
-              <a:spcBef>
-                <a:spcPts val="0"/>
-              </a:spcBef>
-              <a:spcAft>
-                <a:spcPts val="0"/>
-              </a:spcAft>
-              <a:buClrTx/>
-              <a:buSzTx/>
-              <a:buFontTx/>
-              <a:buNone/>
-              <a:tabLst/>
-              <a:defRPr/>
-            </a:pPr>
-            <a:endParaRPr lang="en-US" sz="1200" dirty="0">
-              <a:ea typeface="Roboto" panose="02000000000000000000" pitchFamily="2" charset="0"/>
-            </a:endParaRPr>
-          </a:p>
-          <a:p>
-            <a:endParaRPr lang="en-US" dirty="0"/>
-          </a:p>
-          <a:p>
-            <a:br>
-              <a:rPr lang="en-US" dirty="0"/>
-            </a:br>
-            <a:endParaRPr lang="en-SG" dirty="0"/>
+              <a:t> or r/MGTOW, groups like </a:t>
+            </a:r>
+            <a:r>
+              <a:rPr lang="en-US" sz="1200" dirty="0" err="1">
+                <a:ea typeface="Roboto" panose="02000000000000000000" pitchFamily="2" charset="0"/>
+              </a:rPr>
+              <a:t>incels</a:t>
+            </a:r>
+            <a:r>
+              <a:rPr lang="en-US" sz="1200" dirty="0">
+                <a:ea typeface="Roboto" panose="02000000000000000000" pitchFamily="2" charset="0"/>
+              </a:rPr>
+              <a:t> are involved with </a:t>
+            </a:r>
+            <a:r>
+              <a:rPr lang="en-US" sz="1200" dirty="0" err="1">
+                <a:ea typeface="Roboto" panose="02000000000000000000" pitchFamily="2" charset="0"/>
+              </a:rPr>
+              <a:t>MensRights</a:t>
+            </a:r>
+            <a:r>
+              <a:rPr lang="en-US" sz="1200" dirty="0">
+                <a:ea typeface="Roboto" panose="02000000000000000000" pitchFamily="2" charset="0"/>
+              </a:rPr>
+              <a:t>.</a:t>
+            </a:r>
           </a:p>
         </p:txBody>
       </p:sp>
@@ -2841,156 +3069,15 @@
           <a:p>
             <a:r>
               <a:rPr lang="en-US" dirty="0"/>
-              <a:t>For fun, I also experimented with a logistic regression model that used purely numerical features including [</a:t>
-            </a:r>
-            <a:r>
-              <a:rPr lang="en-SG" dirty="0">
-                <a:solidFill>
-                  <a:srgbClr val="BA2121"/>
-                </a:solidFill>
-                <a:effectLst/>
-              </a:rPr>
-              <a:t>'upvotes'</a:t>
-            </a:r>
-            <a:r>
-              <a:rPr lang="en-SG" dirty="0">
-                <a:effectLst/>
-              </a:rPr>
-              <a:t>,</a:t>
-            </a:r>
-            <a:r>
-              <a:rPr lang="en-SG" dirty="0"/>
-              <a:t> </a:t>
-            </a:r>
-            <a:r>
-              <a:rPr lang="en-SG" dirty="0">
-                <a:solidFill>
-                  <a:srgbClr val="BA2121"/>
-                </a:solidFill>
-                <a:effectLst/>
-              </a:rPr>
-              <a:t>'</a:t>
-            </a:r>
-            <a:r>
-              <a:rPr lang="en-SG" dirty="0" err="1">
-                <a:solidFill>
-                  <a:srgbClr val="BA2121"/>
-                </a:solidFill>
-                <a:effectLst/>
-              </a:rPr>
-              <a:t>n_comments</a:t>
-            </a:r>
-            <a:r>
-              <a:rPr lang="en-SG" dirty="0">
-                <a:solidFill>
-                  <a:srgbClr val="BA2121"/>
-                </a:solidFill>
-                <a:effectLst/>
-              </a:rPr>
-              <a:t>'</a:t>
-            </a:r>
-            <a:r>
-              <a:rPr lang="en-SG" dirty="0">
-                <a:effectLst/>
-              </a:rPr>
-              <a:t>,</a:t>
-            </a:r>
-            <a:r>
-              <a:rPr lang="en-SG" dirty="0"/>
-              <a:t> </a:t>
-            </a:r>
-            <a:r>
-              <a:rPr lang="en-SG" dirty="0">
-                <a:solidFill>
-                  <a:srgbClr val="BA2121"/>
-                </a:solidFill>
-                <a:effectLst/>
-              </a:rPr>
-              <a:t>'</a:t>
-            </a:r>
-            <a:r>
-              <a:rPr lang="en-SG" dirty="0" err="1">
-                <a:solidFill>
-                  <a:srgbClr val="BA2121"/>
-                </a:solidFill>
-                <a:effectLst/>
-              </a:rPr>
-              <a:t>title_len</a:t>
-            </a:r>
-            <a:r>
-              <a:rPr lang="en-SG" dirty="0">
-                <a:solidFill>
-                  <a:srgbClr val="BA2121"/>
-                </a:solidFill>
-                <a:effectLst/>
-              </a:rPr>
-              <a:t>'</a:t>
-            </a:r>
-            <a:r>
-              <a:rPr lang="en-SG" dirty="0">
-                <a:effectLst/>
-              </a:rPr>
-              <a:t>,</a:t>
-            </a:r>
-            <a:r>
-              <a:rPr lang="en-SG" dirty="0"/>
-              <a:t> </a:t>
-            </a:r>
-            <a:r>
-              <a:rPr lang="en-SG" dirty="0">
-                <a:solidFill>
-                  <a:srgbClr val="BA2121"/>
-                </a:solidFill>
-                <a:effectLst/>
-              </a:rPr>
-              <a:t>'</a:t>
-            </a:r>
-            <a:r>
-              <a:rPr lang="en-SG" dirty="0" err="1">
-                <a:solidFill>
-                  <a:srgbClr val="BA2121"/>
-                </a:solidFill>
-                <a:effectLst/>
-              </a:rPr>
-              <a:t>selftext_len</a:t>
-            </a:r>
-            <a:r>
-              <a:rPr lang="en-SG" dirty="0">
-                <a:solidFill>
-                  <a:srgbClr val="BA2121"/>
-                </a:solidFill>
-                <a:effectLst/>
-              </a:rPr>
-              <a:t>'</a:t>
-            </a:r>
-            <a:r>
-              <a:rPr lang="en-SG" dirty="0">
-                <a:effectLst/>
-              </a:rPr>
-              <a:t>,</a:t>
-            </a:r>
-            <a:r>
-              <a:rPr lang="en-SG" dirty="0"/>
-              <a:t> </a:t>
-            </a:r>
-            <a:r>
-              <a:rPr lang="en-SG" dirty="0">
-                <a:solidFill>
-                  <a:srgbClr val="BA2121"/>
-                </a:solidFill>
-                <a:effectLst/>
-              </a:rPr>
-              <a:t>'compound’]</a:t>
-            </a:r>
-          </a:p>
-          <a:p>
+              <a:t>Men’s Rights: 287k subscribers</a:t>
+            </a:r>
+          </a:p>
+          <a:p>
+            <a:r>
+              <a:rPr lang="en-US" dirty="0"/>
+              <a:t>Men’s Lib: 152k subscribers</a:t>
+            </a:r>
             <a:endParaRPr lang="en-SG" dirty="0"/>
-          </a:p>
-          <a:p>
-            <a:r>
-              <a:rPr lang="en-SG" dirty="0"/>
-              <a:t>Returned an accuracy score of 0.712 on test data – this is a pretty big step up from the baseline model which had a 53% accuracy.</a:t>
-            </a:r>
           </a:p>
         </p:txBody>
       </p:sp>
@@ -3020,7 +3107,7 @@
     </p:spTree>
     <p:extLst>
       <p:ext uri="{BB962C8B-B14F-4D97-AF65-F5344CB8AC3E}">
-        <p14:creationId xmlns:p14="http://schemas.microsoft.com/office/powerpoint/2010/main" val="2622970916"/>
+        <p14:creationId xmlns:p14="http://schemas.microsoft.com/office/powerpoint/2010/main" val="1229060198"/>
       </p:ext>
     </p:extLst>
   </p:cSld>
@@ -3074,7 +3161,179 @@
           <a:bodyPr/>
           <a:lstStyle/>
           <a:p>
+            <a:r>
+              <a:rPr lang="en-US" dirty="0"/>
+              <a:t>For fun, I also experimented with a logistic regression model that used purely numerical features including [</a:t>
+            </a:r>
+            <a:r>
+              <a:rPr lang="en-SG" dirty="0">
+                <a:solidFill>
+                  <a:srgbClr val="BA2121"/>
+                </a:solidFill>
+                <a:effectLst/>
+              </a:rPr>
+              <a:t>'upvotes'</a:t>
+            </a:r>
+            <a:r>
+              <a:rPr lang="en-SG" dirty="0">
+                <a:effectLst/>
+              </a:rPr>
+              <a:t>,</a:t>
+            </a:r>
+            <a:r>
+              <a:rPr lang="en-SG" dirty="0"/>
+              <a:t> </a:t>
+            </a:r>
+            <a:r>
+              <a:rPr lang="en-SG" dirty="0">
+                <a:solidFill>
+                  <a:srgbClr val="BA2121"/>
+                </a:solidFill>
+                <a:effectLst/>
+              </a:rPr>
+              <a:t>'</a:t>
+            </a:r>
+            <a:r>
+              <a:rPr lang="en-SG" dirty="0" err="1">
+                <a:solidFill>
+                  <a:srgbClr val="BA2121"/>
+                </a:solidFill>
+                <a:effectLst/>
+              </a:rPr>
+              <a:t>n_comments</a:t>
+            </a:r>
+            <a:r>
+              <a:rPr lang="en-SG" dirty="0">
+                <a:solidFill>
+                  <a:srgbClr val="BA2121"/>
+                </a:solidFill>
+                <a:effectLst/>
+              </a:rPr>
+              <a:t>'</a:t>
+            </a:r>
+            <a:r>
+              <a:rPr lang="en-SG" dirty="0">
+                <a:effectLst/>
+              </a:rPr>
+              <a:t>,</a:t>
+            </a:r>
+            <a:r>
+              <a:rPr lang="en-SG" dirty="0"/>
+              <a:t> </a:t>
+            </a:r>
+            <a:r>
+              <a:rPr lang="en-SG" dirty="0">
+                <a:solidFill>
+                  <a:srgbClr val="BA2121"/>
+                </a:solidFill>
+                <a:effectLst/>
+              </a:rPr>
+              <a:t>'</a:t>
+            </a:r>
+            <a:r>
+              <a:rPr lang="en-SG" dirty="0" err="1">
+                <a:solidFill>
+                  <a:srgbClr val="BA2121"/>
+                </a:solidFill>
+                <a:effectLst/>
+              </a:rPr>
+              <a:t>title_len</a:t>
+            </a:r>
+            <a:r>
+              <a:rPr lang="en-SG" dirty="0">
+                <a:solidFill>
+                  <a:srgbClr val="BA2121"/>
+                </a:solidFill>
+                <a:effectLst/>
+              </a:rPr>
+              <a:t>'</a:t>
+            </a:r>
+            <a:r>
+              <a:rPr lang="en-SG" dirty="0">
+                <a:effectLst/>
+              </a:rPr>
+              <a:t>,</a:t>
+            </a:r>
+            <a:r>
+              <a:rPr lang="en-SG" dirty="0"/>
+              <a:t> </a:t>
+            </a:r>
+            <a:r>
+              <a:rPr lang="en-SG" dirty="0">
+                <a:solidFill>
+                  <a:srgbClr val="BA2121"/>
+                </a:solidFill>
+                <a:effectLst/>
+              </a:rPr>
+              <a:t>'</a:t>
+            </a:r>
+            <a:r>
+              <a:rPr lang="en-SG" dirty="0" err="1">
+                <a:solidFill>
+                  <a:srgbClr val="BA2121"/>
+                </a:solidFill>
+                <a:effectLst/>
+              </a:rPr>
+              <a:t>selftext_len</a:t>
+            </a:r>
+            <a:r>
+              <a:rPr lang="en-SG" dirty="0">
+                <a:solidFill>
+                  <a:srgbClr val="BA2121"/>
+                </a:solidFill>
+                <a:effectLst/>
+              </a:rPr>
+              <a:t>'</a:t>
+            </a:r>
+            <a:r>
+              <a:rPr lang="en-SG" dirty="0">
+                <a:effectLst/>
+              </a:rPr>
+              <a:t>,</a:t>
+            </a:r>
+            <a:r>
+              <a:rPr lang="en-SG" dirty="0"/>
+              <a:t> </a:t>
+            </a:r>
+            <a:r>
+              <a:rPr lang="en-SG" dirty="0">
+                <a:solidFill>
+                  <a:srgbClr val="BA2121"/>
+                </a:solidFill>
+                <a:effectLst/>
+              </a:rPr>
+              <a:t>'compound’]</a:t>
+            </a:r>
+          </a:p>
+          <a:p>
             <a:endParaRPr lang="en-SG" dirty="0"/>
+          </a:p>
+          <a:p>
+            <a:r>
+              <a:rPr lang="en-SG" dirty="0"/>
+              <a:t>Returned an accuracy score of 0.712 on test data – this is a pretty big step up from the baseline model which had a 53% accuracy.</a:t>
+            </a:r>
+          </a:p>
+          <a:p>
+            <a:endParaRPr lang="en-SG" dirty="0"/>
+          </a:p>
+          <a:p>
+            <a:r>
+              <a:rPr lang="en-SG" dirty="0" err="1"/>
+              <a:t>Min_df</a:t>
+            </a:r>
+            <a:r>
+              <a:rPr lang="en-SG" dirty="0"/>
+              <a:t> = 4, </a:t>
+            </a:r>
+            <a:r>
+              <a:rPr lang="en-SG" dirty="0" err="1"/>
+              <a:t>max_df</a:t>
+            </a:r>
+            <a:r>
+              <a:rPr lang="en-SG" dirty="0"/>
+              <a:t> = 0.2</a:t>
+            </a:r>
           </a:p>
         </p:txBody>
       </p:sp>
@@ -3095,7 +3354,7 @@
           <a:p>
             <a:fld id="{2B5B5936-C20B-4165-9351-8C7E4DF19AE7}" type="slidenum">
               <a:rPr lang="en-SG" smtClean="0"/>
-              <a:t>7</a:t>
+              <a:t>9</a:t>
             </a:fld>
             <a:endParaRPr lang="en-SG"/>
           </a:p>
@@ -3104,7 +3363,7 @@
     </p:spTree>
     <p:extLst>
       <p:ext uri="{BB962C8B-B14F-4D97-AF65-F5344CB8AC3E}">
-        <p14:creationId xmlns:p14="http://schemas.microsoft.com/office/powerpoint/2010/main" val="561875854"/>
+        <p14:creationId xmlns:p14="http://schemas.microsoft.com/office/powerpoint/2010/main" val="2622970916"/>
       </p:ext>
     </p:extLst>
   </p:cSld>
@@ -3179,7 +3438,175 @@
           <a:p>
             <a:fld id="{2B5B5936-C20B-4165-9351-8C7E4DF19AE7}" type="slidenum">
               <a:rPr lang="en-SG" smtClean="0"/>
-              <a:t>10</a:t>
+              <a:t>11</a:t>
+            </a:fld>
+            <a:endParaRPr lang="en-SG"/>
+          </a:p>
+        </p:txBody>
+      </p:sp>
+    </p:spTree>
+    <p:extLst>
+      <p:ext uri="{BB962C8B-B14F-4D97-AF65-F5344CB8AC3E}">
+        <p14:creationId xmlns:p14="http://schemas.microsoft.com/office/powerpoint/2010/main" val="561875854"/>
+      </p:ext>
+    </p:extLst>
+  </p:cSld>
+  <p:clrMapOvr>
+    <a:masterClrMapping/>
+  </p:clrMapOvr>
+</p:notes>
+</file>
+
+<file path=ppt/notesSlides/notesSlide5.xml><?xml version="1.0" encoding="utf-8"?>
+<p:notes xmlns:a="http://schemas.openxmlformats.org/drawingml/2006/main" xmlns:r="http://schemas.openxmlformats.org/officeDocument/2006/relationships" xmlns:p="http://schemas.openxmlformats.org/presentationml/2006/main">
+  <p:cSld>
+    <p:spTree>
+      <p:nvGrpSpPr>
+        <p:cNvPr id="1" name=""/>
+        <p:cNvGrpSpPr/>
+        <p:nvPr/>
+      </p:nvGrpSpPr>
+      <p:grpSpPr>
+        <a:xfrm>
+          <a:off x="0" y="0"/>
+          <a:ext cx="0" cy="0"/>
+          <a:chOff x="0" y="0"/>
+          <a:chExt cx="0" cy="0"/>
+        </a:xfrm>
+      </p:grpSpPr>
+      <p:sp>
+        <p:nvSpPr>
+          <p:cNvPr id="2" name="Slide Image Placeholder 1"/>
+          <p:cNvSpPr>
+            <a:spLocks noGrp="1" noRot="1" noChangeAspect="1"/>
+          </p:cNvSpPr>
+          <p:nvPr>
+            <p:ph type="sldImg"/>
+          </p:nvPr>
+        </p:nvSpPr>
+        <p:spPr/>
+      </p:sp>
+      <p:sp>
+        <p:nvSpPr>
+          <p:cNvPr id="3" name="Notes Placeholder 2"/>
+          <p:cNvSpPr>
+            <a:spLocks noGrp="1"/>
+          </p:cNvSpPr>
+          <p:nvPr>
+            <p:ph type="body" idx="1"/>
+          </p:nvPr>
+        </p:nvSpPr>
+        <p:spPr/>
+        <p:txBody>
+          <a:bodyPr/>
+          <a:lstStyle/>
+          <a:p>
+            <a:endParaRPr lang="en-SG" dirty="0"/>
+          </a:p>
+        </p:txBody>
+      </p:sp>
+      <p:sp>
+        <p:nvSpPr>
+          <p:cNvPr id="4" name="Slide Number Placeholder 3"/>
+          <p:cNvSpPr>
+            <a:spLocks noGrp="1"/>
+          </p:cNvSpPr>
+          <p:nvPr>
+            <p:ph type="sldNum" sz="quarter" idx="5"/>
+          </p:nvPr>
+        </p:nvSpPr>
+        <p:spPr/>
+        <p:txBody>
+          <a:bodyPr/>
+          <a:lstStyle/>
+          <a:p>
+            <a:fld id="{2B5B5936-C20B-4165-9351-8C7E4DF19AE7}" type="slidenum">
+              <a:rPr lang="en-SG" smtClean="0"/>
+              <a:t>13</a:t>
+            </a:fld>
+            <a:endParaRPr lang="en-SG"/>
+          </a:p>
+        </p:txBody>
+      </p:sp>
+    </p:spTree>
+    <p:extLst>
+      <p:ext uri="{BB962C8B-B14F-4D97-AF65-F5344CB8AC3E}">
+        <p14:creationId xmlns:p14="http://schemas.microsoft.com/office/powerpoint/2010/main" val="2926959974"/>
+      </p:ext>
+    </p:extLst>
+  </p:cSld>
+  <p:clrMapOvr>
+    <a:masterClrMapping/>
+  </p:clrMapOvr>
+</p:notes>
+</file>
+
+<file path=ppt/notesSlides/notesSlide6.xml><?xml version="1.0" encoding="utf-8"?>
+<p:notes xmlns:a="http://schemas.openxmlformats.org/drawingml/2006/main" xmlns:r="http://schemas.openxmlformats.org/officeDocument/2006/relationships" xmlns:p="http://schemas.openxmlformats.org/presentationml/2006/main">
+  <p:cSld>
+    <p:spTree>
+      <p:nvGrpSpPr>
+        <p:cNvPr id="1" name=""/>
+        <p:cNvGrpSpPr/>
+        <p:nvPr/>
+      </p:nvGrpSpPr>
+      <p:grpSpPr>
+        <a:xfrm>
+          <a:off x="0" y="0"/>
+          <a:ext cx="0" cy="0"/>
+          <a:chOff x="0" y="0"/>
+          <a:chExt cx="0" cy="0"/>
+        </a:xfrm>
+      </p:grpSpPr>
+      <p:sp>
+        <p:nvSpPr>
+          <p:cNvPr id="2" name="Slide Image Placeholder 1"/>
+          <p:cNvSpPr>
+            <a:spLocks noGrp="1" noRot="1" noChangeAspect="1"/>
+          </p:cNvSpPr>
+          <p:nvPr>
+            <p:ph type="sldImg"/>
+          </p:nvPr>
+        </p:nvSpPr>
+        <p:spPr/>
+      </p:sp>
+      <p:sp>
+        <p:nvSpPr>
+          <p:cNvPr id="3" name="Notes Placeholder 2"/>
+          <p:cNvSpPr>
+            <a:spLocks noGrp="1"/>
+          </p:cNvSpPr>
+          <p:nvPr>
+            <p:ph type="body" idx="1"/>
+          </p:nvPr>
+        </p:nvSpPr>
+        <p:spPr/>
+        <p:txBody>
+          <a:bodyPr/>
+          <a:lstStyle/>
+          <a:p>
+            <a:endParaRPr lang="en-SG" dirty="0"/>
+          </a:p>
+        </p:txBody>
+      </p:sp>
+      <p:sp>
+        <p:nvSpPr>
+          <p:cNvPr id="4" name="Slide Number Placeholder 3"/>
+          <p:cNvSpPr>
+            <a:spLocks noGrp="1"/>
+          </p:cNvSpPr>
+          <p:nvPr>
+            <p:ph type="sldNum" sz="quarter" idx="5"/>
+          </p:nvPr>
+        </p:nvSpPr>
+        <p:spPr/>
+        <p:txBody>
+          <a:bodyPr/>
+          <a:lstStyle/>
+          <a:p>
+            <a:fld id="{2B5B5936-C20B-4165-9351-8C7E4DF19AE7}" type="slidenum">
+              <a:rPr lang="en-SG" smtClean="0"/>
+              <a:t>14</a:t>
             </a:fld>
             <a:endParaRPr lang="en-SG"/>
           </a:p>
@@ -3189,6 +3616,161 @@
     <p:extLst>
       <p:ext uri="{BB962C8B-B14F-4D97-AF65-F5344CB8AC3E}">
         <p14:creationId xmlns:p14="http://schemas.microsoft.com/office/powerpoint/2010/main" val="1172952909"/>
+      </p:ext>
+    </p:extLst>
+  </p:cSld>
+  <p:clrMapOvr>
+    <a:masterClrMapping/>
+  </p:clrMapOvr>
+</p:notes>
+</file>
+
+<file path=ppt/notesSlides/notesSlide7.xml><?xml version="1.0" encoding="utf-8"?>
+<p:notes xmlns:a="http://schemas.openxmlformats.org/drawingml/2006/main" xmlns:r="http://schemas.openxmlformats.org/officeDocument/2006/relationships" xmlns:p="http://schemas.openxmlformats.org/presentationml/2006/main">
+  <p:cSld>
+    <p:spTree>
+      <p:nvGrpSpPr>
+        <p:cNvPr id="1" name=""/>
+        <p:cNvGrpSpPr/>
+        <p:nvPr/>
+      </p:nvGrpSpPr>
+      <p:grpSpPr>
+        <a:xfrm>
+          <a:off x="0" y="0"/>
+          <a:ext cx="0" cy="0"/>
+          <a:chOff x="0" y="0"/>
+          <a:chExt cx="0" cy="0"/>
+        </a:xfrm>
+      </p:grpSpPr>
+      <p:sp>
+        <p:nvSpPr>
+          <p:cNvPr id="2" name="Slide Image Placeholder 1"/>
+          <p:cNvSpPr>
+            <a:spLocks noGrp="1" noRot="1" noChangeAspect="1"/>
+          </p:cNvSpPr>
+          <p:nvPr>
+            <p:ph type="sldImg"/>
+          </p:nvPr>
+        </p:nvSpPr>
+        <p:spPr/>
+      </p:sp>
+      <p:sp>
+        <p:nvSpPr>
+          <p:cNvPr id="3" name="Notes Placeholder 2"/>
+          <p:cNvSpPr>
+            <a:spLocks noGrp="1"/>
+          </p:cNvSpPr>
+          <p:nvPr>
+            <p:ph type="body" idx="1"/>
+          </p:nvPr>
+        </p:nvSpPr>
+        <p:spPr/>
+        <p:txBody>
+          <a:bodyPr/>
+          <a:lstStyle/>
+          <a:p>
+            <a:r>
+              <a:rPr lang="en-US" dirty="0"/>
+              <a:t>0.81 specificity </a:t>
+            </a:r>
+            <a:r>
+              <a:rPr lang="en-US" dirty="0">
+                <a:sym typeface="Wingdings" panose="05000000000000000000" pitchFamily="2" charset="2"/>
+              </a:rPr>
+              <a:t> 19% of posts are misclassified as false positive (predicted r/</a:t>
+            </a:r>
+            <a:r>
+              <a:rPr lang="en-US" dirty="0" err="1">
+                <a:sym typeface="Wingdings" panose="05000000000000000000" pitchFamily="2" charset="2"/>
+              </a:rPr>
+              <a:t>MensLib</a:t>
+            </a:r>
+            <a:r>
+              <a:rPr lang="en-US" dirty="0">
+                <a:sym typeface="Wingdings" panose="05000000000000000000" pitchFamily="2" charset="2"/>
+              </a:rPr>
+              <a:t> but actually r/</a:t>
+            </a:r>
+            <a:r>
+              <a:rPr lang="en-US" dirty="0" err="1">
+                <a:sym typeface="Wingdings" panose="05000000000000000000" pitchFamily="2" charset="2"/>
+              </a:rPr>
+              <a:t>MensRights</a:t>
+            </a:r>
+            <a:r>
+              <a:rPr lang="en-US" dirty="0">
+                <a:sym typeface="Wingdings" panose="05000000000000000000" pitchFamily="2" charset="2"/>
+              </a:rPr>
+              <a:t>)</a:t>
+            </a:r>
+          </a:p>
+          <a:p>
+            <a:endParaRPr lang="en-US" dirty="0">
+              <a:sym typeface="Wingdings" panose="05000000000000000000" pitchFamily="2" charset="2"/>
+            </a:endParaRPr>
+          </a:p>
+          <a:p>
+            <a:r>
+              <a:rPr lang="en-US" dirty="0">
+                <a:sym typeface="Wingdings" panose="05000000000000000000" pitchFamily="2" charset="2"/>
+              </a:rPr>
+              <a:t>0.88 sensitivity  12% of posts are misclassified as false negative (predicted r/</a:t>
+            </a:r>
+            <a:r>
+              <a:rPr lang="en-US" dirty="0" err="1">
+                <a:sym typeface="Wingdings" panose="05000000000000000000" pitchFamily="2" charset="2"/>
+              </a:rPr>
+              <a:t>MensRights</a:t>
+            </a:r>
+            <a:r>
+              <a:rPr lang="en-US" dirty="0">
+                <a:sym typeface="Wingdings" panose="05000000000000000000" pitchFamily="2" charset="2"/>
+              </a:rPr>
+              <a:t> but actually r/</a:t>
+            </a:r>
+            <a:r>
+              <a:rPr lang="en-US" dirty="0" err="1">
+                <a:sym typeface="Wingdings" panose="05000000000000000000" pitchFamily="2" charset="2"/>
+              </a:rPr>
+              <a:t>MensLib</a:t>
+            </a:r>
+            <a:r>
+              <a:rPr lang="en-US" dirty="0">
+                <a:sym typeface="Wingdings" panose="05000000000000000000" pitchFamily="2" charset="2"/>
+              </a:rPr>
+              <a:t>)</a:t>
+            </a:r>
+            <a:endParaRPr lang="en-SG" dirty="0"/>
+          </a:p>
+        </p:txBody>
+      </p:sp>
+      <p:sp>
+        <p:nvSpPr>
+          <p:cNvPr id="4" name="Slide Number Placeholder 3"/>
+          <p:cNvSpPr>
+            <a:spLocks noGrp="1"/>
+          </p:cNvSpPr>
+          <p:nvPr>
+            <p:ph type="sldNum" sz="quarter" idx="5"/>
+          </p:nvPr>
+        </p:nvSpPr>
+        <p:spPr/>
+        <p:txBody>
+          <a:bodyPr/>
+          <a:lstStyle/>
+          <a:p>
+            <a:fld id="{2B5B5936-C20B-4165-9351-8C7E4DF19AE7}" type="slidenum">
+              <a:rPr lang="en-SG" smtClean="0"/>
+              <a:t>21</a:t>
+            </a:fld>
+            <a:endParaRPr lang="en-SG"/>
+          </a:p>
+        </p:txBody>
+      </p:sp>
+    </p:spTree>
+    <p:extLst>
+      <p:ext uri="{BB962C8B-B14F-4D97-AF65-F5344CB8AC3E}">
+        <p14:creationId xmlns:p14="http://schemas.microsoft.com/office/powerpoint/2010/main" val="2881938083"/>
       </p:ext>
     </p:extLst>
   </p:cSld>
@@ -3347,7 +3929,7 @@
           <a:p>
             <a:fld id="{EA3D2410-2684-44E4-9D7B-FEEA93D68132}" type="datetimeFigureOut">
               <a:rPr lang="en-SG" smtClean="0"/>
-              <a:t>6/12/2020</a:t>
+              <a:t>7/12/2020</a:t>
             </a:fld>
             <a:endParaRPr lang="en-SG"/>
           </a:p>
@@ -3547,7 +4129,7 @@
           <a:p>
             <a:fld id="{EA3D2410-2684-44E4-9D7B-FEEA93D68132}" type="datetimeFigureOut">
               <a:rPr lang="en-SG" smtClean="0"/>
-              <a:t>6/12/2020</a:t>
+              <a:t>7/12/2020</a:t>
             </a:fld>
             <a:endParaRPr lang="en-SG"/>
           </a:p>
@@ -3757,7 +4339,7 @@
           <a:p>
             <a:fld id="{EA3D2410-2684-44E4-9D7B-FEEA93D68132}" type="datetimeFigureOut">
               <a:rPr lang="en-SG" smtClean="0"/>
-              <a:t>6/12/2020</a:t>
+              <a:t>7/12/2020</a:t>
             </a:fld>
             <a:endParaRPr lang="en-SG"/>
           </a:p>
@@ -3957,7 +4539,7 @@
           <a:p>
             <a:fld id="{EA3D2410-2684-44E4-9D7B-FEEA93D68132}" type="datetimeFigureOut">
               <a:rPr lang="en-SG" smtClean="0"/>
-              <a:t>6/12/2020</a:t>
+              <a:t>7/12/2020</a:t>
             </a:fld>
             <a:endParaRPr lang="en-SG"/>
           </a:p>
@@ -4233,7 +4815,7 @@
           <a:p>
             <a:fld id="{EA3D2410-2684-44E4-9D7B-FEEA93D68132}" type="datetimeFigureOut">
               <a:rPr lang="en-SG" smtClean="0"/>
-              <a:t>6/12/2020</a:t>
+              <a:t>7/12/2020</a:t>
             </a:fld>
             <a:endParaRPr lang="en-SG"/>
           </a:p>
@@ -4501,7 +5083,7 @@
           <a:p>
             <a:fld id="{EA3D2410-2684-44E4-9D7B-FEEA93D68132}" type="datetimeFigureOut">
               <a:rPr lang="en-SG" smtClean="0"/>
-              <a:t>6/12/2020</a:t>
+              <a:t>7/12/2020</a:t>
             </a:fld>
             <a:endParaRPr lang="en-SG"/>
           </a:p>
@@ -4916,7 +5498,7 @@
           <a:p>
             <a:fld id="{EA3D2410-2684-44E4-9D7B-FEEA93D68132}" type="datetimeFigureOut">
               <a:rPr lang="en-SG" smtClean="0"/>
-              <a:t>6/12/2020</a:t>
+              <a:t>7/12/2020</a:t>
             </a:fld>
             <a:endParaRPr lang="en-SG"/>
           </a:p>
@@ -5058,7 +5640,7 @@
           <a:p>
             <a:fld id="{EA3D2410-2684-44E4-9D7B-FEEA93D68132}" type="datetimeFigureOut">
               <a:rPr lang="en-SG" smtClean="0"/>
-              <a:t>6/12/2020</a:t>
+              <a:t>7/12/2020</a:t>
             </a:fld>
             <a:endParaRPr lang="en-SG"/>
           </a:p>
@@ -5171,7 +5753,7 @@
           <a:p>
             <a:fld id="{EA3D2410-2684-44E4-9D7B-FEEA93D68132}" type="datetimeFigureOut">
               <a:rPr lang="en-SG" smtClean="0"/>
-              <a:t>6/12/2020</a:t>
+              <a:t>7/12/2020</a:t>
             </a:fld>
             <a:endParaRPr lang="en-SG"/>
           </a:p>
@@ -5484,7 +6066,7 @@
           <a:p>
             <a:fld id="{EA3D2410-2684-44E4-9D7B-FEEA93D68132}" type="datetimeFigureOut">
               <a:rPr lang="en-SG" smtClean="0"/>
-              <a:t>6/12/2020</a:t>
+              <a:t>7/12/2020</a:t>
             </a:fld>
             <a:endParaRPr lang="en-SG"/>
           </a:p>
@@ -5773,7 +6355,7 @@
           <a:p>
             <a:fld id="{EA3D2410-2684-44E4-9D7B-FEEA93D68132}" type="datetimeFigureOut">
               <a:rPr lang="en-SG" smtClean="0"/>
-              <a:t>6/12/2020</a:t>
+              <a:t>7/12/2020</a:t>
             </a:fld>
             <a:endParaRPr lang="en-SG"/>
           </a:p>
@@ -6016,7 +6598,7 @@
           <a:p>
             <a:fld id="{EA3D2410-2684-44E4-9D7B-FEEA93D68132}" type="datetimeFigureOut">
               <a:rPr lang="en-SG" smtClean="0"/>
-              <a:t>6/12/2020</a:t>
+              <a:t>7/12/2020</a:t>
             </a:fld>
             <a:endParaRPr lang="en-SG"/>
           </a:p>
@@ -6872,6 +7454,2902 @@
 <file path=ppt/slides/slide10.xml><?xml version="1.0" encoding="utf-8"?>
 <p:sld xmlns:a="http://schemas.openxmlformats.org/drawingml/2006/main" xmlns:r="http://schemas.openxmlformats.org/officeDocument/2006/relationships" xmlns:p="http://schemas.openxmlformats.org/presentationml/2006/main">
   <p:cSld>
+    <p:bg>
+      <p:bgPr>
+        <a:solidFill>
+          <a:schemeClr val="bg1"/>
+        </a:solidFill>
+        <a:effectLst/>
+      </p:bgPr>
+    </p:bg>
+    <p:spTree>
+      <p:nvGrpSpPr>
+        <p:cNvPr id="1" name=""/>
+        <p:cNvGrpSpPr/>
+        <p:nvPr/>
+      </p:nvGrpSpPr>
+      <p:grpSpPr>
+        <a:xfrm>
+          <a:off x="0" y="0"/>
+          <a:ext cx="0" cy="0"/>
+          <a:chOff x="0" y="0"/>
+          <a:chExt cx="0" cy="0"/>
+        </a:xfrm>
+      </p:grpSpPr>
+      <p:sp useBgFill="1">
+        <p:nvSpPr>
+          <p:cNvPr id="10" name="Rectangle 9">
+            <a:extLst>
+              <a:ext uri="{FF2B5EF4-FFF2-40B4-BE49-F238E27FC236}">
+                <a16:creationId xmlns:a16="http://schemas.microsoft.com/office/drawing/2014/main" id="{201CC55D-ED54-4C5C-95E6-10947BD1103B}"/>
+              </a:ext>
+              <a:ext uri="{C183D7F6-B498-43B3-948B-1728B52AA6E4}">
+                <adec:decorative xmlns:adec="http://schemas.microsoft.com/office/drawing/2017/decorative" val="1"/>
+              </a:ext>
+            </a:extLst>
+          </p:cNvPr>
+          <p:cNvSpPr>
+            <a:spLocks noGrp="1" noRot="1" noChangeAspect="1" noMove="1" noResize="1" noEditPoints="1" noAdjustHandles="1" noChangeArrowheads="1" noChangeShapeType="1" noTextEdit="1"/>
+          </p:cNvSpPr>
+          <p:nvPr>
+            <p:extLst>
+              <p:ext uri="{386F3935-93C4-4BCD-93E2-E3B085C9AB24}">
+                <p16:designElem xmlns:p16="http://schemas.microsoft.com/office/powerpoint/2015/main" val="1"/>
+              </p:ext>
+            </p:extLst>
+          </p:nvPr>
+        </p:nvSpPr>
+        <p:spPr>
+          <a:xfrm>
+            <a:off x="0" y="0"/>
+            <a:ext cx="12191999" cy="6857365"/>
+          </a:xfrm>
+          <a:prstGeom prst="rect">
+            <a:avLst/>
+          </a:prstGeom>
+          <a:ln>
+            <a:noFill/>
+          </a:ln>
+        </p:spPr>
+        <p:style>
+          <a:lnRef idx="2">
+            <a:schemeClr val="accent1">
+              <a:shade val="50000"/>
+            </a:schemeClr>
+          </a:lnRef>
+          <a:fillRef idx="1">
+            <a:schemeClr val="accent1"/>
+          </a:fillRef>
+          <a:effectRef idx="0">
+            <a:schemeClr val="accent1"/>
+          </a:effectRef>
+          <a:fontRef idx="minor">
+            <a:schemeClr val="lt1"/>
+          </a:fontRef>
+        </p:style>
+        <p:txBody>
+          <a:bodyPr rtlCol="0" anchor="ctr"/>
+          <a:lstStyle/>
+          <a:p>
+            <a:pPr algn="ctr"/>
+            <a:endParaRPr lang="en-US"/>
+          </a:p>
+        </p:txBody>
+      </p:sp>
+      <p:sp>
+        <p:nvSpPr>
+          <p:cNvPr id="2" name="Title 1">
+            <a:extLst>
+              <a:ext uri="{FF2B5EF4-FFF2-40B4-BE49-F238E27FC236}">
+                <a16:creationId xmlns:a16="http://schemas.microsoft.com/office/drawing/2014/main" id="{4BEE9392-33AB-4C31-BB89-D5BA658A9A48}"/>
+              </a:ext>
+            </a:extLst>
+          </p:cNvPr>
+          <p:cNvSpPr>
+            <a:spLocks noGrp="1"/>
+          </p:cNvSpPr>
+          <p:nvPr>
+            <p:ph type="title"/>
+          </p:nvPr>
+        </p:nvSpPr>
+        <p:spPr>
+          <a:xfrm>
+            <a:off x="589560" y="856180"/>
+            <a:ext cx="4560584" cy="1128068"/>
+          </a:xfrm>
+        </p:spPr>
+        <p:txBody>
+          <a:bodyPr anchor="ctr">
+            <a:normAutofit/>
+          </a:bodyPr>
+          <a:lstStyle/>
+          <a:p>
+            <a:r>
+              <a:rPr lang="en-US" sz="3600" dirty="0"/>
+              <a:t>r/</a:t>
+            </a:r>
+            <a:r>
+              <a:rPr lang="en-US" sz="3600" dirty="0" err="1"/>
+              <a:t>MensRights</a:t>
+            </a:r>
+            <a:r>
+              <a:rPr lang="en-US" sz="3600" dirty="0"/>
+              <a:t>: </a:t>
+            </a:r>
+            <a:br>
+              <a:rPr lang="en-US" sz="2400" dirty="0"/>
+            </a:br>
+            <a:r>
+              <a:rPr lang="en-US" sz="2400" dirty="0">
+                <a:solidFill>
+                  <a:schemeClr val="bg1">
+                    <a:lumMod val="50000"/>
+                  </a:schemeClr>
+                </a:solidFill>
+              </a:rPr>
+              <a:t>Anti-Feminist Rants</a:t>
+            </a:r>
+            <a:endParaRPr lang="en-SG" sz="2400" dirty="0">
+              <a:solidFill>
+                <a:schemeClr val="bg1">
+                  <a:lumMod val="50000"/>
+                </a:schemeClr>
+              </a:solidFill>
+            </a:endParaRPr>
+          </a:p>
+        </p:txBody>
+      </p:sp>
+      <p:grpSp>
+        <p:nvGrpSpPr>
+          <p:cNvPr id="12" name="Group 11">
+            <a:extLst>
+              <a:ext uri="{FF2B5EF4-FFF2-40B4-BE49-F238E27FC236}">
+                <a16:creationId xmlns:a16="http://schemas.microsoft.com/office/drawing/2014/main" id="{1DE889C7-FAD6-4397-98E2-05D503484459}"/>
+              </a:ext>
+              <a:ext uri="{C183D7F6-B498-43B3-948B-1728B52AA6E4}">
+                <adec:decorative xmlns:adec="http://schemas.microsoft.com/office/drawing/2017/decorative" val="1"/>
+              </a:ext>
+            </a:extLst>
+          </p:cNvPr>
+          <p:cNvGrpSpPr>
+            <a:grpSpLocks noGrp="1" noUngrp="1" noRot="1" noChangeAspect="1" noMove="1" noResize="1"/>
+          </p:cNvGrpSpPr>
+          <p:nvPr>
+            <p:extLst>
+              <p:ext uri="{386F3935-93C4-4BCD-93E2-E3B085C9AB24}">
+                <p16:designElem xmlns:p16="http://schemas.microsoft.com/office/powerpoint/2015/main" val="1"/>
+              </p:ext>
+            </p:extLst>
+          </p:nvPr>
+        </p:nvGrpSpPr>
+        <p:grpSpPr>
+          <a:xfrm>
+            <a:off x="0" y="1083484"/>
+            <a:ext cx="355196" cy="673460"/>
+            <a:chOff x="0" y="823811"/>
+            <a:chExt cx="355196" cy="673460"/>
+          </a:xfrm>
+        </p:grpSpPr>
+        <p:sp>
+          <p:nvSpPr>
+            <p:cNvPr id="13" name="Rectangle 12">
+              <a:extLst>
+                <a:ext uri="{FF2B5EF4-FFF2-40B4-BE49-F238E27FC236}">
+                  <a16:creationId xmlns:a16="http://schemas.microsoft.com/office/drawing/2014/main" id="{F399A70F-F8CD-4992-9EF5-6CF15472E73F}"/>
+                </a:ext>
+                <a:ext uri="{C183D7F6-B498-43B3-948B-1728B52AA6E4}">
+                  <adec:decorative xmlns:adec="http://schemas.microsoft.com/office/drawing/2017/decorative" val="1"/>
+                </a:ext>
+              </a:extLst>
+            </p:cNvPr>
+            <p:cNvSpPr/>
+            <p:nvPr>
+              <p:extLst>
+                <p:ext uri="{386F3935-93C4-4BCD-93E2-E3B085C9AB24}">
+                  <p16:designElem xmlns:p16="http://schemas.microsoft.com/office/powerpoint/2015/main" val="1"/>
+                </p:ext>
+              </p:extLst>
+            </p:nvPr>
+          </p:nvSpPr>
+          <p:spPr>
+            <a:xfrm>
+              <a:off x="0" y="823811"/>
+              <a:ext cx="87363" cy="673460"/>
+            </a:xfrm>
+            <a:prstGeom prst="rect">
+              <a:avLst/>
+            </a:prstGeom>
+            <a:solidFill>
+              <a:schemeClr val="accent4"/>
+            </a:solidFill>
+            <a:ln>
+              <a:noFill/>
+            </a:ln>
+          </p:spPr>
+          <p:style>
+            <a:lnRef idx="2">
+              <a:schemeClr val="accent1">
+                <a:shade val="50000"/>
+              </a:schemeClr>
+            </a:lnRef>
+            <a:fillRef idx="1">
+              <a:schemeClr val="accent1"/>
+            </a:fillRef>
+            <a:effectRef idx="0">
+              <a:schemeClr val="accent1"/>
+            </a:effectRef>
+            <a:fontRef idx="minor">
+              <a:schemeClr val="lt1"/>
+            </a:fontRef>
+          </p:style>
+          <p:txBody>
+            <a:bodyPr rtlCol="0" anchor="ctr"/>
+            <a:lstStyle/>
+            <a:p>
+              <a:pPr algn="ctr"/>
+              <a:endParaRPr lang="en-US"/>
+            </a:p>
+          </p:txBody>
+        </p:sp>
+        <p:sp>
+          <p:nvSpPr>
+            <p:cNvPr id="14" name="Rectangle 13">
+              <a:extLst>
+                <a:ext uri="{FF2B5EF4-FFF2-40B4-BE49-F238E27FC236}">
+                  <a16:creationId xmlns:a16="http://schemas.microsoft.com/office/drawing/2014/main" id="{48F4FEDC-6D80-458C-A665-075D9B9500FD}"/>
+                </a:ext>
+                <a:ext uri="{C183D7F6-B498-43B3-948B-1728B52AA6E4}">
+                  <adec:decorative xmlns:adec="http://schemas.microsoft.com/office/drawing/2017/decorative" val="1"/>
+                </a:ext>
+              </a:extLst>
+            </p:cNvPr>
+            <p:cNvSpPr/>
+            <p:nvPr>
+              <p:extLst>
+                <p:ext uri="{386F3935-93C4-4BCD-93E2-E3B085C9AB24}">
+                  <p16:designElem xmlns:p16="http://schemas.microsoft.com/office/powerpoint/2015/main" val="1"/>
+                </p:ext>
+              </p:extLst>
+            </p:nvPr>
+          </p:nvSpPr>
+          <p:spPr>
+            <a:xfrm>
+              <a:off x="159341" y="823811"/>
+              <a:ext cx="195855" cy="673460"/>
+            </a:xfrm>
+            <a:prstGeom prst="rect">
+              <a:avLst/>
+            </a:prstGeom>
+            <a:solidFill>
+              <a:schemeClr val="accent4"/>
+            </a:solidFill>
+            <a:ln>
+              <a:noFill/>
+            </a:ln>
+          </p:spPr>
+          <p:style>
+            <a:lnRef idx="2">
+              <a:schemeClr val="accent1">
+                <a:shade val="50000"/>
+              </a:schemeClr>
+            </a:lnRef>
+            <a:fillRef idx="1">
+              <a:schemeClr val="accent1"/>
+            </a:fillRef>
+            <a:effectRef idx="0">
+              <a:schemeClr val="accent1"/>
+            </a:effectRef>
+            <a:fontRef idx="minor">
+              <a:schemeClr val="lt1"/>
+            </a:fontRef>
+          </p:style>
+          <p:txBody>
+            <a:bodyPr rtlCol="0" anchor="ctr"/>
+            <a:lstStyle/>
+            <a:p>
+              <a:pPr algn="ctr"/>
+              <a:endParaRPr lang="en-US"/>
+            </a:p>
+          </p:txBody>
+        </p:sp>
+      </p:grpSp>
+      <p:sp>
+        <p:nvSpPr>
+          <p:cNvPr id="16" name="Rectangle 15">
+            <a:extLst>
+              <a:ext uri="{FF2B5EF4-FFF2-40B4-BE49-F238E27FC236}">
+                <a16:creationId xmlns:a16="http://schemas.microsoft.com/office/drawing/2014/main" id="{3873B707-463F-40B0-8227-E8CC6C67EB25}"/>
+              </a:ext>
+              <a:ext uri="{C183D7F6-B498-43B3-948B-1728B52AA6E4}">
+                <adec:decorative xmlns:adec="http://schemas.microsoft.com/office/drawing/2017/decorative" val="1"/>
+              </a:ext>
+            </a:extLst>
+          </p:cNvPr>
+          <p:cNvSpPr>
+            <a:spLocks noGrp="1" noRot="1" noChangeAspect="1" noMove="1" noResize="1" noEditPoints="1" noAdjustHandles="1" noChangeArrowheads="1" noChangeShapeType="1" noTextEdit="1"/>
+          </p:cNvSpPr>
+          <p:nvPr>
+            <p:extLst>
+              <p:ext uri="{386F3935-93C4-4BCD-93E2-E3B085C9AB24}">
+                <p16:designElem xmlns:p16="http://schemas.microsoft.com/office/powerpoint/2015/main" val="1"/>
+              </p:ext>
+            </p:extLst>
+          </p:nvPr>
+        </p:nvSpPr>
+        <p:spPr>
+          <a:xfrm flipH="1">
+            <a:off x="665085" y="2090569"/>
+            <a:ext cx="4297680" cy="27432"/>
+          </a:xfrm>
+          <a:prstGeom prst="rect">
+            <a:avLst/>
+          </a:prstGeom>
+          <a:solidFill>
+            <a:schemeClr val="accent4"/>
+          </a:solidFill>
+          <a:ln>
+            <a:noFill/>
+          </a:ln>
+        </p:spPr>
+        <p:style>
+          <a:lnRef idx="2">
+            <a:schemeClr val="accent1">
+              <a:shade val="50000"/>
+            </a:schemeClr>
+          </a:lnRef>
+          <a:fillRef idx="1">
+            <a:schemeClr val="accent1"/>
+          </a:fillRef>
+          <a:effectRef idx="0">
+            <a:schemeClr val="accent1"/>
+          </a:effectRef>
+          <a:fontRef idx="minor">
+            <a:schemeClr val="lt1"/>
+          </a:fontRef>
+        </p:style>
+        <p:txBody>
+          <a:bodyPr rtlCol="0" anchor="ctr"/>
+          <a:lstStyle/>
+          <a:p>
+            <a:pPr algn="ctr"/>
+            <a:endParaRPr lang="en-US"/>
+          </a:p>
+        </p:txBody>
+      </p:sp>
+      <p:sp>
+        <p:nvSpPr>
+          <p:cNvPr id="3" name="Content Placeholder 2">
+            <a:extLst>
+              <a:ext uri="{FF2B5EF4-FFF2-40B4-BE49-F238E27FC236}">
+                <a16:creationId xmlns:a16="http://schemas.microsoft.com/office/drawing/2014/main" id="{65636415-BDF4-4668-867B-7D34995346D6}"/>
+              </a:ext>
+            </a:extLst>
+          </p:cNvPr>
+          <p:cNvSpPr>
+            <a:spLocks noGrp="1"/>
+          </p:cNvSpPr>
+          <p:nvPr>
+            <p:ph idx="1"/>
+          </p:nvPr>
+        </p:nvSpPr>
+        <p:spPr>
+          <a:xfrm>
+            <a:off x="355197" y="2234810"/>
+            <a:ext cx="4794948" cy="4527495"/>
+          </a:xfrm>
+        </p:spPr>
+        <p:txBody>
+          <a:bodyPr anchor="ctr">
+            <a:normAutofit/>
+          </a:bodyPr>
+          <a:lstStyle/>
+          <a:p>
+            <a:r>
+              <a:rPr lang="en-US" sz="2000" dirty="0">
+                <a:ea typeface="Roboto" panose="02000000000000000000" pitchFamily="2" charset="0"/>
+              </a:rPr>
+              <a:t>So a common argument </a:t>
+            </a:r>
+            <a:r>
+              <a:rPr lang="en-US" sz="2000" b="1" u="sng" dirty="0">
+                <a:ea typeface="Roboto" panose="02000000000000000000" pitchFamily="2" charset="0"/>
+              </a:rPr>
+              <a:t>feminists</a:t>
+            </a:r>
+            <a:r>
+              <a:rPr lang="en-US" sz="2000" dirty="0">
+                <a:ea typeface="Roboto" panose="02000000000000000000" pitchFamily="2" charset="0"/>
+              </a:rPr>
+              <a:t> LOVE to use is the “</a:t>
+            </a:r>
+            <a:r>
+              <a:rPr lang="en-US" sz="2000" b="1" u="sng" dirty="0">
+                <a:ea typeface="Roboto" panose="02000000000000000000" pitchFamily="2" charset="0"/>
+              </a:rPr>
+              <a:t>feminism</a:t>
+            </a:r>
+            <a:r>
+              <a:rPr lang="en-US" sz="2000" dirty="0">
+                <a:ea typeface="Roboto" panose="02000000000000000000" pitchFamily="2" charset="0"/>
+              </a:rPr>
+              <a:t> cares about men’s issues too” bullshit line used, well the nice thing about today (international men’s day) is it really proves them wrong, go look at every single </a:t>
+            </a:r>
+            <a:r>
+              <a:rPr lang="en-US" sz="2000" b="1" u="sng" dirty="0">
+                <a:ea typeface="Roboto" panose="02000000000000000000" pitchFamily="2" charset="0"/>
+              </a:rPr>
+              <a:t>feminist</a:t>
+            </a:r>
+            <a:r>
+              <a:rPr lang="en-US" sz="2000" dirty="0">
+                <a:ea typeface="Roboto" panose="02000000000000000000" pitchFamily="2" charset="0"/>
+              </a:rPr>
+              <a:t> sub on Reddit, every </a:t>
+            </a:r>
+            <a:r>
+              <a:rPr lang="en-US" sz="2000" b="1" u="sng" dirty="0">
+                <a:ea typeface="Roboto" panose="02000000000000000000" pitchFamily="2" charset="0"/>
+              </a:rPr>
+              <a:t>feminist</a:t>
+            </a:r>
+            <a:r>
+              <a:rPr lang="en-US" sz="2000" dirty="0">
+                <a:ea typeface="Roboto" panose="02000000000000000000" pitchFamily="2" charset="0"/>
+              </a:rPr>
+              <a:t> page on Facebook, any feminists blog or journal.... guess what, radio silent on men’s issues on the one day of the year dedicated to men’s issues, yet every men’s rights page and sub is covered in IMD posts. </a:t>
+            </a:r>
+            <a:r>
+              <a:rPr lang="en-US" sz="2000" b="1" u="sng" dirty="0">
+                <a:ea typeface="Roboto" panose="02000000000000000000" pitchFamily="2" charset="0"/>
+              </a:rPr>
+              <a:t>Feminism</a:t>
+            </a:r>
+            <a:r>
+              <a:rPr lang="en-US" sz="2000" dirty="0">
+                <a:ea typeface="Roboto" panose="02000000000000000000" pitchFamily="2" charset="0"/>
+              </a:rPr>
+              <a:t> straight up does not care about men’s issues and this proves it. </a:t>
+            </a:r>
+            <a:r>
+              <a:rPr lang="en-US" sz="2000" b="1" u="sng" dirty="0">
+                <a:ea typeface="Roboto" panose="02000000000000000000" pitchFamily="2" charset="0"/>
+              </a:rPr>
+              <a:t>Feminism</a:t>
+            </a:r>
+            <a:r>
+              <a:rPr lang="en-US" sz="2000" dirty="0">
+                <a:ea typeface="Roboto" panose="02000000000000000000" pitchFamily="2" charset="0"/>
+              </a:rPr>
+              <a:t> is not about equality but supremacy. </a:t>
+            </a:r>
+            <a:r>
+              <a:rPr lang="en-US" sz="2000" b="1" u="sng" dirty="0">
+                <a:ea typeface="Roboto" panose="02000000000000000000" pitchFamily="2" charset="0"/>
+              </a:rPr>
+              <a:t>Feminism</a:t>
+            </a:r>
+            <a:r>
+              <a:rPr lang="en-US" sz="2000" dirty="0">
+                <a:ea typeface="Roboto" panose="02000000000000000000" pitchFamily="2" charset="0"/>
+              </a:rPr>
+              <a:t> hates men.</a:t>
+            </a:r>
+            <a:endParaRPr lang="en-SG" sz="2000" dirty="0">
+              <a:ea typeface="Roboto" panose="02000000000000000000" pitchFamily="2" charset="0"/>
+            </a:endParaRPr>
+          </a:p>
+        </p:txBody>
+      </p:sp>
+      <p:sp>
+        <p:nvSpPr>
+          <p:cNvPr id="18" name="Rectangle 17">
+            <a:extLst>
+              <a:ext uri="{FF2B5EF4-FFF2-40B4-BE49-F238E27FC236}">
+                <a16:creationId xmlns:a16="http://schemas.microsoft.com/office/drawing/2014/main" id="{C13237C8-E62C-4F0D-A318-BD6FB6C2D138}"/>
+              </a:ext>
+              <a:ext uri="{C183D7F6-B498-43B3-948B-1728B52AA6E4}">
+                <adec:decorative xmlns:adec="http://schemas.microsoft.com/office/drawing/2017/decorative" val="1"/>
+              </a:ext>
+            </a:extLst>
+          </p:cNvPr>
+          <p:cNvSpPr>
+            <a:spLocks noGrp="1" noRot="1" noChangeAspect="1" noMove="1" noResize="1" noEditPoints="1" noAdjustHandles="1" noChangeArrowheads="1" noChangeShapeType="1" noTextEdit="1"/>
+          </p:cNvSpPr>
+          <p:nvPr>
+            <p:extLst>
+              <p:ext uri="{386F3935-93C4-4BCD-93E2-E3B085C9AB24}">
+                <p16:designElem xmlns:p16="http://schemas.microsoft.com/office/powerpoint/2015/main" val="1"/>
+              </p:ext>
+            </p:extLst>
+          </p:nvPr>
+        </p:nvSpPr>
+        <p:spPr>
+          <a:xfrm flipH="1">
+            <a:off x="10697670" y="0"/>
+            <a:ext cx="1494330" cy="6858000"/>
+          </a:xfrm>
+          <a:prstGeom prst="rect">
+            <a:avLst/>
+          </a:prstGeom>
+          <a:solidFill>
+            <a:schemeClr val="accent4"/>
+          </a:solidFill>
+          <a:ln>
+            <a:noFill/>
+          </a:ln>
+        </p:spPr>
+        <p:style>
+          <a:lnRef idx="2">
+            <a:schemeClr val="accent1">
+              <a:shade val="50000"/>
+            </a:schemeClr>
+          </a:lnRef>
+          <a:fillRef idx="1">
+            <a:schemeClr val="accent1"/>
+          </a:fillRef>
+          <a:effectRef idx="0">
+            <a:schemeClr val="accent1"/>
+          </a:effectRef>
+          <a:fontRef idx="minor">
+            <a:schemeClr val="lt1"/>
+          </a:fontRef>
+        </p:style>
+        <p:txBody>
+          <a:bodyPr rtlCol="0" anchor="ctr"/>
+          <a:lstStyle/>
+          <a:p>
+            <a:pPr algn="ctr"/>
+            <a:endParaRPr lang="en-US"/>
+          </a:p>
+        </p:txBody>
+      </p:sp>
+      <p:sp>
+        <p:nvSpPr>
+          <p:cNvPr id="20" name="Rectangle 19">
+            <a:extLst>
+              <a:ext uri="{FF2B5EF4-FFF2-40B4-BE49-F238E27FC236}">
+                <a16:creationId xmlns:a16="http://schemas.microsoft.com/office/drawing/2014/main" id="{19C9EAEA-39D0-4B0E-A0EB-51E7B26740B1}"/>
+              </a:ext>
+              <a:ext uri="{C183D7F6-B498-43B3-948B-1728B52AA6E4}">
+                <adec:decorative xmlns:adec="http://schemas.microsoft.com/office/drawing/2017/decorative" val="1"/>
+              </a:ext>
+            </a:extLst>
+          </p:cNvPr>
+          <p:cNvSpPr>
+            <a:spLocks noGrp="1" noRot="1" noChangeAspect="1" noMove="1" noResize="1" noEditPoints="1" noAdjustHandles="1" noChangeArrowheads="1" noChangeShapeType="1" noTextEdit="1"/>
+          </p:cNvSpPr>
+          <p:nvPr>
+            <p:extLst>
+              <p:ext uri="{386F3935-93C4-4BCD-93E2-E3B085C9AB24}">
+                <p16:designElem xmlns:p16="http://schemas.microsoft.com/office/powerpoint/2015/main" val="1"/>
+              </p:ext>
+            </p:extLst>
+          </p:nvPr>
+        </p:nvSpPr>
+        <p:spPr>
+          <a:xfrm>
+            <a:off x="5685810" y="513853"/>
+            <a:ext cx="6009366" cy="5834577"/>
+          </a:xfrm>
+          <a:prstGeom prst="rect">
+            <a:avLst/>
+          </a:prstGeom>
+          <a:solidFill>
+            <a:schemeClr val="bg1"/>
+          </a:solidFill>
+          <a:ln>
+            <a:noFill/>
+          </a:ln>
+          <a:effectLst>
+            <a:outerShdw blurRad="139700" dist="127000" dir="5400000" algn="t" rotWithShape="0">
+              <a:prstClr val="black">
+                <a:alpha val="15000"/>
+              </a:prstClr>
+            </a:outerShdw>
+          </a:effectLst>
+        </p:spPr>
+        <p:style>
+          <a:lnRef idx="2">
+            <a:schemeClr val="accent1">
+              <a:shade val="50000"/>
+            </a:schemeClr>
+          </a:lnRef>
+          <a:fillRef idx="1">
+            <a:schemeClr val="accent1"/>
+          </a:fillRef>
+          <a:effectRef idx="0">
+            <a:schemeClr val="accent1"/>
+          </a:effectRef>
+          <a:fontRef idx="minor">
+            <a:schemeClr val="lt1"/>
+          </a:fontRef>
+        </p:style>
+        <p:txBody>
+          <a:bodyPr rtlCol="0" anchor="ctr"/>
+          <a:lstStyle/>
+          <a:p>
+            <a:pPr algn="ctr"/>
+            <a:endParaRPr lang="en-US"/>
+          </a:p>
+        </p:txBody>
+      </p:sp>
+      <p:pic>
+        <p:nvPicPr>
+          <p:cNvPr id="5" name="Picture 4">
+            <a:extLst>
+              <a:ext uri="{FF2B5EF4-FFF2-40B4-BE49-F238E27FC236}">
+                <a16:creationId xmlns:a16="http://schemas.microsoft.com/office/drawing/2014/main" id="{AE333EA3-000A-4F3D-9775-7FCA1FE75206}"/>
+              </a:ext>
+            </a:extLst>
+          </p:cNvPr>
+          <p:cNvPicPr>
+            <a:picLocks noChangeAspect="1"/>
+          </p:cNvPicPr>
+          <p:nvPr/>
+        </p:nvPicPr>
+        <p:blipFill rotWithShape="1">
+          <a:blip r:embed="rId2"/>
+          <a:srcRect t="4303" r="1742" b="1"/>
+          <a:stretch/>
+        </p:blipFill>
+        <p:spPr>
+          <a:xfrm>
+            <a:off x="5734969" y="856180"/>
+            <a:ext cx="5910275" cy="5482736"/>
+          </a:xfrm>
+          <a:prstGeom prst="rect">
+            <a:avLst/>
+          </a:prstGeom>
+        </p:spPr>
+      </p:pic>
+      <p:sp>
+        <p:nvSpPr>
+          <p:cNvPr id="4" name="TextBox 3">
+            <a:extLst>
+              <a:ext uri="{FF2B5EF4-FFF2-40B4-BE49-F238E27FC236}">
+                <a16:creationId xmlns:a16="http://schemas.microsoft.com/office/drawing/2014/main" id="{B36A0A88-AD38-4481-8E28-56EB6EE68564}"/>
+              </a:ext>
+            </a:extLst>
+          </p:cNvPr>
+          <p:cNvSpPr txBox="1"/>
+          <p:nvPr/>
+        </p:nvSpPr>
+        <p:spPr>
+          <a:xfrm>
+            <a:off x="6562846" y="513853"/>
+            <a:ext cx="4514126" cy="369332"/>
+          </a:xfrm>
+          <a:prstGeom prst="rect">
+            <a:avLst/>
+          </a:prstGeom>
+          <a:noFill/>
+        </p:spPr>
+        <p:txBody>
+          <a:bodyPr wrap="square" rtlCol="0">
+            <a:spAutoFit/>
+          </a:bodyPr>
+          <a:lstStyle/>
+          <a:p>
+            <a:pPr algn="ctr"/>
+            <a:r>
+              <a:rPr lang="en-US" b="1" dirty="0"/>
+              <a:t>Top 15 </a:t>
+            </a:r>
+            <a:r>
+              <a:rPr lang="en-US" b="1" dirty="0" err="1"/>
+              <a:t>Ngrams</a:t>
+            </a:r>
+            <a:r>
+              <a:rPr lang="en-US" b="1" dirty="0"/>
+              <a:t> for r/</a:t>
+            </a:r>
+            <a:r>
+              <a:rPr lang="en-US" b="1" dirty="0" err="1"/>
+              <a:t>MensRights</a:t>
+            </a:r>
+            <a:endParaRPr lang="en-SG" b="1" dirty="0"/>
+          </a:p>
+        </p:txBody>
+      </p:sp>
+    </p:spTree>
+    <p:extLst>
+      <p:ext uri="{BB962C8B-B14F-4D97-AF65-F5344CB8AC3E}">
+        <p14:creationId xmlns:p14="http://schemas.microsoft.com/office/powerpoint/2010/main" val="1309271220"/>
+      </p:ext>
+    </p:extLst>
+  </p:cSld>
+  <p:clrMapOvr>
+    <a:masterClrMapping/>
+  </p:clrMapOvr>
+</p:sld>
+</file>
+
+<file path=ppt/slides/slide11.xml><?xml version="1.0" encoding="utf-8"?>
+<p:sld xmlns:a="http://schemas.openxmlformats.org/drawingml/2006/main" xmlns:r="http://schemas.openxmlformats.org/officeDocument/2006/relationships" xmlns:p="http://schemas.openxmlformats.org/presentationml/2006/main">
+  <p:cSld>
+    <p:bg>
+      <p:bgPr>
+        <a:solidFill>
+          <a:schemeClr val="bg1"/>
+        </a:solidFill>
+        <a:effectLst/>
+      </p:bgPr>
+    </p:bg>
+    <p:spTree>
+      <p:nvGrpSpPr>
+        <p:cNvPr id="1" name=""/>
+        <p:cNvGrpSpPr/>
+        <p:nvPr/>
+      </p:nvGrpSpPr>
+      <p:grpSpPr>
+        <a:xfrm>
+          <a:off x="0" y="0"/>
+          <a:ext cx="0" cy="0"/>
+          <a:chOff x="0" y="0"/>
+          <a:chExt cx="0" cy="0"/>
+        </a:xfrm>
+      </p:grpSpPr>
+      <p:sp useBgFill="1">
+        <p:nvSpPr>
+          <p:cNvPr id="7" name="Rectangle 9">
+            <a:extLst>
+              <a:ext uri="{FF2B5EF4-FFF2-40B4-BE49-F238E27FC236}">
+                <a16:creationId xmlns:a16="http://schemas.microsoft.com/office/drawing/2014/main" id="{201CC55D-ED54-4C5C-95E6-10947BD1103B}"/>
+              </a:ext>
+              <a:ext uri="{C183D7F6-B498-43B3-948B-1728B52AA6E4}">
+                <adec:decorative xmlns:adec="http://schemas.microsoft.com/office/drawing/2017/decorative" val="1"/>
+              </a:ext>
+            </a:extLst>
+          </p:cNvPr>
+          <p:cNvSpPr>
+            <a:spLocks noGrp="1" noRot="1" noChangeAspect="1" noMove="1" noResize="1" noEditPoints="1" noAdjustHandles="1" noChangeArrowheads="1" noChangeShapeType="1" noTextEdit="1"/>
+          </p:cNvSpPr>
+          <p:nvPr>
+            <p:extLst>
+              <p:ext uri="{386F3935-93C4-4BCD-93E2-E3B085C9AB24}">
+                <p16:designElem xmlns:p16="http://schemas.microsoft.com/office/powerpoint/2015/main" val="1"/>
+              </p:ext>
+            </p:extLst>
+          </p:nvPr>
+        </p:nvSpPr>
+        <p:spPr>
+          <a:xfrm>
+            <a:off x="0" y="0"/>
+            <a:ext cx="12191999" cy="6857365"/>
+          </a:xfrm>
+          <a:prstGeom prst="rect">
+            <a:avLst/>
+          </a:prstGeom>
+          <a:ln>
+            <a:noFill/>
+          </a:ln>
+        </p:spPr>
+        <p:style>
+          <a:lnRef idx="2">
+            <a:schemeClr val="accent1">
+              <a:shade val="50000"/>
+            </a:schemeClr>
+          </a:lnRef>
+          <a:fillRef idx="1">
+            <a:schemeClr val="accent1"/>
+          </a:fillRef>
+          <a:effectRef idx="0">
+            <a:schemeClr val="accent1"/>
+          </a:effectRef>
+          <a:fontRef idx="minor">
+            <a:schemeClr val="lt1"/>
+          </a:fontRef>
+        </p:style>
+        <p:txBody>
+          <a:bodyPr rtlCol="0" anchor="ctr"/>
+          <a:lstStyle/>
+          <a:p>
+            <a:pPr algn="ctr"/>
+            <a:endParaRPr lang="en-US"/>
+          </a:p>
+        </p:txBody>
+      </p:sp>
+      <p:sp>
+        <p:nvSpPr>
+          <p:cNvPr id="2" name="Title 1">
+            <a:extLst>
+              <a:ext uri="{FF2B5EF4-FFF2-40B4-BE49-F238E27FC236}">
+                <a16:creationId xmlns:a16="http://schemas.microsoft.com/office/drawing/2014/main" id="{4BEE9392-33AB-4C31-BB89-D5BA658A9A48}"/>
+              </a:ext>
+            </a:extLst>
+          </p:cNvPr>
+          <p:cNvSpPr>
+            <a:spLocks noGrp="1"/>
+          </p:cNvSpPr>
+          <p:nvPr>
+            <p:ph type="title"/>
+          </p:nvPr>
+        </p:nvSpPr>
+        <p:spPr>
+          <a:xfrm>
+            <a:off x="589560" y="856180"/>
+            <a:ext cx="4560584" cy="1128068"/>
+          </a:xfrm>
+        </p:spPr>
+        <p:txBody>
+          <a:bodyPr anchor="ctr">
+            <a:noAutofit/>
+          </a:bodyPr>
+          <a:lstStyle/>
+          <a:p>
+            <a:r>
+              <a:rPr lang="en-US" sz="3600" dirty="0"/>
+              <a:t>r/</a:t>
+            </a:r>
+            <a:r>
+              <a:rPr lang="en-US" sz="3600" dirty="0" err="1"/>
+              <a:t>MensRights</a:t>
+            </a:r>
+            <a:r>
+              <a:rPr lang="en-US" sz="3600" dirty="0"/>
+              <a:t>: </a:t>
+            </a:r>
+            <a:br>
+              <a:rPr lang="en-US" sz="2400" dirty="0"/>
+            </a:br>
+            <a:r>
+              <a:rPr lang="en-US" sz="2400" dirty="0">
+                <a:solidFill>
+                  <a:schemeClr val="bg1">
+                    <a:lumMod val="50000"/>
+                  </a:schemeClr>
+                </a:solidFill>
+              </a:rPr>
+              <a:t>False Accusations Against Men </a:t>
+            </a:r>
+            <a:br>
+              <a:rPr lang="en-US" sz="2400" dirty="0">
+                <a:solidFill>
+                  <a:schemeClr val="bg1">
+                    <a:lumMod val="50000"/>
+                  </a:schemeClr>
+                </a:solidFill>
+              </a:rPr>
+            </a:br>
+            <a:r>
+              <a:rPr lang="en-US" sz="2400" dirty="0">
+                <a:solidFill>
+                  <a:schemeClr val="bg1">
+                    <a:lumMod val="50000"/>
+                  </a:schemeClr>
+                </a:solidFill>
+              </a:rPr>
+              <a:t>e.g. Amber Heard</a:t>
+            </a:r>
+            <a:endParaRPr lang="en-SG" sz="2000" dirty="0"/>
+          </a:p>
+        </p:txBody>
+      </p:sp>
+      <p:grpSp>
+        <p:nvGrpSpPr>
+          <p:cNvPr id="8" name="Group 11">
+            <a:extLst>
+              <a:ext uri="{FF2B5EF4-FFF2-40B4-BE49-F238E27FC236}">
+                <a16:creationId xmlns:a16="http://schemas.microsoft.com/office/drawing/2014/main" id="{1DE889C7-FAD6-4397-98E2-05D503484459}"/>
+              </a:ext>
+              <a:ext uri="{C183D7F6-B498-43B3-948B-1728B52AA6E4}">
+                <adec:decorative xmlns:adec="http://schemas.microsoft.com/office/drawing/2017/decorative" val="1"/>
+              </a:ext>
+            </a:extLst>
+          </p:cNvPr>
+          <p:cNvGrpSpPr>
+            <a:grpSpLocks noGrp="1" noUngrp="1" noRot="1" noChangeAspect="1" noMove="1" noResize="1"/>
+          </p:cNvGrpSpPr>
+          <p:nvPr>
+            <p:extLst>
+              <p:ext uri="{386F3935-93C4-4BCD-93E2-E3B085C9AB24}">
+                <p16:designElem xmlns:p16="http://schemas.microsoft.com/office/powerpoint/2015/main" val="1"/>
+              </p:ext>
+            </p:extLst>
+          </p:nvPr>
+        </p:nvGrpSpPr>
+        <p:grpSpPr>
+          <a:xfrm>
+            <a:off x="0" y="1083484"/>
+            <a:ext cx="355196" cy="673460"/>
+            <a:chOff x="0" y="823811"/>
+            <a:chExt cx="355196" cy="673460"/>
+          </a:xfrm>
+        </p:grpSpPr>
+        <p:sp>
+          <p:nvSpPr>
+            <p:cNvPr id="13" name="Rectangle 12">
+              <a:extLst>
+                <a:ext uri="{FF2B5EF4-FFF2-40B4-BE49-F238E27FC236}">
+                  <a16:creationId xmlns:a16="http://schemas.microsoft.com/office/drawing/2014/main" id="{F399A70F-F8CD-4992-9EF5-6CF15472E73F}"/>
+                </a:ext>
+                <a:ext uri="{C183D7F6-B498-43B3-948B-1728B52AA6E4}">
+                  <adec:decorative xmlns:adec="http://schemas.microsoft.com/office/drawing/2017/decorative" val="1"/>
+                </a:ext>
+              </a:extLst>
+            </p:cNvPr>
+            <p:cNvSpPr/>
+            <p:nvPr>
+              <p:extLst>
+                <p:ext uri="{386F3935-93C4-4BCD-93E2-E3B085C9AB24}">
+                  <p16:designElem xmlns:p16="http://schemas.microsoft.com/office/powerpoint/2015/main" val="1"/>
+                </p:ext>
+              </p:extLst>
+            </p:nvPr>
+          </p:nvSpPr>
+          <p:spPr>
+            <a:xfrm>
+              <a:off x="0" y="823811"/>
+              <a:ext cx="87363" cy="673460"/>
+            </a:xfrm>
+            <a:prstGeom prst="rect">
+              <a:avLst/>
+            </a:prstGeom>
+            <a:solidFill>
+              <a:schemeClr val="accent4"/>
+            </a:solidFill>
+            <a:ln>
+              <a:noFill/>
+            </a:ln>
+          </p:spPr>
+          <p:style>
+            <a:lnRef idx="2">
+              <a:schemeClr val="accent1">
+                <a:shade val="50000"/>
+              </a:schemeClr>
+            </a:lnRef>
+            <a:fillRef idx="1">
+              <a:schemeClr val="accent1"/>
+            </a:fillRef>
+            <a:effectRef idx="0">
+              <a:schemeClr val="accent1"/>
+            </a:effectRef>
+            <a:fontRef idx="minor">
+              <a:schemeClr val="lt1"/>
+            </a:fontRef>
+          </p:style>
+          <p:txBody>
+            <a:bodyPr rtlCol="0" anchor="ctr"/>
+            <a:lstStyle/>
+            <a:p>
+              <a:pPr algn="ctr"/>
+              <a:endParaRPr lang="en-US"/>
+            </a:p>
+          </p:txBody>
+        </p:sp>
+        <p:sp>
+          <p:nvSpPr>
+            <p:cNvPr id="14" name="Rectangle 13">
+              <a:extLst>
+                <a:ext uri="{FF2B5EF4-FFF2-40B4-BE49-F238E27FC236}">
+                  <a16:creationId xmlns:a16="http://schemas.microsoft.com/office/drawing/2014/main" id="{48F4FEDC-6D80-458C-A665-075D9B9500FD}"/>
+                </a:ext>
+                <a:ext uri="{C183D7F6-B498-43B3-948B-1728B52AA6E4}">
+                  <adec:decorative xmlns:adec="http://schemas.microsoft.com/office/drawing/2017/decorative" val="1"/>
+                </a:ext>
+              </a:extLst>
+            </p:cNvPr>
+            <p:cNvSpPr/>
+            <p:nvPr>
+              <p:extLst>
+                <p:ext uri="{386F3935-93C4-4BCD-93E2-E3B085C9AB24}">
+                  <p16:designElem xmlns:p16="http://schemas.microsoft.com/office/powerpoint/2015/main" val="1"/>
+                </p:ext>
+              </p:extLst>
+            </p:nvPr>
+          </p:nvSpPr>
+          <p:spPr>
+            <a:xfrm>
+              <a:off x="159341" y="823811"/>
+              <a:ext cx="195855" cy="673460"/>
+            </a:xfrm>
+            <a:prstGeom prst="rect">
+              <a:avLst/>
+            </a:prstGeom>
+            <a:solidFill>
+              <a:schemeClr val="accent4"/>
+            </a:solidFill>
+            <a:ln>
+              <a:noFill/>
+            </a:ln>
+          </p:spPr>
+          <p:style>
+            <a:lnRef idx="2">
+              <a:schemeClr val="accent1">
+                <a:shade val="50000"/>
+              </a:schemeClr>
+            </a:lnRef>
+            <a:fillRef idx="1">
+              <a:schemeClr val="accent1"/>
+            </a:fillRef>
+            <a:effectRef idx="0">
+              <a:schemeClr val="accent1"/>
+            </a:effectRef>
+            <a:fontRef idx="minor">
+              <a:schemeClr val="lt1"/>
+            </a:fontRef>
+          </p:style>
+          <p:txBody>
+            <a:bodyPr rtlCol="0" anchor="ctr"/>
+            <a:lstStyle/>
+            <a:p>
+              <a:pPr algn="ctr"/>
+              <a:endParaRPr lang="en-US"/>
+            </a:p>
+          </p:txBody>
+        </p:sp>
+      </p:grpSp>
+      <p:sp>
+        <p:nvSpPr>
+          <p:cNvPr id="9" name="Rectangle 15">
+            <a:extLst>
+              <a:ext uri="{FF2B5EF4-FFF2-40B4-BE49-F238E27FC236}">
+                <a16:creationId xmlns:a16="http://schemas.microsoft.com/office/drawing/2014/main" id="{3873B707-463F-40B0-8227-E8CC6C67EB25}"/>
+              </a:ext>
+              <a:ext uri="{C183D7F6-B498-43B3-948B-1728B52AA6E4}">
+                <adec:decorative xmlns:adec="http://schemas.microsoft.com/office/drawing/2017/decorative" val="1"/>
+              </a:ext>
+            </a:extLst>
+          </p:cNvPr>
+          <p:cNvSpPr>
+            <a:spLocks noGrp="1" noRot="1" noChangeAspect="1" noMove="1" noResize="1" noEditPoints="1" noAdjustHandles="1" noChangeArrowheads="1" noChangeShapeType="1" noTextEdit="1"/>
+          </p:cNvSpPr>
+          <p:nvPr>
+            <p:extLst>
+              <p:ext uri="{386F3935-93C4-4BCD-93E2-E3B085C9AB24}">
+                <p16:designElem xmlns:p16="http://schemas.microsoft.com/office/powerpoint/2015/main" val="1"/>
+              </p:ext>
+            </p:extLst>
+          </p:nvPr>
+        </p:nvSpPr>
+        <p:spPr>
+          <a:xfrm flipH="1">
+            <a:off x="665085" y="2090569"/>
+            <a:ext cx="4297680" cy="27432"/>
+          </a:xfrm>
+          <a:prstGeom prst="rect">
+            <a:avLst/>
+          </a:prstGeom>
+          <a:solidFill>
+            <a:schemeClr val="accent4"/>
+          </a:solidFill>
+          <a:ln>
+            <a:noFill/>
+          </a:ln>
+        </p:spPr>
+        <p:style>
+          <a:lnRef idx="2">
+            <a:schemeClr val="accent1">
+              <a:shade val="50000"/>
+            </a:schemeClr>
+          </a:lnRef>
+          <a:fillRef idx="1">
+            <a:schemeClr val="accent1"/>
+          </a:fillRef>
+          <a:effectRef idx="0">
+            <a:schemeClr val="accent1"/>
+          </a:effectRef>
+          <a:fontRef idx="minor">
+            <a:schemeClr val="lt1"/>
+          </a:fontRef>
+        </p:style>
+        <p:txBody>
+          <a:bodyPr rtlCol="0" anchor="ctr"/>
+          <a:lstStyle/>
+          <a:p>
+            <a:pPr algn="ctr"/>
+            <a:endParaRPr lang="en-US"/>
+          </a:p>
+        </p:txBody>
+      </p:sp>
+      <p:sp>
+        <p:nvSpPr>
+          <p:cNvPr id="3" name="Content Placeholder 2">
+            <a:extLst>
+              <a:ext uri="{FF2B5EF4-FFF2-40B4-BE49-F238E27FC236}">
+                <a16:creationId xmlns:a16="http://schemas.microsoft.com/office/drawing/2014/main" id="{65636415-BDF4-4668-867B-7D34995346D6}"/>
+              </a:ext>
+            </a:extLst>
+          </p:cNvPr>
+          <p:cNvSpPr>
+            <a:spLocks noGrp="1"/>
+          </p:cNvSpPr>
+          <p:nvPr>
+            <p:ph idx="1"/>
+          </p:nvPr>
+        </p:nvSpPr>
+        <p:spPr>
+          <a:xfrm>
+            <a:off x="159341" y="2276514"/>
+            <a:ext cx="5525695" cy="4373376"/>
+          </a:xfrm>
+        </p:spPr>
+        <p:txBody>
+          <a:bodyPr anchor="ctr">
+            <a:normAutofit lnSpcReduction="10000"/>
+          </a:bodyPr>
+          <a:lstStyle/>
+          <a:p>
+            <a:r>
+              <a:rPr lang="en-US" sz="1800" dirty="0">
+                <a:ea typeface="Roboto" panose="02000000000000000000" pitchFamily="2" charset="0"/>
+              </a:rPr>
+              <a:t>“Sign to push for </a:t>
+            </a:r>
+            <a:r>
+              <a:rPr lang="en-US" sz="1800" b="1" u="sng" dirty="0">
+                <a:ea typeface="Roboto" panose="02000000000000000000" pitchFamily="2" charset="0"/>
+              </a:rPr>
+              <a:t>Amber Heard</a:t>
+            </a:r>
+            <a:r>
+              <a:rPr lang="en-US" sz="1800" b="1" dirty="0">
+                <a:ea typeface="Roboto" panose="02000000000000000000" pitchFamily="2" charset="0"/>
+              </a:rPr>
+              <a:t> </a:t>
+            </a:r>
+            <a:r>
+              <a:rPr lang="en-US" sz="1800" dirty="0">
+                <a:ea typeface="Roboto" panose="02000000000000000000" pitchFamily="2" charset="0"/>
+              </a:rPr>
+              <a:t>to be fired. Why? Because men are targeted and women get let off”</a:t>
+            </a:r>
+          </a:p>
+          <a:p>
+            <a:endParaRPr lang="en-US" sz="1800" dirty="0">
+              <a:ea typeface="Roboto" panose="02000000000000000000" pitchFamily="2" charset="0"/>
+            </a:endParaRPr>
+          </a:p>
+          <a:p>
+            <a:r>
+              <a:rPr lang="en-US" sz="1800" dirty="0">
+                <a:ea typeface="Roboto" panose="02000000000000000000" pitchFamily="2" charset="0"/>
+              </a:rPr>
+              <a:t>“</a:t>
+            </a:r>
+            <a:r>
+              <a:rPr lang="en-US" sz="1800" b="1" u="sng" dirty="0">
+                <a:ea typeface="Roboto" panose="02000000000000000000" pitchFamily="2" charset="0"/>
+              </a:rPr>
+              <a:t>Johnny Depp</a:t>
+            </a:r>
+            <a:r>
+              <a:rPr lang="en-US" sz="1800" b="1" dirty="0">
+                <a:ea typeface="Roboto" panose="02000000000000000000" pitchFamily="2" charset="0"/>
+              </a:rPr>
+              <a:t> </a:t>
+            </a:r>
+            <a:r>
+              <a:rPr lang="en-US" sz="1800" dirty="0">
+                <a:ea typeface="Roboto" panose="02000000000000000000" pitchFamily="2" charset="0"/>
+              </a:rPr>
+              <a:t>loses to amber heard. Where is the justice?”</a:t>
+            </a:r>
+          </a:p>
+          <a:p>
+            <a:endParaRPr lang="en-US" sz="1800" dirty="0">
+              <a:ea typeface="Roboto" panose="02000000000000000000" pitchFamily="2" charset="0"/>
+            </a:endParaRPr>
+          </a:p>
+          <a:p>
+            <a:r>
+              <a:rPr lang="en-US" sz="1800" dirty="0">
+                <a:ea typeface="Roboto" panose="02000000000000000000" pitchFamily="2" charset="0"/>
+              </a:rPr>
+              <a:t>“</a:t>
+            </a:r>
+            <a:r>
+              <a:rPr lang="en-US" sz="1800" b="1" u="sng" dirty="0">
+                <a:ea typeface="Roboto" panose="02000000000000000000" pitchFamily="2" charset="0"/>
+              </a:rPr>
+              <a:t>Johnny Depp</a:t>
+            </a:r>
+            <a:r>
+              <a:rPr lang="en-US" sz="1800" b="1" dirty="0">
+                <a:ea typeface="Roboto" panose="02000000000000000000" pitchFamily="2" charset="0"/>
+              </a:rPr>
+              <a:t> </a:t>
+            </a:r>
+            <a:r>
+              <a:rPr lang="en-US" sz="1800" dirty="0">
+                <a:ea typeface="Roboto" panose="02000000000000000000" pitchFamily="2" charset="0"/>
+              </a:rPr>
+              <a:t>Is Being Blackmailed by </a:t>
+            </a:r>
+            <a:r>
+              <a:rPr lang="en-US" sz="1800" b="1" u="sng" dirty="0">
+                <a:ea typeface="Roboto" panose="02000000000000000000" pitchFamily="2" charset="0"/>
+              </a:rPr>
+              <a:t>Amber Heard</a:t>
+            </a:r>
+            <a:r>
+              <a:rPr lang="en-US" sz="1800" dirty="0">
+                <a:ea typeface="Roboto" panose="02000000000000000000" pitchFamily="2" charset="0"/>
+              </a:rPr>
+              <a:t>”</a:t>
+            </a:r>
+          </a:p>
+          <a:p>
+            <a:endParaRPr lang="en-US" sz="1800" dirty="0">
+              <a:ea typeface="Roboto" panose="02000000000000000000" pitchFamily="2" charset="0"/>
+            </a:endParaRPr>
+          </a:p>
+          <a:p>
+            <a:r>
+              <a:rPr lang="en-US" sz="1800" dirty="0">
+                <a:ea typeface="Roboto" panose="02000000000000000000" pitchFamily="2" charset="0"/>
+              </a:rPr>
+              <a:t>“The </a:t>
+            </a:r>
+            <a:r>
+              <a:rPr lang="en-US" sz="1800" b="1" u="sng" dirty="0">
+                <a:ea typeface="Roboto" panose="02000000000000000000" pitchFamily="2" charset="0"/>
+              </a:rPr>
+              <a:t>amber heard </a:t>
+            </a:r>
+            <a:r>
+              <a:rPr lang="en-US" sz="1800" dirty="0">
+                <a:ea typeface="Roboto" panose="02000000000000000000" pitchFamily="2" charset="0"/>
+              </a:rPr>
+              <a:t>situation is the best way to expose misandrist, and how people believe women more. People who defend </a:t>
+            </a:r>
+            <a:r>
+              <a:rPr lang="en-US" sz="1800" b="1" u="sng" dirty="0">
+                <a:ea typeface="Roboto" panose="02000000000000000000" pitchFamily="2" charset="0"/>
+              </a:rPr>
+              <a:t>amber heard</a:t>
+            </a:r>
+            <a:r>
+              <a:rPr lang="en-US" sz="1800" b="1" dirty="0">
+                <a:ea typeface="Roboto" panose="02000000000000000000" pitchFamily="2" charset="0"/>
+              </a:rPr>
+              <a:t> </a:t>
+            </a:r>
+            <a:r>
+              <a:rPr lang="en-US" sz="1800" dirty="0">
+                <a:ea typeface="Roboto" panose="02000000000000000000" pitchFamily="2" charset="0"/>
+              </a:rPr>
+              <a:t>are misandrist who knows nothing about false allegations. And the people defending her are so caught up in the “believe all women” bull shit that they are being completely blind of the truth.”</a:t>
+            </a:r>
+          </a:p>
+        </p:txBody>
+      </p:sp>
+      <p:sp>
+        <p:nvSpPr>
+          <p:cNvPr id="11" name="Rectangle 17">
+            <a:extLst>
+              <a:ext uri="{FF2B5EF4-FFF2-40B4-BE49-F238E27FC236}">
+                <a16:creationId xmlns:a16="http://schemas.microsoft.com/office/drawing/2014/main" id="{C13237C8-E62C-4F0D-A318-BD6FB6C2D138}"/>
+              </a:ext>
+              <a:ext uri="{C183D7F6-B498-43B3-948B-1728B52AA6E4}">
+                <adec:decorative xmlns:adec="http://schemas.microsoft.com/office/drawing/2017/decorative" val="1"/>
+              </a:ext>
+            </a:extLst>
+          </p:cNvPr>
+          <p:cNvSpPr>
+            <a:spLocks noGrp="1" noRot="1" noChangeAspect="1" noMove="1" noResize="1" noEditPoints="1" noAdjustHandles="1" noChangeArrowheads="1" noChangeShapeType="1" noTextEdit="1"/>
+          </p:cNvSpPr>
+          <p:nvPr>
+            <p:extLst>
+              <p:ext uri="{386F3935-93C4-4BCD-93E2-E3B085C9AB24}">
+                <p16:designElem xmlns:p16="http://schemas.microsoft.com/office/powerpoint/2015/main" val="1"/>
+              </p:ext>
+            </p:extLst>
+          </p:nvPr>
+        </p:nvSpPr>
+        <p:spPr>
+          <a:xfrm flipH="1">
+            <a:off x="10697670" y="0"/>
+            <a:ext cx="1494330" cy="6858000"/>
+          </a:xfrm>
+          <a:prstGeom prst="rect">
+            <a:avLst/>
+          </a:prstGeom>
+          <a:solidFill>
+            <a:schemeClr val="accent4"/>
+          </a:solidFill>
+          <a:ln>
+            <a:noFill/>
+          </a:ln>
+        </p:spPr>
+        <p:style>
+          <a:lnRef idx="2">
+            <a:schemeClr val="accent1">
+              <a:shade val="50000"/>
+            </a:schemeClr>
+          </a:lnRef>
+          <a:fillRef idx="1">
+            <a:schemeClr val="accent1"/>
+          </a:fillRef>
+          <a:effectRef idx="0">
+            <a:schemeClr val="accent1"/>
+          </a:effectRef>
+          <a:fontRef idx="minor">
+            <a:schemeClr val="lt1"/>
+          </a:fontRef>
+        </p:style>
+        <p:txBody>
+          <a:bodyPr rtlCol="0" anchor="ctr"/>
+          <a:lstStyle/>
+          <a:p>
+            <a:pPr algn="ctr"/>
+            <a:endParaRPr lang="en-US"/>
+          </a:p>
+        </p:txBody>
+      </p:sp>
+      <p:sp>
+        <p:nvSpPr>
+          <p:cNvPr id="15" name="Rectangle 19">
+            <a:extLst>
+              <a:ext uri="{FF2B5EF4-FFF2-40B4-BE49-F238E27FC236}">
+                <a16:creationId xmlns:a16="http://schemas.microsoft.com/office/drawing/2014/main" id="{19C9EAEA-39D0-4B0E-A0EB-51E7B26740B1}"/>
+              </a:ext>
+              <a:ext uri="{C183D7F6-B498-43B3-948B-1728B52AA6E4}">
+                <adec:decorative xmlns:adec="http://schemas.microsoft.com/office/drawing/2017/decorative" val="1"/>
+              </a:ext>
+            </a:extLst>
+          </p:cNvPr>
+          <p:cNvSpPr>
+            <a:spLocks noGrp="1" noRot="1" noChangeAspect="1" noMove="1" noResize="1" noEditPoints="1" noAdjustHandles="1" noChangeArrowheads="1" noChangeShapeType="1" noTextEdit="1"/>
+          </p:cNvSpPr>
+          <p:nvPr>
+            <p:extLst>
+              <p:ext uri="{386F3935-93C4-4BCD-93E2-E3B085C9AB24}">
+                <p16:designElem xmlns:p16="http://schemas.microsoft.com/office/powerpoint/2015/main" val="1"/>
+              </p:ext>
+            </p:extLst>
+          </p:nvPr>
+        </p:nvSpPr>
+        <p:spPr>
+          <a:xfrm>
+            <a:off x="5685810" y="513853"/>
+            <a:ext cx="6009366" cy="5834577"/>
+          </a:xfrm>
+          <a:prstGeom prst="rect">
+            <a:avLst/>
+          </a:prstGeom>
+          <a:solidFill>
+            <a:schemeClr val="bg1"/>
+          </a:solidFill>
+          <a:ln>
+            <a:noFill/>
+          </a:ln>
+          <a:effectLst>
+            <a:outerShdw blurRad="139700" dist="127000" dir="5400000" algn="t" rotWithShape="0">
+              <a:prstClr val="black">
+                <a:alpha val="15000"/>
+              </a:prstClr>
+            </a:outerShdw>
+          </a:effectLst>
+        </p:spPr>
+        <p:style>
+          <a:lnRef idx="2">
+            <a:schemeClr val="accent1">
+              <a:shade val="50000"/>
+            </a:schemeClr>
+          </a:lnRef>
+          <a:fillRef idx="1">
+            <a:schemeClr val="accent1"/>
+          </a:fillRef>
+          <a:effectRef idx="0">
+            <a:schemeClr val="accent1"/>
+          </a:effectRef>
+          <a:fontRef idx="minor">
+            <a:schemeClr val="lt1"/>
+          </a:fontRef>
+        </p:style>
+        <p:txBody>
+          <a:bodyPr rtlCol="0" anchor="ctr"/>
+          <a:lstStyle/>
+          <a:p>
+            <a:pPr algn="ctr"/>
+            <a:endParaRPr lang="en-US"/>
+          </a:p>
+        </p:txBody>
+      </p:sp>
+      <p:pic>
+        <p:nvPicPr>
+          <p:cNvPr id="16" name="Picture 15">
+            <a:extLst>
+              <a:ext uri="{FF2B5EF4-FFF2-40B4-BE49-F238E27FC236}">
+                <a16:creationId xmlns:a16="http://schemas.microsoft.com/office/drawing/2014/main" id="{04B241BC-3CFA-418F-A699-C45068B31BB7}"/>
+              </a:ext>
+            </a:extLst>
+          </p:cNvPr>
+          <p:cNvPicPr>
+            <a:picLocks noChangeAspect="1"/>
+          </p:cNvPicPr>
+          <p:nvPr/>
+        </p:nvPicPr>
+        <p:blipFill rotWithShape="1">
+          <a:blip r:embed="rId3"/>
+          <a:srcRect t="4303" r="1742" b="1"/>
+          <a:stretch/>
+        </p:blipFill>
+        <p:spPr>
+          <a:xfrm>
+            <a:off x="5734969" y="856180"/>
+            <a:ext cx="5910275" cy="5482736"/>
+          </a:xfrm>
+          <a:prstGeom prst="rect">
+            <a:avLst/>
+          </a:prstGeom>
+        </p:spPr>
+      </p:pic>
+      <p:sp>
+        <p:nvSpPr>
+          <p:cNvPr id="17" name="TextBox 16">
+            <a:extLst>
+              <a:ext uri="{FF2B5EF4-FFF2-40B4-BE49-F238E27FC236}">
+                <a16:creationId xmlns:a16="http://schemas.microsoft.com/office/drawing/2014/main" id="{8291E049-804E-4CDA-8E3B-7312016F6B38}"/>
+              </a:ext>
+            </a:extLst>
+          </p:cNvPr>
+          <p:cNvSpPr txBox="1"/>
+          <p:nvPr/>
+        </p:nvSpPr>
+        <p:spPr>
+          <a:xfrm>
+            <a:off x="6562846" y="513853"/>
+            <a:ext cx="4514126" cy="369332"/>
+          </a:xfrm>
+          <a:prstGeom prst="rect">
+            <a:avLst/>
+          </a:prstGeom>
+          <a:noFill/>
+        </p:spPr>
+        <p:txBody>
+          <a:bodyPr wrap="square" rtlCol="0">
+            <a:spAutoFit/>
+          </a:bodyPr>
+          <a:lstStyle/>
+          <a:p>
+            <a:pPr algn="ctr"/>
+            <a:r>
+              <a:rPr lang="en-US" b="1" dirty="0"/>
+              <a:t>Top 15 </a:t>
+            </a:r>
+            <a:r>
+              <a:rPr lang="en-US" b="1" dirty="0" err="1"/>
+              <a:t>Ngrams</a:t>
+            </a:r>
+            <a:r>
+              <a:rPr lang="en-US" b="1" dirty="0"/>
+              <a:t> for r/</a:t>
+            </a:r>
+            <a:r>
+              <a:rPr lang="en-US" b="1" dirty="0" err="1"/>
+              <a:t>MensRights</a:t>
+            </a:r>
+            <a:endParaRPr lang="en-SG" b="1" dirty="0"/>
+          </a:p>
+        </p:txBody>
+      </p:sp>
+    </p:spTree>
+    <p:extLst>
+      <p:ext uri="{BB962C8B-B14F-4D97-AF65-F5344CB8AC3E}">
+        <p14:creationId xmlns:p14="http://schemas.microsoft.com/office/powerpoint/2010/main" val="2357560883"/>
+      </p:ext>
+    </p:extLst>
+  </p:cSld>
+  <p:clrMapOvr>
+    <a:masterClrMapping/>
+  </p:clrMapOvr>
+</p:sld>
+</file>
+
+<file path=ppt/slides/slide12.xml><?xml version="1.0" encoding="utf-8"?>
+<p:sld xmlns:a="http://schemas.openxmlformats.org/drawingml/2006/main" xmlns:r="http://schemas.openxmlformats.org/officeDocument/2006/relationships" xmlns:p="http://schemas.openxmlformats.org/presentationml/2006/main">
+  <p:cSld>
+    <p:bg>
+      <p:bgPr>
+        <a:solidFill>
+          <a:schemeClr val="bg1"/>
+        </a:solidFill>
+        <a:effectLst/>
+      </p:bgPr>
+    </p:bg>
+    <p:spTree>
+      <p:nvGrpSpPr>
+        <p:cNvPr id="1" name=""/>
+        <p:cNvGrpSpPr/>
+        <p:nvPr/>
+      </p:nvGrpSpPr>
+      <p:grpSpPr>
+        <a:xfrm>
+          <a:off x="0" y="0"/>
+          <a:ext cx="0" cy="0"/>
+          <a:chOff x="0" y="0"/>
+          <a:chExt cx="0" cy="0"/>
+        </a:xfrm>
+      </p:grpSpPr>
+      <p:sp useBgFill="1">
+        <p:nvSpPr>
+          <p:cNvPr id="25" name="Rectangle 19">
+            <a:extLst>
+              <a:ext uri="{FF2B5EF4-FFF2-40B4-BE49-F238E27FC236}">
+                <a16:creationId xmlns:a16="http://schemas.microsoft.com/office/drawing/2014/main" id="{201CC55D-ED54-4C5C-95E6-10947BD1103B}"/>
+              </a:ext>
+              <a:ext uri="{C183D7F6-B498-43B3-948B-1728B52AA6E4}">
+                <adec:decorative xmlns:adec="http://schemas.microsoft.com/office/drawing/2017/decorative" val="1"/>
+              </a:ext>
+            </a:extLst>
+          </p:cNvPr>
+          <p:cNvSpPr>
+            <a:spLocks noGrp="1" noRot="1" noChangeAspect="1" noMove="1" noResize="1" noEditPoints="1" noAdjustHandles="1" noChangeArrowheads="1" noChangeShapeType="1" noTextEdit="1"/>
+          </p:cNvSpPr>
+          <p:nvPr>
+            <p:extLst>
+              <p:ext uri="{386F3935-93C4-4BCD-93E2-E3B085C9AB24}">
+                <p16:designElem xmlns:p16="http://schemas.microsoft.com/office/powerpoint/2015/main" val="1"/>
+              </p:ext>
+            </p:extLst>
+          </p:nvPr>
+        </p:nvSpPr>
+        <p:spPr>
+          <a:xfrm>
+            <a:off x="0" y="0"/>
+            <a:ext cx="12191999" cy="6857365"/>
+          </a:xfrm>
+          <a:prstGeom prst="rect">
+            <a:avLst/>
+          </a:prstGeom>
+          <a:ln>
+            <a:noFill/>
+          </a:ln>
+        </p:spPr>
+        <p:style>
+          <a:lnRef idx="2">
+            <a:schemeClr val="accent1">
+              <a:shade val="50000"/>
+            </a:schemeClr>
+          </a:lnRef>
+          <a:fillRef idx="1">
+            <a:schemeClr val="accent1"/>
+          </a:fillRef>
+          <a:effectRef idx="0">
+            <a:schemeClr val="accent1"/>
+          </a:effectRef>
+          <a:fontRef idx="minor">
+            <a:schemeClr val="lt1"/>
+          </a:fontRef>
+        </p:style>
+        <p:txBody>
+          <a:bodyPr rtlCol="0" anchor="ctr"/>
+          <a:lstStyle/>
+          <a:p>
+            <a:pPr algn="ctr"/>
+            <a:endParaRPr lang="en-US"/>
+          </a:p>
+        </p:txBody>
+      </p:sp>
+      <p:sp>
+        <p:nvSpPr>
+          <p:cNvPr id="2" name="Title 1">
+            <a:extLst>
+              <a:ext uri="{FF2B5EF4-FFF2-40B4-BE49-F238E27FC236}">
+                <a16:creationId xmlns:a16="http://schemas.microsoft.com/office/drawing/2014/main" id="{4BEE9392-33AB-4C31-BB89-D5BA658A9A48}"/>
+              </a:ext>
+            </a:extLst>
+          </p:cNvPr>
+          <p:cNvSpPr>
+            <a:spLocks noGrp="1"/>
+          </p:cNvSpPr>
+          <p:nvPr>
+            <p:ph type="title"/>
+          </p:nvPr>
+        </p:nvSpPr>
+        <p:spPr>
+          <a:xfrm>
+            <a:off x="589559" y="856180"/>
+            <a:ext cx="4941229" cy="1128068"/>
+          </a:xfrm>
+        </p:spPr>
+        <p:txBody>
+          <a:bodyPr anchor="ctr">
+            <a:noAutofit/>
+          </a:bodyPr>
+          <a:lstStyle/>
+          <a:p>
+            <a:r>
+              <a:rPr lang="en-US" sz="3600" dirty="0"/>
+              <a:t>r/</a:t>
+            </a:r>
+            <a:r>
+              <a:rPr lang="en-US" sz="3600" dirty="0" err="1"/>
+              <a:t>MensLib</a:t>
+            </a:r>
+            <a:r>
+              <a:rPr lang="en-US" sz="3600" dirty="0"/>
+              <a:t>: </a:t>
+            </a:r>
+            <a:br>
+              <a:rPr lang="en-US" sz="3600" dirty="0"/>
+            </a:br>
+            <a:r>
+              <a:rPr lang="en-US" sz="2400" dirty="0">
+                <a:solidFill>
+                  <a:schemeClr val="bg1">
+                    <a:lumMod val="50000"/>
+                  </a:schemeClr>
+                </a:solidFill>
+              </a:rPr>
+              <a:t>Questioning ‘Traditional’ Masculinity</a:t>
+            </a:r>
+            <a:endParaRPr lang="en-SG" sz="2400" dirty="0">
+              <a:solidFill>
+                <a:schemeClr val="bg1">
+                  <a:lumMod val="50000"/>
+                </a:schemeClr>
+              </a:solidFill>
+            </a:endParaRPr>
+          </a:p>
+        </p:txBody>
+      </p:sp>
+      <p:grpSp>
+        <p:nvGrpSpPr>
+          <p:cNvPr id="31" name="Group 21">
+            <a:extLst>
+              <a:ext uri="{FF2B5EF4-FFF2-40B4-BE49-F238E27FC236}">
+                <a16:creationId xmlns:a16="http://schemas.microsoft.com/office/drawing/2014/main" id="{1DE889C7-FAD6-4397-98E2-05D503484459}"/>
+              </a:ext>
+              <a:ext uri="{C183D7F6-B498-43B3-948B-1728B52AA6E4}">
+                <adec:decorative xmlns:adec="http://schemas.microsoft.com/office/drawing/2017/decorative" val="1"/>
+              </a:ext>
+            </a:extLst>
+          </p:cNvPr>
+          <p:cNvGrpSpPr>
+            <a:grpSpLocks noGrp="1" noUngrp="1" noRot="1" noChangeAspect="1" noMove="1" noResize="1"/>
+          </p:cNvGrpSpPr>
+          <p:nvPr>
+            <p:extLst>
+              <p:ext uri="{386F3935-93C4-4BCD-93E2-E3B085C9AB24}">
+                <p16:designElem xmlns:p16="http://schemas.microsoft.com/office/powerpoint/2015/main" val="1"/>
+              </p:ext>
+            </p:extLst>
+          </p:nvPr>
+        </p:nvGrpSpPr>
+        <p:grpSpPr>
+          <a:xfrm>
+            <a:off x="0" y="1083484"/>
+            <a:ext cx="355196" cy="673460"/>
+            <a:chOff x="0" y="823811"/>
+            <a:chExt cx="355196" cy="673460"/>
+          </a:xfrm>
+        </p:grpSpPr>
+        <p:sp>
+          <p:nvSpPr>
+            <p:cNvPr id="23" name="Rectangle 22">
+              <a:extLst>
+                <a:ext uri="{FF2B5EF4-FFF2-40B4-BE49-F238E27FC236}">
+                  <a16:creationId xmlns:a16="http://schemas.microsoft.com/office/drawing/2014/main" id="{F399A70F-F8CD-4992-9EF5-6CF15472E73F}"/>
+                </a:ext>
+                <a:ext uri="{C183D7F6-B498-43B3-948B-1728B52AA6E4}">
+                  <adec:decorative xmlns:adec="http://schemas.microsoft.com/office/drawing/2017/decorative" val="1"/>
+                </a:ext>
+              </a:extLst>
+            </p:cNvPr>
+            <p:cNvSpPr/>
+            <p:nvPr>
+              <p:extLst>
+                <p:ext uri="{386F3935-93C4-4BCD-93E2-E3B085C9AB24}">
+                  <p16:designElem xmlns:p16="http://schemas.microsoft.com/office/powerpoint/2015/main" val="1"/>
+                </p:ext>
+              </p:extLst>
+            </p:nvPr>
+          </p:nvSpPr>
+          <p:spPr>
+            <a:xfrm>
+              <a:off x="0" y="823811"/>
+              <a:ext cx="87363" cy="673460"/>
+            </a:xfrm>
+            <a:prstGeom prst="rect">
+              <a:avLst/>
+            </a:prstGeom>
+            <a:solidFill>
+              <a:schemeClr val="accent4"/>
+            </a:solidFill>
+            <a:ln>
+              <a:noFill/>
+            </a:ln>
+          </p:spPr>
+          <p:style>
+            <a:lnRef idx="2">
+              <a:schemeClr val="accent1">
+                <a:shade val="50000"/>
+              </a:schemeClr>
+            </a:lnRef>
+            <a:fillRef idx="1">
+              <a:schemeClr val="accent1"/>
+            </a:fillRef>
+            <a:effectRef idx="0">
+              <a:schemeClr val="accent1"/>
+            </a:effectRef>
+            <a:fontRef idx="minor">
+              <a:schemeClr val="lt1"/>
+            </a:fontRef>
+          </p:style>
+          <p:txBody>
+            <a:bodyPr rtlCol="0" anchor="ctr"/>
+            <a:lstStyle/>
+            <a:p>
+              <a:pPr algn="ctr"/>
+              <a:endParaRPr lang="en-US"/>
+            </a:p>
+          </p:txBody>
+        </p:sp>
+        <p:sp>
+          <p:nvSpPr>
+            <p:cNvPr id="24" name="Rectangle 23">
+              <a:extLst>
+                <a:ext uri="{FF2B5EF4-FFF2-40B4-BE49-F238E27FC236}">
+                  <a16:creationId xmlns:a16="http://schemas.microsoft.com/office/drawing/2014/main" id="{48F4FEDC-6D80-458C-A665-075D9B9500FD}"/>
+                </a:ext>
+                <a:ext uri="{C183D7F6-B498-43B3-948B-1728B52AA6E4}">
+                  <adec:decorative xmlns:adec="http://schemas.microsoft.com/office/drawing/2017/decorative" val="1"/>
+                </a:ext>
+              </a:extLst>
+            </p:cNvPr>
+            <p:cNvSpPr/>
+            <p:nvPr>
+              <p:extLst>
+                <p:ext uri="{386F3935-93C4-4BCD-93E2-E3B085C9AB24}">
+                  <p16:designElem xmlns:p16="http://schemas.microsoft.com/office/powerpoint/2015/main" val="1"/>
+                </p:ext>
+              </p:extLst>
+            </p:nvPr>
+          </p:nvSpPr>
+          <p:spPr>
+            <a:xfrm>
+              <a:off x="159341" y="823811"/>
+              <a:ext cx="195855" cy="673460"/>
+            </a:xfrm>
+            <a:prstGeom prst="rect">
+              <a:avLst/>
+            </a:prstGeom>
+            <a:solidFill>
+              <a:schemeClr val="accent4"/>
+            </a:solidFill>
+            <a:ln>
+              <a:noFill/>
+            </a:ln>
+          </p:spPr>
+          <p:style>
+            <a:lnRef idx="2">
+              <a:schemeClr val="accent1">
+                <a:shade val="50000"/>
+              </a:schemeClr>
+            </a:lnRef>
+            <a:fillRef idx="1">
+              <a:schemeClr val="accent1"/>
+            </a:fillRef>
+            <a:effectRef idx="0">
+              <a:schemeClr val="accent1"/>
+            </a:effectRef>
+            <a:fontRef idx="minor">
+              <a:schemeClr val="lt1"/>
+            </a:fontRef>
+          </p:style>
+          <p:txBody>
+            <a:bodyPr rtlCol="0" anchor="ctr"/>
+            <a:lstStyle/>
+            <a:p>
+              <a:pPr algn="ctr"/>
+              <a:endParaRPr lang="en-US"/>
+            </a:p>
+          </p:txBody>
+        </p:sp>
+      </p:grpSp>
+      <p:sp>
+        <p:nvSpPr>
+          <p:cNvPr id="32" name="Rectangle 25">
+            <a:extLst>
+              <a:ext uri="{FF2B5EF4-FFF2-40B4-BE49-F238E27FC236}">
+                <a16:creationId xmlns:a16="http://schemas.microsoft.com/office/drawing/2014/main" id="{3873B707-463F-40B0-8227-E8CC6C67EB25}"/>
+              </a:ext>
+              <a:ext uri="{C183D7F6-B498-43B3-948B-1728B52AA6E4}">
+                <adec:decorative xmlns:adec="http://schemas.microsoft.com/office/drawing/2017/decorative" val="1"/>
+              </a:ext>
+            </a:extLst>
+          </p:cNvPr>
+          <p:cNvSpPr>
+            <a:spLocks noGrp="1" noRot="1" noChangeAspect="1" noMove="1" noResize="1" noEditPoints="1" noAdjustHandles="1" noChangeArrowheads="1" noChangeShapeType="1" noTextEdit="1"/>
+          </p:cNvSpPr>
+          <p:nvPr>
+            <p:extLst>
+              <p:ext uri="{386F3935-93C4-4BCD-93E2-E3B085C9AB24}">
+                <p16:designElem xmlns:p16="http://schemas.microsoft.com/office/powerpoint/2015/main" val="1"/>
+              </p:ext>
+            </p:extLst>
+          </p:nvPr>
+        </p:nvSpPr>
+        <p:spPr>
+          <a:xfrm flipH="1">
+            <a:off x="665085" y="2090569"/>
+            <a:ext cx="4297680" cy="27432"/>
+          </a:xfrm>
+          <a:prstGeom prst="rect">
+            <a:avLst/>
+          </a:prstGeom>
+          <a:solidFill>
+            <a:schemeClr val="accent4"/>
+          </a:solidFill>
+          <a:ln>
+            <a:noFill/>
+          </a:ln>
+        </p:spPr>
+        <p:style>
+          <a:lnRef idx="2">
+            <a:schemeClr val="accent1">
+              <a:shade val="50000"/>
+            </a:schemeClr>
+          </a:lnRef>
+          <a:fillRef idx="1">
+            <a:schemeClr val="accent1"/>
+          </a:fillRef>
+          <a:effectRef idx="0">
+            <a:schemeClr val="accent1"/>
+          </a:effectRef>
+          <a:fontRef idx="minor">
+            <a:schemeClr val="lt1"/>
+          </a:fontRef>
+        </p:style>
+        <p:txBody>
+          <a:bodyPr rtlCol="0" anchor="ctr"/>
+          <a:lstStyle/>
+          <a:p>
+            <a:pPr algn="ctr"/>
+            <a:endParaRPr lang="en-US"/>
+          </a:p>
+        </p:txBody>
+      </p:sp>
+      <p:sp>
+        <p:nvSpPr>
+          <p:cNvPr id="3" name="Content Placeholder 2">
+            <a:extLst>
+              <a:ext uri="{FF2B5EF4-FFF2-40B4-BE49-F238E27FC236}">
+                <a16:creationId xmlns:a16="http://schemas.microsoft.com/office/drawing/2014/main" id="{65636415-BDF4-4668-867B-7D34995346D6}"/>
+              </a:ext>
+            </a:extLst>
+          </p:cNvPr>
+          <p:cNvSpPr>
+            <a:spLocks noGrp="1"/>
+          </p:cNvSpPr>
+          <p:nvPr>
+            <p:ph idx="1"/>
+          </p:nvPr>
+        </p:nvSpPr>
+        <p:spPr>
+          <a:xfrm>
+            <a:off x="355197" y="2330505"/>
+            <a:ext cx="4794948" cy="4176621"/>
+          </a:xfrm>
+        </p:spPr>
+        <p:txBody>
+          <a:bodyPr anchor="ctr">
+            <a:normAutofit/>
+          </a:bodyPr>
+          <a:lstStyle/>
+          <a:p>
+            <a:r>
+              <a:rPr lang="en-US" sz="2000" dirty="0">
+                <a:ea typeface="Roboto" panose="02000000000000000000" pitchFamily="2" charset="0"/>
+              </a:rPr>
+              <a:t>“Whether I’m on a basketball court, in a boardroom, at the pub, or in the bedroom, my </a:t>
+            </a:r>
+            <a:r>
+              <a:rPr lang="en-US" sz="2000" b="1" u="sng" dirty="0">
+                <a:ea typeface="Roboto" panose="02000000000000000000" pitchFamily="2" charset="0"/>
+              </a:rPr>
+              <a:t>masculinity</a:t>
+            </a:r>
+            <a:r>
+              <a:rPr lang="en-US" sz="2000" dirty="0">
+                <a:ea typeface="Roboto" panose="02000000000000000000" pitchFamily="2" charset="0"/>
+              </a:rPr>
+              <a:t> will be different in each context [...] It’s a performance, and it changes based not only on the setting, but also the other players taking part in the scene.”</a:t>
+            </a:r>
+            <a:br>
+              <a:rPr lang="en-US" sz="2000" dirty="0">
+                <a:ea typeface="Roboto" panose="02000000000000000000" pitchFamily="2" charset="0"/>
+              </a:rPr>
+            </a:br>
+            <a:endParaRPr lang="en-US" sz="2000" dirty="0">
+              <a:ea typeface="Roboto" panose="02000000000000000000" pitchFamily="2" charset="0"/>
+            </a:endParaRPr>
+          </a:p>
+          <a:p>
+            <a:r>
+              <a:rPr lang="en-US" sz="2000" dirty="0">
+                <a:ea typeface="Roboto" panose="02000000000000000000" pitchFamily="2" charset="0"/>
+              </a:rPr>
+              <a:t>“It's obvious that *toxic* </a:t>
+            </a:r>
+            <a:r>
+              <a:rPr lang="en-US" sz="2000" b="1" u="sng" dirty="0">
+                <a:ea typeface="Roboto" panose="02000000000000000000" pitchFamily="2" charset="0"/>
+              </a:rPr>
+              <a:t>masculinity</a:t>
+            </a:r>
+            <a:r>
+              <a:rPr lang="en-US" sz="2000" dirty="0">
+                <a:ea typeface="Roboto" panose="02000000000000000000" pitchFamily="2" charset="0"/>
+              </a:rPr>
+              <a:t> is bad, but what about concepts of </a:t>
+            </a:r>
+            <a:r>
+              <a:rPr lang="en-US" sz="2000" b="1" u="sng" dirty="0">
+                <a:ea typeface="Roboto" panose="02000000000000000000" pitchFamily="2" charset="0"/>
+              </a:rPr>
+              <a:t>masculinity</a:t>
+            </a:r>
+            <a:r>
+              <a:rPr lang="en-US" sz="2000" dirty="0">
+                <a:ea typeface="Roboto" panose="02000000000000000000" pitchFamily="2" charset="0"/>
+              </a:rPr>
+              <a:t> and femininity as a whole? Are they necessary to keep around, or do they only exist to put people in boxes and perpetuate stereotypes? “</a:t>
+            </a:r>
+          </a:p>
+        </p:txBody>
+      </p:sp>
+      <p:sp>
+        <p:nvSpPr>
+          <p:cNvPr id="28" name="Rectangle 27">
+            <a:extLst>
+              <a:ext uri="{FF2B5EF4-FFF2-40B4-BE49-F238E27FC236}">
+                <a16:creationId xmlns:a16="http://schemas.microsoft.com/office/drawing/2014/main" id="{C13237C8-E62C-4F0D-A318-BD6FB6C2D138}"/>
+              </a:ext>
+              <a:ext uri="{C183D7F6-B498-43B3-948B-1728B52AA6E4}">
+                <adec:decorative xmlns:adec="http://schemas.microsoft.com/office/drawing/2017/decorative" val="1"/>
+              </a:ext>
+            </a:extLst>
+          </p:cNvPr>
+          <p:cNvSpPr>
+            <a:spLocks noGrp="1" noRot="1" noChangeAspect="1" noMove="1" noResize="1" noEditPoints="1" noAdjustHandles="1" noChangeArrowheads="1" noChangeShapeType="1" noTextEdit="1"/>
+          </p:cNvSpPr>
+          <p:nvPr>
+            <p:extLst>
+              <p:ext uri="{386F3935-93C4-4BCD-93E2-E3B085C9AB24}">
+                <p16:designElem xmlns:p16="http://schemas.microsoft.com/office/powerpoint/2015/main" val="1"/>
+              </p:ext>
+            </p:extLst>
+          </p:nvPr>
+        </p:nvSpPr>
+        <p:spPr>
+          <a:xfrm flipH="1">
+            <a:off x="10697670" y="0"/>
+            <a:ext cx="1494330" cy="6858000"/>
+          </a:xfrm>
+          <a:prstGeom prst="rect">
+            <a:avLst/>
+          </a:prstGeom>
+          <a:solidFill>
+            <a:schemeClr val="accent4"/>
+          </a:solidFill>
+          <a:ln>
+            <a:noFill/>
+          </a:ln>
+        </p:spPr>
+        <p:style>
+          <a:lnRef idx="2">
+            <a:schemeClr val="accent1">
+              <a:shade val="50000"/>
+            </a:schemeClr>
+          </a:lnRef>
+          <a:fillRef idx="1">
+            <a:schemeClr val="accent1"/>
+          </a:fillRef>
+          <a:effectRef idx="0">
+            <a:schemeClr val="accent1"/>
+          </a:effectRef>
+          <a:fontRef idx="minor">
+            <a:schemeClr val="lt1"/>
+          </a:fontRef>
+        </p:style>
+        <p:txBody>
+          <a:bodyPr rtlCol="0" anchor="ctr"/>
+          <a:lstStyle/>
+          <a:p>
+            <a:pPr algn="ctr"/>
+            <a:endParaRPr lang="en-US"/>
+          </a:p>
+        </p:txBody>
+      </p:sp>
+      <p:sp>
+        <p:nvSpPr>
+          <p:cNvPr id="30" name="Rectangle 29">
+            <a:extLst>
+              <a:ext uri="{FF2B5EF4-FFF2-40B4-BE49-F238E27FC236}">
+                <a16:creationId xmlns:a16="http://schemas.microsoft.com/office/drawing/2014/main" id="{19C9EAEA-39D0-4B0E-A0EB-51E7B26740B1}"/>
+              </a:ext>
+              <a:ext uri="{C183D7F6-B498-43B3-948B-1728B52AA6E4}">
+                <adec:decorative xmlns:adec="http://schemas.microsoft.com/office/drawing/2017/decorative" val="1"/>
+              </a:ext>
+            </a:extLst>
+          </p:cNvPr>
+          <p:cNvSpPr>
+            <a:spLocks noGrp="1" noRot="1" noChangeAspect="1" noMove="1" noResize="1" noEditPoints="1" noAdjustHandles="1" noChangeArrowheads="1" noChangeShapeType="1" noTextEdit="1"/>
+          </p:cNvSpPr>
+          <p:nvPr>
+            <p:extLst>
+              <p:ext uri="{386F3935-93C4-4BCD-93E2-E3B085C9AB24}">
+                <p16:designElem xmlns:p16="http://schemas.microsoft.com/office/powerpoint/2015/main" val="1"/>
+              </p:ext>
+            </p:extLst>
+          </p:nvPr>
+        </p:nvSpPr>
+        <p:spPr>
+          <a:xfrm>
+            <a:off x="5685810" y="513853"/>
+            <a:ext cx="6009366" cy="5834577"/>
+          </a:xfrm>
+          <a:prstGeom prst="rect">
+            <a:avLst/>
+          </a:prstGeom>
+          <a:solidFill>
+            <a:schemeClr val="bg1"/>
+          </a:solidFill>
+          <a:ln>
+            <a:noFill/>
+          </a:ln>
+          <a:effectLst>
+            <a:outerShdw blurRad="139700" dist="127000" dir="5400000" algn="t" rotWithShape="0">
+              <a:prstClr val="black">
+                <a:alpha val="15000"/>
+              </a:prstClr>
+            </a:outerShdw>
+          </a:effectLst>
+        </p:spPr>
+        <p:style>
+          <a:lnRef idx="2">
+            <a:schemeClr val="accent1">
+              <a:shade val="50000"/>
+            </a:schemeClr>
+          </a:lnRef>
+          <a:fillRef idx="1">
+            <a:schemeClr val="accent1"/>
+          </a:fillRef>
+          <a:effectRef idx="0">
+            <a:schemeClr val="accent1"/>
+          </a:effectRef>
+          <a:fontRef idx="minor">
+            <a:schemeClr val="lt1"/>
+          </a:fontRef>
+        </p:style>
+        <p:txBody>
+          <a:bodyPr rtlCol="0" anchor="ctr"/>
+          <a:lstStyle/>
+          <a:p>
+            <a:pPr algn="ctr"/>
+            <a:endParaRPr lang="en-US"/>
+          </a:p>
+        </p:txBody>
+      </p:sp>
+      <p:pic>
+        <p:nvPicPr>
+          <p:cNvPr id="12" name="Picture 11">
+            <a:extLst>
+              <a:ext uri="{FF2B5EF4-FFF2-40B4-BE49-F238E27FC236}">
+                <a16:creationId xmlns:a16="http://schemas.microsoft.com/office/drawing/2014/main" id="{F5F70E49-4E22-45AF-8265-6D34172FC0DC}"/>
+              </a:ext>
+            </a:extLst>
+          </p:cNvPr>
+          <p:cNvPicPr>
+            <a:picLocks noChangeAspect="1"/>
+          </p:cNvPicPr>
+          <p:nvPr/>
+        </p:nvPicPr>
+        <p:blipFill rotWithShape="1">
+          <a:blip r:embed="rId2"/>
+          <a:srcRect t="4319" r="1742"/>
+          <a:stretch/>
+        </p:blipFill>
+        <p:spPr>
+          <a:xfrm>
+            <a:off x="5740863" y="874394"/>
+            <a:ext cx="5860418" cy="5435695"/>
+          </a:xfrm>
+          <a:prstGeom prst="rect">
+            <a:avLst/>
+          </a:prstGeom>
+        </p:spPr>
+      </p:pic>
+      <p:sp>
+        <p:nvSpPr>
+          <p:cNvPr id="13" name="TextBox 12">
+            <a:extLst>
+              <a:ext uri="{FF2B5EF4-FFF2-40B4-BE49-F238E27FC236}">
+                <a16:creationId xmlns:a16="http://schemas.microsoft.com/office/drawing/2014/main" id="{3B624380-04F0-4D87-853B-5CCDE3EC5B70}"/>
+              </a:ext>
+            </a:extLst>
+          </p:cNvPr>
+          <p:cNvSpPr txBox="1"/>
+          <p:nvPr/>
+        </p:nvSpPr>
+        <p:spPr>
+          <a:xfrm>
+            <a:off x="6562846" y="513853"/>
+            <a:ext cx="4514126" cy="369332"/>
+          </a:xfrm>
+          <a:prstGeom prst="rect">
+            <a:avLst/>
+          </a:prstGeom>
+          <a:noFill/>
+        </p:spPr>
+        <p:txBody>
+          <a:bodyPr wrap="square" rtlCol="0">
+            <a:spAutoFit/>
+          </a:bodyPr>
+          <a:lstStyle/>
+          <a:p>
+            <a:pPr algn="ctr"/>
+            <a:r>
+              <a:rPr lang="en-US" b="1" dirty="0"/>
+              <a:t>Top 15 </a:t>
+            </a:r>
+            <a:r>
+              <a:rPr lang="en-US" b="1" dirty="0" err="1"/>
+              <a:t>Ngrams</a:t>
+            </a:r>
+            <a:r>
+              <a:rPr lang="en-US" b="1" dirty="0"/>
+              <a:t> for r/</a:t>
+            </a:r>
+            <a:r>
+              <a:rPr lang="en-US" b="1" dirty="0" err="1"/>
+              <a:t>MensLib</a:t>
+            </a:r>
+            <a:endParaRPr lang="en-SG" b="1" dirty="0"/>
+          </a:p>
+        </p:txBody>
+      </p:sp>
+    </p:spTree>
+    <p:extLst>
+      <p:ext uri="{BB962C8B-B14F-4D97-AF65-F5344CB8AC3E}">
+        <p14:creationId xmlns:p14="http://schemas.microsoft.com/office/powerpoint/2010/main" val="3031535676"/>
+      </p:ext>
+    </p:extLst>
+  </p:cSld>
+  <p:clrMapOvr>
+    <a:masterClrMapping/>
+  </p:clrMapOvr>
+</p:sld>
+</file>
+
+<file path=ppt/slides/slide13.xml><?xml version="1.0" encoding="utf-8"?>
+<p:sld xmlns:a="http://schemas.openxmlformats.org/drawingml/2006/main" xmlns:r="http://schemas.openxmlformats.org/officeDocument/2006/relationships" xmlns:p="http://schemas.openxmlformats.org/presentationml/2006/main">
+  <p:cSld>
+    <p:bg>
+      <p:bgPr>
+        <a:solidFill>
+          <a:schemeClr val="bg1"/>
+        </a:solidFill>
+        <a:effectLst/>
+      </p:bgPr>
+    </p:bg>
+    <p:spTree>
+      <p:nvGrpSpPr>
+        <p:cNvPr id="1" name=""/>
+        <p:cNvGrpSpPr/>
+        <p:nvPr/>
+      </p:nvGrpSpPr>
+      <p:grpSpPr>
+        <a:xfrm>
+          <a:off x="0" y="0"/>
+          <a:ext cx="0" cy="0"/>
+          <a:chOff x="0" y="0"/>
+          <a:chExt cx="0" cy="0"/>
+        </a:xfrm>
+      </p:grpSpPr>
+      <p:sp useBgFill="1">
+        <p:nvSpPr>
+          <p:cNvPr id="6" name="Rectangle 8">
+            <a:extLst>
+              <a:ext uri="{FF2B5EF4-FFF2-40B4-BE49-F238E27FC236}">
+                <a16:creationId xmlns:a16="http://schemas.microsoft.com/office/drawing/2014/main" id="{201CC55D-ED54-4C5C-95E6-10947BD1103B}"/>
+              </a:ext>
+              <a:ext uri="{C183D7F6-B498-43B3-948B-1728B52AA6E4}">
+                <adec:decorative xmlns:adec="http://schemas.microsoft.com/office/drawing/2017/decorative" val="1"/>
+              </a:ext>
+            </a:extLst>
+          </p:cNvPr>
+          <p:cNvSpPr>
+            <a:spLocks noGrp="1" noRot="1" noChangeAspect="1" noMove="1" noResize="1" noEditPoints="1" noAdjustHandles="1" noChangeArrowheads="1" noChangeShapeType="1" noTextEdit="1"/>
+          </p:cNvSpPr>
+          <p:nvPr>
+            <p:extLst>
+              <p:ext uri="{386F3935-93C4-4BCD-93E2-E3B085C9AB24}">
+                <p16:designElem xmlns:p16="http://schemas.microsoft.com/office/powerpoint/2015/main" val="1"/>
+              </p:ext>
+            </p:extLst>
+          </p:nvPr>
+        </p:nvSpPr>
+        <p:spPr>
+          <a:xfrm>
+            <a:off x="0" y="0"/>
+            <a:ext cx="12191999" cy="6857365"/>
+          </a:xfrm>
+          <a:prstGeom prst="rect">
+            <a:avLst/>
+          </a:prstGeom>
+          <a:ln>
+            <a:noFill/>
+          </a:ln>
+        </p:spPr>
+        <p:style>
+          <a:lnRef idx="2">
+            <a:schemeClr val="accent1">
+              <a:shade val="50000"/>
+            </a:schemeClr>
+          </a:lnRef>
+          <a:fillRef idx="1">
+            <a:schemeClr val="accent1"/>
+          </a:fillRef>
+          <a:effectRef idx="0">
+            <a:schemeClr val="accent1"/>
+          </a:effectRef>
+          <a:fontRef idx="minor">
+            <a:schemeClr val="lt1"/>
+          </a:fontRef>
+        </p:style>
+        <p:txBody>
+          <a:bodyPr rtlCol="0" anchor="ctr"/>
+          <a:lstStyle/>
+          <a:p>
+            <a:pPr algn="ctr"/>
+            <a:endParaRPr lang="en-US"/>
+          </a:p>
+        </p:txBody>
+      </p:sp>
+      <p:sp>
+        <p:nvSpPr>
+          <p:cNvPr id="2" name="Title 1">
+            <a:extLst>
+              <a:ext uri="{FF2B5EF4-FFF2-40B4-BE49-F238E27FC236}">
+                <a16:creationId xmlns:a16="http://schemas.microsoft.com/office/drawing/2014/main" id="{4BEE9392-33AB-4C31-BB89-D5BA658A9A48}"/>
+              </a:ext>
+            </a:extLst>
+          </p:cNvPr>
+          <p:cNvSpPr>
+            <a:spLocks noGrp="1"/>
+          </p:cNvSpPr>
+          <p:nvPr>
+            <p:ph type="title"/>
+          </p:nvPr>
+        </p:nvSpPr>
+        <p:spPr>
+          <a:xfrm>
+            <a:off x="589560" y="856180"/>
+            <a:ext cx="4373206" cy="1128068"/>
+          </a:xfrm>
+        </p:spPr>
+        <p:txBody>
+          <a:bodyPr anchor="ctr">
+            <a:normAutofit/>
+          </a:bodyPr>
+          <a:lstStyle/>
+          <a:p>
+            <a:r>
+              <a:rPr lang="en-US" sz="3600" dirty="0"/>
+              <a:t>r/</a:t>
+            </a:r>
+            <a:r>
+              <a:rPr lang="en-US" sz="3600" dirty="0" err="1"/>
+              <a:t>MensLib</a:t>
+            </a:r>
+            <a:r>
+              <a:rPr lang="en-US" sz="3600" dirty="0"/>
+              <a:t>: </a:t>
+            </a:r>
+            <a:br>
+              <a:rPr lang="en-US" sz="2500" dirty="0"/>
+            </a:br>
+            <a:r>
+              <a:rPr lang="en-US" sz="2400" dirty="0">
+                <a:solidFill>
+                  <a:schemeClr val="bg1">
+                    <a:lumMod val="50000"/>
+                  </a:schemeClr>
+                </a:solidFill>
+              </a:rPr>
+              <a:t>Discussion of LGBTQ/POC Issues</a:t>
+            </a:r>
+            <a:endParaRPr lang="en-SG" sz="2400" dirty="0">
+              <a:solidFill>
+                <a:schemeClr val="bg1">
+                  <a:lumMod val="50000"/>
+                </a:schemeClr>
+              </a:solidFill>
+            </a:endParaRPr>
+          </a:p>
+        </p:txBody>
+      </p:sp>
+      <p:grpSp>
+        <p:nvGrpSpPr>
+          <p:cNvPr id="10" name="Group 10">
+            <a:extLst>
+              <a:ext uri="{FF2B5EF4-FFF2-40B4-BE49-F238E27FC236}">
+                <a16:creationId xmlns:a16="http://schemas.microsoft.com/office/drawing/2014/main" id="{1DE889C7-FAD6-4397-98E2-05D503484459}"/>
+              </a:ext>
+              <a:ext uri="{C183D7F6-B498-43B3-948B-1728B52AA6E4}">
+                <adec:decorative xmlns:adec="http://schemas.microsoft.com/office/drawing/2017/decorative" val="1"/>
+              </a:ext>
+            </a:extLst>
+          </p:cNvPr>
+          <p:cNvGrpSpPr>
+            <a:grpSpLocks noGrp="1" noUngrp="1" noRot="1" noChangeAspect="1" noMove="1" noResize="1"/>
+          </p:cNvGrpSpPr>
+          <p:nvPr>
+            <p:extLst>
+              <p:ext uri="{386F3935-93C4-4BCD-93E2-E3B085C9AB24}">
+                <p16:designElem xmlns:p16="http://schemas.microsoft.com/office/powerpoint/2015/main" val="1"/>
+              </p:ext>
+            </p:extLst>
+          </p:nvPr>
+        </p:nvGrpSpPr>
+        <p:grpSpPr>
+          <a:xfrm>
+            <a:off x="0" y="1083484"/>
+            <a:ext cx="355196" cy="673460"/>
+            <a:chOff x="0" y="823811"/>
+            <a:chExt cx="355196" cy="673460"/>
+          </a:xfrm>
+        </p:grpSpPr>
+        <p:sp>
+          <p:nvSpPr>
+            <p:cNvPr id="12" name="Rectangle 11">
+              <a:extLst>
+                <a:ext uri="{FF2B5EF4-FFF2-40B4-BE49-F238E27FC236}">
+                  <a16:creationId xmlns:a16="http://schemas.microsoft.com/office/drawing/2014/main" id="{F399A70F-F8CD-4992-9EF5-6CF15472E73F}"/>
+                </a:ext>
+                <a:ext uri="{C183D7F6-B498-43B3-948B-1728B52AA6E4}">
+                  <adec:decorative xmlns:adec="http://schemas.microsoft.com/office/drawing/2017/decorative" val="1"/>
+                </a:ext>
+              </a:extLst>
+            </p:cNvPr>
+            <p:cNvSpPr/>
+            <p:nvPr>
+              <p:extLst>
+                <p:ext uri="{386F3935-93C4-4BCD-93E2-E3B085C9AB24}">
+                  <p16:designElem xmlns:p16="http://schemas.microsoft.com/office/powerpoint/2015/main" val="1"/>
+                </p:ext>
+              </p:extLst>
+            </p:nvPr>
+          </p:nvSpPr>
+          <p:spPr>
+            <a:xfrm>
+              <a:off x="0" y="823811"/>
+              <a:ext cx="87363" cy="673460"/>
+            </a:xfrm>
+            <a:prstGeom prst="rect">
+              <a:avLst/>
+            </a:prstGeom>
+            <a:solidFill>
+              <a:schemeClr val="accent4"/>
+            </a:solidFill>
+            <a:ln>
+              <a:noFill/>
+            </a:ln>
+          </p:spPr>
+          <p:style>
+            <a:lnRef idx="2">
+              <a:schemeClr val="accent1">
+                <a:shade val="50000"/>
+              </a:schemeClr>
+            </a:lnRef>
+            <a:fillRef idx="1">
+              <a:schemeClr val="accent1"/>
+            </a:fillRef>
+            <a:effectRef idx="0">
+              <a:schemeClr val="accent1"/>
+            </a:effectRef>
+            <a:fontRef idx="minor">
+              <a:schemeClr val="lt1"/>
+            </a:fontRef>
+          </p:style>
+          <p:txBody>
+            <a:bodyPr rtlCol="0" anchor="ctr"/>
+            <a:lstStyle/>
+            <a:p>
+              <a:pPr algn="ctr"/>
+              <a:endParaRPr lang="en-US"/>
+            </a:p>
+          </p:txBody>
+        </p:sp>
+        <p:sp>
+          <p:nvSpPr>
+            <p:cNvPr id="13" name="Rectangle 12">
+              <a:extLst>
+                <a:ext uri="{FF2B5EF4-FFF2-40B4-BE49-F238E27FC236}">
+                  <a16:creationId xmlns:a16="http://schemas.microsoft.com/office/drawing/2014/main" id="{48F4FEDC-6D80-458C-A665-075D9B9500FD}"/>
+                </a:ext>
+                <a:ext uri="{C183D7F6-B498-43B3-948B-1728B52AA6E4}">
+                  <adec:decorative xmlns:adec="http://schemas.microsoft.com/office/drawing/2017/decorative" val="1"/>
+                </a:ext>
+              </a:extLst>
+            </p:cNvPr>
+            <p:cNvSpPr/>
+            <p:nvPr>
+              <p:extLst>
+                <p:ext uri="{386F3935-93C4-4BCD-93E2-E3B085C9AB24}">
+                  <p16:designElem xmlns:p16="http://schemas.microsoft.com/office/powerpoint/2015/main" val="1"/>
+                </p:ext>
+              </p:extLst>
+            </p:nvPr>
+          </p:nvSpPr>
+          <p:spPr>
+            <a:xfrm>
+              <a:off x="159341" y="823811"/>
+              <a:ext cx="195855" cy="673460"/>
+            </a:xfrm>
+            <a:prstGeom prst="rect">
+              <a:avLst/>
+            </a:prstGeom>
+            <a:solidFill>
+              <a:schemeClr val="accent4"/>
+            </a:solidFill>
+            <a:ln>
+              <a:noFill/>
+            </a:ln>
+          </p:spPr>
+          <p:style>
+            <a:lnRef idx="2">
+              <a:schemeClr val="accent1">
+                <a:shade val="50000"/>
+              </a:schemeClr>
+            </a:lnRef>
+            <a:fillRef idx="1">
+              <a:schemeClr val="accent1"/>
+            </a:fillRef>
+            <a:effectRef idx="0">
+              <a:schemeClr val="accent1"/>
+            </a:effectRef>
+            <a:fontRef idx="minor">
+              <a:schemeClr val="lt1"/>
+            </a:fontRef>
+          </p:style>
+          <p:txBody>
+            <a:bodyPr rtlCol="0" anchor="ctr"/>
+            <a:lstStyle/>
+            <a:p>
+              <a:pPr algn="ctr"/>
+              <a:endParaRPr lang="en-US"/>
+            </a:p>
+          </p:txBody>
+        </p:sp>
+      </p:grpSp>
+      <p:sp>
+        <p:nvSpPr>
+          <p:cNvPr id="14" name="Rectangle 14">
+            <a:extLst>
+              <a:ext uri="{FF2B5EF4-FFF2-40B4-BE49-F238E27FC236}">
+                <a16:creationId xmlns:a16="http://schemas.microsoft.com/office/drawing/2014/main" id="{3873B707-463F-40B0-8227-E8CC6C67EB25}"/>
+              </a:ext>
+              <a:ext uri="{C183D7F6-B498-43B3-948B-1728B52AA6E4}">
+                <adec:decorative xmlns:adec="http://schemas.microsoft.com/office/drawing/2017/decorative" val="1"/>
+              </a:ext>
+            </a:extLst>
+          </p:cNvPr>
+          <p:cNvSpPr>
+            <a:spLocks noGrp="1" noRot="1" noChangeAspect="1" noMove="1" noResize="1" noEditPoints="1" noAdjustHandles="1" noChangeArrowheads="1" noChangeShapeType="1" noTextEdit="1"/>
+          </p:cNvSpPr>
+          <p:nvPr>
+            <p:extLst>
+              <p:ext uri="{386F3935-93C4-4BCD-93E2-E3B085C9AB24}">
+                <p16:designElem xmlns:p16="http://schemas.microsoft.com/office/powerpoint/2015/main" val="1"/>
+              </p:ext>
+            </p:extLst>
+          </p:nvPr>
+        </p:nvSpPr>
+        <p:spPr>
+          <a:xfrm flipH="1">
+            <a:off x="665085" y="2090569"/>
+            <a:ext cx="4297680" cy="27432"/>
+          </a:xfrm>
+          <a:prstGeom prst="rect">
+            <a:avLst/>
+          </a:prstGeom>
+          <a:solidFill>
+            <a:schemeClr val="accent4"/>
+          </a:solidFill>
+          <a:ln>
+            <a:noFill/>
+          </a:ln>
+        </p:spPr>
+        <p:style>
+          <a:lnRef idx="2">
+            <a:schemeClr val="accent1">
+              <a:shade val="50000"/>
+            </a:schemeClr>
+          </a:lnRef>
+          <a:fillRef idx="1">
+            <a:schemeClr val="accent1"/>
+          </a:fillRef>
+          <a:effectRef idx="0">
+            <a:schemeClr val="accent1"/>
+          </a:effectRef>
+          <a:fontRef idx="minor">
+            <a:schemeClr val="lt1"/>
+          </a:fontRef>
+        </p:style>
+        <p:txBody>
+          <a:bodyPr rtlCol="0" anchor="ctr"/>
+          <a:lstStyle/>
+          <a:p>
+            <a:pPr algn="ctr"/>
+            <a:endParaRPr lang="en-US"/>
+          </a:p>
+        </p:txBody>
+      </p:sp>
+      <p:sp>
+        <p:nvSpPr>
+          <p:cNvPr id="3" name="Content Placeholder 2">
+            <a:extLst>
+              <a:ext uri="{FF2B5EF4-FFF2-40B4-BE49-F238E27FC236}">
+                <a16:creationId xmlns:a16="http://schemas.microsoft.com/office/drawing/2014/main" id="{65636415-BDF4-4668-867B-7D34995346D6}"/>
+              </a:ext>
+            </a:extLst>
+          </p:cNvPr>
+          <p:cNvSpPr>
+            <a:spLocks noGrp="1"/>
+          </p:cNvSpPr>
+          <p:nvPr>
+            <p:ph idx="1"/>
+          </p:nvPr>
+        </p:nvSpPr>
+        <p:spPr>
+          <a:xfrm>
+            <a:off x="265814" y="2136774"/>
+            <a:ext cx="4883171" cy="4680817"/>
+          </a:xfrm>
+        </p:spPr>
+        <p:txBody>
+          <a:bodyPr anchor="ctr">
+            <a:noAutofit/>
+          </a:bodyPr>
+          <a:lstStyle/>
+          <a:p>
+            <a:r>
+              <a:rPr lang="en-US" sz="1900" dirty="0">
+                <a:ea typeface="Roboto" panose="02000000000000000000" pitchFamily="2" charset="0"/>
+              </a:rPr>
+              <a:t>“It didn't take me very long even as a kid to realize that I didn't really fit the societal image of what a </a:t>
+            </a:r>
+            <a:r>
+              <a:rPr lang="en-US" sz="1900" b="1" u="sng" dirty="0">
+                <a:ea typeface="Roboto" panose="02000000000000000000" pitchFamily="2" charset="0"/>
+              </a:rPr>
+              <a:t>black man</a:t>
+            </a:r>
+            <a:r>
+              <a:rPr lang="en-US" sz="1900" b="1" dirty="0">
+                <a:ea typeface="Roboto" panose="02000000000000000000" pitchFamily="2" charset="0"/>
+              </a:rPr>
+              <a:t> </a:t>
+            </a:r>
+            <a:r>
+              <a:rPr lang="en-US" sz="1900" dirty="0">
+                <a:ea typeface="Roboto" panose="02000000000000000000" pitchFamily="2" charset="0"/>
+              </a:rPr>
+              <a:t>should be… I never did grow into common cultural image of </a:t>
+            </a:r>
+            <a:r>
+              <a:rPr lang="en-US" sz="1900" b="1" u="sng" dirty="0">
+                <a:ea typeface="Roboto" panose="02000000000000000000" pitchFamily="2" charset="0"/>
+              </a:rPr>
+              <a:t>black men</a:t>
+            </a:r>
+            <a:r>
+              <a:rPr lang="en-US" sz="1900" b="1" dirty="0">
+                <a:ea typeface="Roboto" panose="02000000000000000000" pitchFamily="2" charset="0"/>
+              </a:rPr>
+              <a:t> </a:t>
+            </a:r>
+            <a:r>
+              <a:rPr lang="en-US" sz="1900" dirty="0">
+                <a:ea typeface="Roboto" panose="02000000000000000000" pitchFamily="2" charset="0"/>
+              </a:rPr>
+              <a:t>as tall, muscular, sexy and confident”</a:t>
+            </a:r>
+            <a:br>
+              <a:rPr lang="en-US" sz="1900" dirty="0">
+                <a:ea typeface="Roboto" panose="02000000000000000000" pitchFamily="2" charset="0"/>
+              </a:rPr>
+            </a:br>
+            <a:endParaRPr lang="en-US" sz="1900" dirty="0">
+              <a:ea typeface="Roboto" panose="02000000000000000000" pitchFamily="2" charset="0"/>
+            </a:endParaRPr>
+          </a:p>
+          <a:p>
+            <a:r>
+              <a:rPr lang="en-US" sz="1900" dirty="0">
+                <a:ea typeface="Roboto" panose="02000000000000000000" pitchFamily="2" charset="0"/>
+              </a:rPr>
+              <a:t>“I am also a </a:t>
+            </a:r>
+            <a:r>
+              <a:rPr lang="en-US" sz="1900" b="1" u="sng" dirty="0">
+                <a:ea typeface="Roboto" panose="02000000000000000000" pitchFamily="2" charset="0"/>
+              </a:rPr>
+              <a:t>disabled</a:t>
+            </a:r>
+            <a:r>
+              <a:rPr lang="en-US" sz="1900" dirty="0">
+                <a:ea typeface="Roboto" panose="02000000000000000000" pitchFamily="2" charset="0"/>
+              </a:rPr>
+              <a:t> man. I will never be a "protector" or any number of modern dominant culture stereotypes […] Not meeting those stereotypes AND finding a powerful masculinity in myself is an active part of my liberation”</a:t>
+            </a:r>
+            <a:br>
+              <a:rPr lang="en-US" sz="1900" dirty="0">
+                <a:ea typeface="Roboto" panose="02000000000000000000" pitchFamily="2" charset="0"/>
+              </a:rPr>
+            </a:br>
+            <a:endParaRPr lang="en-US" sz="1900" dirty="0">
+              <a:ea typeface="Roboto" panose="02000000000000000000" pitchFamily="2" charset="0"/>
+            </a:endParaRPr>
+          </a:p>
+          <a:p>
+            <a:r>
+              <a:rPr lang="en-US" sz="1900" dirty="0">
+                <a:ea typeface="Roboto" panose="02000000000000000000" pitchFamily="2" charset="0"/>
+              </a:rPr>
+              <a:t>“I am a </a:t>
+            </a:r>
+            <a:r>
+              <a:rPr lang="en-US" sz="1900" b="1" u="sng" dirty="0">
+                <a:ea typeface="Roboto" panose="02000000000000000000" pitchFamily="2" charset="0"/>
+              </a:rPr>
+              <a:t>trans man</a:t>
+            </a:r>
+            <a:r>
+              <a:rPr lang="en-US" sz="1900" b="1" dirty="0">
+                <a:ea typeface="Roboto" panose="02000000000000000000" pitchFamily="2" charset="0"/>
+              </a:rPr>
+              <a:t> </a:t>
+            </a:r>
+            <a:r>
+              <a:rPr lang="en-US" sz="1900" dirty="0">
+                <a:ea typeface="Roboto" panose="02000000000000000000" pitchFamily="2" charset="0"/>
+              </a:rPr>
+              <a:t>and "man" is an active part of who I am, day and day out</a:t>
+            </a:r>
+            <a:r>
+              <a:rPr lang="en-US" sz="1900" dirty="0">
+                <a:latin typeface="Roboto" panose="02000000000000000000" pitchFamily="2" charset="0"/>
+                <a:ea typeface="Roboto" panose="02000000000000000000" pitchFamily="2" charset="0"/>
+              </a:rPr>
+              <a:t>”</a:t>
+            </a:r>
+          </a:p>
+        </p:txBody>
+      </p:sp>
+      <p:sp>
+        <p:nvSpPr>
+          <p:cNvPr id="17" name="Rectangle 16">
+            <a:extLst>
+              <a:ext uri="{FF2B5EF4-FFF2-40B4-BE49-F238E27FC236}">
+                <a16:creationId xmlns:a16="http://schemas.microsoft.com/office/drawing/2014/main" id="{C13237C8-E62C-4F0D-A318-BD6FB6C2D138}"/>
+              </a:ext>
+              <a:ext uri="{C183D7F6-B498-43B3-948B-1728B52AA6E4}">
+                <adec:decorative xmlns:adec="http://schemas.microsoft.com/office/drawing/2017/decorative" val="1"/>
+              </a:ext>
+            </a:extLst>
+          </p:cNvPr>
+          <p:cNvSpPr>
+            <a:spLocks noGrp="1" noRot="1" noChangeAspect="1" noMove="1" noResize="1" noEditPoints="1" noAdjustHandles="1" noChangeArrowheads="1" noChangeShapeType="1" noTextEdit="1"/>
+          </p:cNvSpPr>
+          <p:nvPr>
+            <p:extLst>
+              <p:ext uri="{386F3935-93C4-4BCD-93E2-E3B085C9AB24}">
+                <p16:designElem xmlns:p16="http://schemas.microsoft.com/office/powerpoint/2015/main" val="1"/>
+              </p:ext>
+            </p:extLst>
+          </p:nvPr>
+        </p:nvSpPr>
+        <p:spPr>
+          <a:xfrm flipH="1">
+            <a:off x="10697670" y="0"/>
+            <a:ext cx="1494330" cy="6858000"/>
+          </a:xfrm>
+          <a:prstGeom prst="rect">
+            <a:avLst/>
+          </a:prstGeom>
+          <a:solidFill>
+            <a:schemeClr val="accent4"/>
+          </a:solidFill>
+          <a:ln>
+            <a:noFill/>
+          </a:ln>
+        </p:spPr>
+        <p:style>
+          <a:lnRef idx="2">
+            <a:schemeClr val="accent1">
+              <a:shade val="50000"/>
+            </a:schemeClr>
+          </a:lnRef>
+          <a:fillRef idx="1">
+            <a:schemeClr val="accent1"/>
+          </a:fillRef>
+          <a:effectRef idx="0">
+            <a:schemeClr val="accent1"/>
+          </a:effectRef>
+          <a:fontRef idx="minor">
+            <a:schemeClr val="lt1"/>
+          </a:fontRef>
+        </p:style>
+        <p:txBody>
+          <a:bodyPr rtlCol="0" anchor="ctr"/>
+          <a:lstStyle/>
+          <a:p>
+            <a:pPr algn="ctr"/>
+            <a:endParaRPr lang="en-US"/>
+          </a:p>
+        </p:txBody>
+      </p:sp>
+      <p:sp>
+        <p:nvSpPr>
+          <p:cNvPr id="19" name="Rectangle 18">
+            <a:extLst>
+              <a:ext uri="{FF2B5EF4-FFF2-40B4-BE49-F238E27FC236}">
+                <a16:creationId xmlns:a16="http://schemas.microsoft.com/office/drawing/2014/main" id="{19C9EAEA-39D0-4B0E-A0EB-51E7B26740B1}"/>
+              </a:ext>
+              <a:ext uri="{C183D7F6-B498-43B3-948B-1728B52AA6E4}">
+                <adec:decorative xmlns:adec="http://schemas.microsoft.com/office/drawing/2017/decorative" val="1"/>
+              </a:ext>
+            </a:extLst>
+          </p:cNvPr>
+          <p:cNvSpPr>
+            <a:spLocks noGrp="1" noRot="1" noChangeAspect="1" noMove="1" noResize="1" noEditPoints="1" noAdjustHandles="1" noChangeArrowheads="1" noChangeShapeType="1" noTextEdit="1"/>
+          </p:cNvSpPr>
+          <p:nvPr>
+            <p:extLst>
+              <p:ext uri="{386F3935-93C4-4BCD-93E2-E3B085C9AB24}">
+                <p16:designElem xmlns:p16="http://schemas.microsoft.com/office/powerpoint/2015/main" val="1"/>
+              </p:ext>
+            </p:extLst>
+          </p:nvPr>
+        </p:nvSpPr>
+        <p:spPr>
+          <a:xfrm>
+            <a:off x="5685810" y="513853"/>
+            <a:ext cx="6009366" cy="5834577"/>
+          </a:xfrm>
+          <a:prstGeom prst="rect">
+            <a:avLst/>
+          </a:prstGeom>
+          <a:solidFill>
+            <a:schemeClr val="bg1"/>
+          </a:solidFill>
+          <a:ln>
+            <a:noFill/>
+          </a:ln>
+          <a:effectLst>
+            <a:outerShdw blurRad="139700" dist="127000" dir="5400000" algn="t" rotWithShape="0">
+              <a:prstClr val="black">
+                <a:alpha val="15000"/>
+              </a:prstClr>
+            </a:outerShdw>
+          </a:effectLst>
+        </p:spPr>
+        <p:style>
+          <a:lnRef idx="2">
+            <a:schemeClr val="accent1">
+              <a:shade val="50000"/>
+            </a:schemeClr>
+          </a:lnRef>
+          <a:fillRef idx="1">
+            <a:schemeClr val="accent1"/>
+          </a:fillRef>
+          <a:effectRef idx="0">
+            <a:schemeClr val="accent1"/>
+          </a:effectRef>
+          <a:fontRef idx="minor">
+            <a:schemeClr val="lt1"/>
+          </a:fontRef>
+        </p:style>
+        <p:txBody>
+          <a:bodyPr rtlCol="0" anchor="ctr"/>
+          <a:lstStyle/>
+          <a:p>
+            <a:pPr algn="ctr"/>
+            <a:endParaRPr lang="en-US"/>
+          </a:p>
+        </p:txBody>
+      </p:sp>
+      <p:pic>
+        <p:nvPicPr>
+          <p:cNvPr id="15" name="Picture 14">
+            <a:extLst>
+              <a:ext uri="{FF2B5EF4-FFF2-40B4-BE49-F238E27FC236}">
+                <a16:creationId xmlns:a16="http://schemas.microsoft.com/office/drawing/2014/main" id="{57DEBA41-1197-4340-8580-3D2432E3FE36}"/>
+              </a:ext>
+            </a:extLst>
+          </p:cNvPr>
+          <p:cNvPicPr>
+            <a:picLocks noChangeAspect="1"/>
+          </p:cNvPicPr>
+          <p:nvPr/>
+        </p:nvPicPr>
+        <p:blipFill rotWithShape="1">
+          <a:blip r:embed="rId3"/>
+          <a:srcRect t="4319" r="1742"/>
+          <a:stretch/>
+        </p:blipFill>
+        <p:spPr>
+          <a:xfrm>
+            <a:off x="5740863" y="874394"/>
+            <a:ext cx="5860418" cy="5435695"/>
+          </a:xfrm>
+          <a:prstGeom prst="rect">
+            <a:avLst/>
+          </a:prstGeom>
+        </p:spPr>
+      </p:pic>
+      <p:sp>
+        <p:nvSpPr>
+          <p:cNvPr id="18" name="TextBox 17">
+            <a:extLst>
+              <a:ext uri="{FF2B5EF4-FFF2-40B4-BE49-F238E27FC236}">
+                <a16:creationId xmlns:a16="http://schemas.microsoft.com/office/drawing/2014/main" id="{F3B8EEC5-BE13-44F7-860C-295EA5997DF9}"/>
+              </a:ext>
+            </a:extLst>
+          </p:cNvPr>
+          <p:cNvSpPr txBox="1"/>
+          <p:nvPr/>
+        </p:nvSpPr>
+        <p:spPr>
+          <a:xfrm>
+            <a:off x="6562846" y="513853"/>
+            <a:ext cx="4514126" cy="369332"/>
+          </a:xfrm>
+          <a:prstGeom prst="rect">
+            <a:avLst/>
+          </a:prstGeom>
+          <a:noFill/>
+        </p:spPr>
+        <p:txBody>
+          <a:bodyPr wrap="square" rtlCol="0">
+            <a:spAutoFit/>
+          </a:bodyPr>
+          <a:lstStyle/>
+          <a:p>
+            <a:pPr algn="ctr"/>
+            <a:r>
+              <a:rPr lang="en-US" b="1" dirty="0"/>
+              <a:t>Top 15 </a:t>
+            </a:r>
+            <a:r>
+              <a:rPr lang="en-US" b="1" dirty="0" err="1"/>
+              <a:t>Ngrams</a:t>
+            </a:r>
+            <a:r>
+              <a:rPr lang="en-US" b="1" dirty="0"/>
+              <a:t> for r/</a:t>
+            </a:r>
+            <a:r>
+              <a:rPr lang="en-US" b="1" dirty="0" err="1"/>
+              <a:t>MensLib</a:t>
+            </a:r>
+            <a:endParaRPr lang="en-SG" b="1" dirty="0"/>
+          </a:p>
+        </p:txBody>
+      </p:sp>
+    </p:spTree>
+    <p:extLst>
+      <p:ext uri="{BB962C8B-B14F-4D97-AF65-F5344CB8AC3E}">
+        <p14:creationId xmlns:p14="http://schemas.microsoft.com/office/powerpoint/2010/main" val="1909178621"/>
+      </p:ext>
+    </p:extLst>
+  </p:cSld>
+  <p:clrMapOvr>
+    <a:masterClrMapping/>
+  </p:clrMapOvr>
+</p:sld>
+</file>
+
+<file path=ppt/slides/slide14.xml><?xml version="1.0" encoding="utf-8"?>
+<p:sld xmlns:a="http://schemas.openxmlformats.org/drawingml/2006/main" xmlns:r="http://schemas.openxmlformats.org/officeDocument/2006/relationships" xmlns:p="http://schemas.openxmlformats.org/presentationml/2006/main">
+  <p:cSld>
     <p:spTree>
       <p:nvGrpSpPr>
         <p:cNvPr id="1" name=""/>
@@ -7331,7 +10809,7 @@
 </p:sld>
 </file>
 
-<file path=ppt/slides/slide11.xml><?xml version="1.0" encoding="utf-8"?>
+<file path=ppt/slides/slide15.xml><?xml version="1.0" encoding="utf-8"?>
 <p:sld xmlns:a="http://schemas.openxmlformats.org/drawingml/2006/main" xmlns:r="http://schemas.openxmlformats.org/officeDocument/2006/relationships" xmlns:p="http://schemas.openxmlformats.org/presentationml/2006/main">
   <p:cSld>
     <p:bg>
@@ -7754,7 +11232,7 @@
 </p:sld>
 </file>
 
-<file path=ppt/slides/slide12.xml><?xml version="1.0" encoding="utf-8"?>
+<file path=ppt/slides/slide16.xml><?xml version="1.0" encoding="utf-8"?>
 <p:sld xmlns:a="http://schemas.openxmlformats.org/drawingml/2006/main" xmlns:r="http://schemas.openxmlformats.org/officeDocument/2006/relationships" xmlns:p="http://schemas.openxmlformats.org/presentationml/2006/main">
   <p:cSld>
     <p:spTree>
@@ -7812,394 +11290,6 @@
     <p:extLst>
       <p:ext uri="{BB962C8B-B14F-4D97-AF65-F5344CB8AC3E}">
         <p14:creationId xmlns:p14="http://schemas.microsoft.com/office/powerpoint/2010/main" val="1683109538"/>
-      </p:ext>
-    </p:extLst>
-  </p:cSld>
-  <p:clrMapOvr>
-    <a:masterClrMapping/>
-  </p:clrMapOvr>
-</p:sld>
-</file>
-
-<file path=ppt/slides/slide13.xml><?xml version="1.0" encoding="utf-8"?>
-<p:sld xmlns:a="http://schemas.openxmlformats.org/drawingml/2006/main" xmlns:r="http://schemas.openxmlformats.org/officeDocument/2006/relationships" xmlns:p="http://schemas.openxmlformats.org/presentationml/2006/main">
-  <p:cSld>
-    <p:spTree>
-      <p:nvGrpSpPr>
-        <p:cNvPr id="1" name=""/>
-        <p:cNvGrpSpPr/>
-        <p:nvPr/>
-      </p:nvGrpSpPr>
-      <p:grpSpPr>
-        <a:xfrm>
-          <a:off x="0" y="0"/>
-          <a:ext cx="0" cy="0"/>
-          <a:chOff x="0" y="0"/>
-          <a:chExt cx="0" cy="0"/>
-        </a:xfrm>
-      </p:grpSpPr>
-      <p:sp>
-        <p:nvSpPr>
-          <p:cNvPr id="2" name="Title 1">
-            <a:extLst>
-              <a:ext uri="{FF2B5EF4-FFF2-40B4-BE49-F238E27FC236}">
-                <a16:creationId xmlns:a16="http://schemas.microsoft.com/office/drawing/2014/main" id="{3A7B353F-9DE1-4469-B3B8-319674EE051E}"/>
-              </a:ext>
-            </a:extLst>
-          </p:cNvPr>
-          <p:cNvSpPr>
-            <a:spLocks noGrp="1"/>
-          </p:cNvSpPr>
-          <p:nvPr>
-            <p:ph type="title"/>
-          </p:nvPr>
-        </p:nvSpPr>
-        <p:spPr/>
-        <p:txBody>
-          <a:bodyPr/>
-          <a:lstStyle/>
-          <a:p>
-            <a:r>
-              <a:rPr lang="en-US" dirty="0"/>
-              <a:t>EDA</a:t>
-            </a:r>
-            <a:endParaRPr lang="en-SG" dirty="0"/>
-          </a:p>
-        </p:txBody>
-      </p:sp>
-      <p:pic>
-        <p:nvPicPr>
-          <p:cNvPr id="4" name="Picture 3">
-            <a:extLst>
-              <a:ext uri="{FF2B5EF4-FFF2-40B4-BE49-F238E27FC236}">
-                <a16:creationId xmlns:a16="http://schemas.microsoft.com/office/drawing/2014/main" id="{FFB930D6-B4CF-4172-92B6-94A39B873936}"/>
-              </a:ext>
-            </a:extLst>
-          </p:cNvPr>
-          <p:cNvPicPr>
-            <a:picLocks noChangeAspect="1"/>
-          </p:cNvPicPr>
-          <p:nvPr/>
-        </p:nvPicPr>
-        <p:blipFill>
-          <a:blip r:embed="rId2"/>
-          <a:stretch>
-            <a:fillRect/>
-          </a:stretch>
-        </p:blipFill>
-        <p:spPr>
-          <a:xfrm>
-            <a:off x="838200" y="1472499"/>
-            <a:ext cx="10364646" cy="5020376"/>
-          </a:xfrm>
-          <a:prstGeom prst="rect">
-            <a:avLst/>
-          </a:prstGeom>
-        </p:spPr>
-      </p:pic>
-    </p:spTree>
-    <p:extLst>
-      <p:ext uri="{BB962C8B-B14F-4D97-AF65-F5344CB8AC3E}">
-        <p14:creationId xmlns:p14="http://schemas.microsoft.com/office/powerpoint/2010/main" val="2249829456"/>
-      </p:ext>
-    </p:extLst>
-  </p:cSld>
-  <p:clrMapOvr>
-    <a:masterClrMapping/>
-  </p:clrMapOvr>
-</p:sld>
-</file>
-
-<file path=ppt/slides/slide14.xml><?xml version="1.0" encoding="utf-8"?>
-<p:sld xmlns:a="http://schemas.openxmlformats.org/drawingml/2006/main" xmlns:r="http://schemas.openxmlformats.org/officeDocument/2006/relationships" xmlns:p="http://schemas.openxmlformats.org/presentationml/2006/main">
-  <p:cSld>
-    <p:spTree>
-      <p:nvGrpSpPr>
-        <p:cNvPr id="1" name=""/>
-        <p:cNvGrpSpPr/>
-        <p:nvPr/>
-      </p:nvGrpSpPr>
-      <p:grpSpPr>
-        <a:xfrm>
-          <a:off x="0" y="0"/>
-          <a:ext cx="0" cy="0"/>
-          <a:chOff x="0" y="0"/>
-          <a:chExt cx="0" cy="0"/>
-        </a:xfrm>
-      </p:grpSpPr>
-      <p:sp>
-        <p:nvSpPr>
-          <p:cNvPr id="2" name="Title 1">
-            <a:extLst>
-              <a:ext uri="{FF2B5EF4-FFF2-40B4-BE49-F238E27FC236}">
-                <a16:creationId xmlns:a16="http://schemas.microsoft.com/office/drawing/2014/main" id="{D69B0753-BAAC-44B0-BF7F-21558ED3D30C}"/>
-              </a:ext>
-            </a:extLst>
-          </p:cNvPr>
-          <p:cNvSpPr>
-            <a:spLocks noGrp="1"/>
-          </p:cNvSpPr>
-          <p:nvPr>
-            <p:ph type="title"/>
-          </p:nvPr>
-        </p:nvSpPr>
-        <p:spPr/>
-        <p:txBody>
-          <a:bodyPr/>
-          <a:lstStyle/>
-          <a:p>
-            <a:r>
-              <a:rPr lang="en-US" dirty="0"/>
-              <a:t>EDA</a:t>
-            </a:r>
-            <a:endParaRPr lang="en-SG" dirty="0"/>
-          </a:p>
-        </p:txBody>
-      </p:sp>
-      <p:pic>
-        <p:nvPicPr>
-          <p:cNvPr id="4" name="Content Placeholder 3">
-            <a:extLst>
-              <a:ext uri="{FF2B5EF4-FFF2-40B4-BE49-F238E27FC236}">
-                <a16:creationId xmlns:a16="http://schemas.microsoft.com/office/drawing/2014/main" id="{2CD86239-CA36-40AE-8A7B-E8EBF50B76A1}"/>
-              </a:ext>
-            </a:extLst>
-          </p:cNvPr>
-          <p:cNvPicPr>
-            <a:picLocks noGrp="1" noChangeAspect="1"/>
-          </p:cNvPicPr>
-          <p:nvPr>
-            <p:ph idx="1"/>
-          </p:nvPr>
-        </p:nvPicPr>
-        <p:blipFill>
-          <a:blip r:embed="rId2"/>
-          <a:stretch>
-            <a:fillRect/>
-          </a:stretch>
-        </p:blipFill>
-        <p:spPr>
-          <a:xfrm>
-            <a:off x="838200" y="1473694"/>
-            <a:ext cx="10343133" cy="5019182"/>
-          </a:xfrm>
-          <a:prstGeom prst="rect">
-            <a:avLst/>
-          </a:prstGeom>
-        </p:spPr>
-      </p:pic>
-    </p:spTree>
-    <p:extLst>
-      <p:ext uri="{BB962C8B-B14F-4D97-AF65-F5344CB8AC3E}">
-        <p14:creationId xmlns:p14="http://schemas.microsoft.com/office/powerpoint/2010/main" val="1135416399"/>
-      </p:ext>
-    </p:extLst>
-  </p:cSld>
-  <p:clrMapOvr>
-    <a:masterClrMapping/>
-  </p:clrMapOvr>
-</p:sld>
-</file>
-
-<file path=ppt/slides/slide15.xml><?xml version="1.0" encoding="utf-8"?>
-<p:sld xmlns:a="http://schemas.openxmlformats.org/drawingml/2006/main" xmlns:r="http://schemas.openxmlformats.org/officeDocument/2006/relationships" xmlns:p="http://schemas.openxmlformats.org/presentationml/2006/main">
-  <p:cSld>
-    <p:spTree>
-      <p:nvGrpSpPr>
-        <p:cNvPr id="1" name=""/>
-        <p:cNvGrpSpPr/>
-        <p:nvPr/>
-      </p:nvGrpSpPr>
-      <p:grpSpPr>
-        <a:xfrm>
-          <a:off x="0" y="0"/>
-          <a:ext cx="0" cy="0"/>
-          <a:chOff x="0" y="0"/>
-          <a:chExt cx="0" cy="0"/>
-        </a:xfrm>
-      </p:grpSpPr>
-      <p:sp>
-        <p:nvSpPr>
-          <p:cNvPr id="2" name="Title 1">
-            <a:extLst>
-              <a:ext uri="{FF2B5EF4-FFF2-40B4-BE49-F238E27FC236}">
-                <a16:creationId xmlns:a16="http://schemas.microsoft.com/office/drawing/2014/main" id="{D69B0753-BAAC-44B0-BF7F-21558ED3D30C}"/>
-              </a:ext>
-            </a:extLst>
-          </p:cNvPr>
-          <p:cNvSpPr>
-            <a:spLocks noGrp="1"/>
-          </p:cNvSpPr>
-          <p:nvPr>
-            <p:ph type="title"/>
-          </p:nvPr>
-        </p:nvSpPr>
-        <p:spPr/>
-        <p:txBody>
-          <a:bodyPr/>
-          <a:lstStyle/>
-          <a:p>
-            <a:r>
-              <a:rPr lang="en-US" dirty="0"/>
-              <a:t>EDA</a:t>
-            </a:r>
-            <a:endParaRPr lang="en-SG" dirty="0"/>
-          </a:p>
-        </p:txBody>
-      </p:sp>
-      <p:pic>
-        <p:nvPicPr>
-          <p:cNvPr id="6" name="Picture 5">
-            <a:extLst>
-              <a:ext uri="{FF2B5EF4-FFF2-40B4-BE49-F238E27FC236}">
-                <a16:creationId xmlns:a16="http://schemas.microsoft.com/office/drawing/2014/main" id="{F5CFC8A8-A467-4FE0-B2B6-6F7C723A5ACF}"/>
-              </a:ext>
-            </a:extLst>
-          </p:cNvPr>
-          <p:cNvPicPr>
-            <a:picLocks noChangeAspect="1"/>
-          </p:cNvPicPr>
-          <p:nvPr/>
-        </p:nvPicPr>
-        <p:blipFill>
-          <a:blip r:embed="rId2"/>
-          <a:stretch>
-            <a:fillRect/>
-          </a:stretch>
-        </p:blipFill>
-        <p:spPr>
-          <a:xfrm>
-            <a:off x="838200" y="1501078"/>
-            <a:ext cx="10317015" cy="4991797"/>
-          </a:xfrm>
-          <a:prstGeom prst="rect">
-            <a:avLst/>
-          </a:prstGeom>
-        </p:spPr>
-      </p:pic>
-    </p:spTree>
-    <p:extLst>
-      <p:ext uri="{BB962C8B-B14F-4D97-AF65-F5344CB8AC3E}">
-        <p14:creationId xmlns:p14="http://schemas.microsoft.com/office/powerpoint/2010/main" val="3172165100"/>
-      </p:ext>
-    </p:extLst>
-  </p:cSld>
-  <p:clrMapOvr>
-    <a:masterClrMapping/>
-  </p:clrMapOvr>
-</p:sld>
-</file>
-
-<file path=ppt/slides/slide16.xml><?xml version="1.0" encoding="utf-8"?>
-<p:sld xmlns:a="http://schemas.openxmlformats.org/drawingml/2006/main" xmlns:r="http://schemas.openxmlformats.org/officeDocument/2006/relationships" xmlns:p="http://schemas.openxmlformats.org/presentationml/2006/main">
-  <p:cSld>
-    <p:spTree>
-      <p:nvGrpSpPr>
-        <p:cNvPr id="1" name=""/>
-        <p:cNvGrpSpPr/>
-        <p:nvPr/>
-      </p:nvGrpSpPr>
-      <p:grpSpPr>
-        <a:xfrm>
-          <a:off x="0" y="0"/>
-          <a:ext cx="0" cy="0"/>
-          <a:chOff x="0" y="0"/>
-          <a:chExt cx="0" cy="0"/>
-        </a:xfrm>
-      </p:grpSpPr>
-      <p:pic>
-        <p:nvPicPr>
-          <p:cNvPr id="7" name="Picture 6">
-            <a:extLst>
-              <a:ext uri="{FF2B5EF4-FFF2-40B4-BE49-F238E27FC236}">
-                <a16:creationId xmlns:a16="http://schemas.microsoft.com/office/drawing/2014/main" id="{367C5060-B3E0-435E-BD50-F1F223E5200F}"/>
-              </a:ext>
-            </a:extLst>
-          </p:cNvPr>
-          <p:cNvPicPr>
-            <a:picLocks noChangeAspect="1"/>
-          </p:cNvPicPr>
-          <p:nvPr/>
-        </p:nvPicPr>
-        <p:blipFill>
-          <a:blip r:embed="rId2"/>
-          <a:stretch>
-            <a:fillRect/>
-          </a:stretch>
-        </p:blipFill>
-        <p:spPr>
-          <a:xfrm>
-            <a:off x="901798" y="1365416"/>
-            <a:ext cx="10174477" cy="4407173"/>
-          </a:xfrm>
-          <a:prstGeom prst="rect">
-            <a:avLst/>
-          </a:prstGeom>
-        </p:spPr>
-      </p:pic>
-      <p:pic>
-        <p:nvPicPr>
-          <p:cNvPr id="8" name="Picture 7">
-            <a:extLst>
-              <a:ext uri="{FF2B5EF4-FFF2-40B4-BE49-F238E27FC236}">
-                <a16:creationId xmlns:a16="http://schemas.microsoft.com/office/drawing/2014/main" id="{A454A604-E5E2-4310-8955-D2B8CD64FD74}"/>
-              </a:ext>
-            </a:extLst>
-          </p:cNvPr>
-          <p:cNvPicPr>
-            <a:picLocks noChangeAspect="1"/>
-          </p:cNvPicPr>
-          <p:nvPr/>
-        </p:nvPicPr>
-        <p:blipFill>
-          <a:blip r:embed="rId3"/>
-          <a:stretch>
-            <a:fillRect/>
-          </a:stretch>
-        </p:blipFill>
-        <p:spPr>
-          <a:xfrm>
-            <a:off x="1317594" y="5772589"/>
-            <a:ext cx="8025580" cy="991823"/>
-          </a:xfrm>
-          <a:prstGeom prst="rect">
-            <a:avLst/>
-          </a:prstGeom>
-        </p:spPr>
-      </p:pic>
-      <p:sp>
-        <p:nvSpPr>
-          <p:cNvPr id="10" name="Title 9">
-            <a:extLst>
-              <a:ext uri="{FF2B5EF4-FFF2-40B4-BE49-F238E27FC236}">
-                <a16:creationId xmlns:a16="http://schemas.microsoft.com/office/drawing/2014/main" id="{18B2041C-4BCA-4F72-8E35-9EAB963161F7}"/>
-              </a:ext>
-            </a:extLst>
-          </p:cNvPr>
-          <p:cNvSpPr>
-            <a:spLocks noGrp="1"/>
-          </p:cNvSpPr>
-          <p:nvPr>
-            <p:ph type="title"/>
-          </p:nvPr>
-        </p:nvSpPr>
-        <p:spPr/>
-        <p:txBody>
-          <a:bodyPr/>
-          <a:lstStyle/>
-          <a:p>
-            <a:r>
-              <a:rPr lang="en-US" dirty="0"/>
-              <a:t>EDA</a:t>
-            </a:r>
-            <a:endParaRPr lang="en-SG" dirty="0"/>
-          </a:p>
-        </p:txBody>
-      </p:sp>
-    </p:spTree>
-    <p:extLst>
-      <p:ext uri="{BB962C8B-B14F-4D97-AF65-F5344CB8AC3E}">
-        <p14:creationId xmlns:p14="http://schemas.microsoft.com/office/powerpoint/2010/main" val="3172282208"/>
       </p:ext>
     </p:extLst>
   </p:cSld>
@@ -8449,7 +11539,7 @@
           <p:cNvPr id="2" name="Title 1">
             <a:extLst>
               <a:ext uri="{FF2B5EF4-FFF2-40B4-BE49-F238E27FC236}">
-                <a16:creationId xmlns:a16="http://schemas.microsoft.com/office/drawing/2014/main" id="{6C3EC57E-1FAD-42C5-B490-FA39CFCD0F7A}"/>
+                <a16:creationId xmlns:a16="http://schemas.microsoft.com/office/drawing/2014/main" id="{1E3C0F32-F798-46CA-9760-55972009EEE1}"/>
               </a:ext>
             </a:extLst>
           </p:cNvPr>
@@ -8467,7 +11557,7 @@
           <a:p>
             <a:r>
               <a:rPr lang="en-US" dirty="0"/>
-              <a:t>Model Performance</a:t>
+              <a:t>Numeric Logistic Regression Model</a:t>
             </a:r>
             <a:endParaRPr lang="en-SG" dirty="0"/>
           </a:p>
@@ -8478,7 +11568,7 @@
           <p:cNvPr id="4" name="Picture 3">
             <a:extLst>
               <a:ext uri="{FF2B5EF4-FFF2-40B4-BE49-F238E27FC236}">
-                <a16:creationId xmlns:a16="http://schemas.microsoft.com/office/drawing/2014/main" id="{4A5C85EF-7F4E-4452-AA81-ADC73EA9AE3E}"/>
+                <a16:creationId xmlns:a16="http://schemas.microsoft.com/office/drawing/2014/main" id="{FB8E7086-98D8-4D1E-A9BC-BF91474572C4}"/>
               </a:ext>
             </a:extLst>
           </p:cNvPr>
@@ -8495,8 +11585,38 @@
         </p:blipFill>
         <p:spPr>
           <a:xfrm>
-            <a:off x="985407" y="1957018"/>
-            <a:ext cx="8046831" cy="2064566"/>
+            <a:off x="0" y="1690688"/>
+            <a:ext cx="11450648" cy="4182059"/>
+          </a:xfrm>
+          <a:prstGeom prst="rect">
+            <a:avLst/>
+          </a:prstGeom>
+        </p:spPr>
+      </p:pic>
+      <p:pic>
+        <p:nvPicPr>
+          <p:cNvPr id="5" name="Picture 4">
+            <a:extLst>
+              <a:ext uri="{FF2B5EF4-FFF2-40B4-BE49-F238E27FC236}">
+                <a16:creationId xmlns:a16="http://schemas.microsoft.com/office/drawing/2014/main" id="{C990DBD9-F907-4D4C-BD93-1E5FB175D2E3}"/>
+              </a:ext>
+            </a:extLst>
+          </p:cNvPr>
+          <p:cNvPicPr>
+            <a:picLocks noChangeAspect="1"/>
+          </p:cNvPicPr>
+          <p:nvPr/>
+        </p:nvPicPr>
+        <p:blipFill>
+          <a:blip r:embed="rId3"/>
+          <a:stretch>
+            <a:fillRect/>
+          </a:stretch>
+        </p:blipFill>
+        <p:spPr>
+          <a:xfrm>
+            <a:off x="6269498" y="4107104"/>
+            <a:ext cx="5181150" cy="1765643"/>
           </a:xfrm>
           <a:prstGeom prst="rect">
             <a:avLst/>
@@ -8506,7 +11626,7 @@
     </p:spTree>
     <p:extLst>
       <p:ext uri="{BB962C8B-B14F-4D97-AF65-F5344CB8AC3E}">
-        <p14:creationId xmlns:p14="http://schemas.microsoft.com/office/powerpoint/2010/main" val="3870118615"/>
+        <p14:creationId xmlns:p14="http://schemas.microsoft.com/office/powerpoint/2010/main" val="3629284601"/>
       </p:ext>
     </p:extLst>
   </p:cSld>
@@ -8979,6 +12099,299 @@
     <p:extLst>
       <p:ext uri="{BB962C8B-B14F-4D97-AF65-F5344CB8AC3E}">
         <p14:creationId xmlns:p14="http://schemas.microsoft.com/office/powerpoint/2010/main" val="3855896500"/>
+      </p:ext>
+    </p:extLst>
+  </p:cSld>
+  <p:clrMapOvr>
+    <a:masterClrMapping/>
+  </p:clrMapOvr>
+</p:sld>
+</file>
+
+<file path=ppt/slides/slide20.xml><?xml version="1.0" encoding="utf-8"?>
+<p:sld xmlns:a="http://schemas.openxmlformats.org/drawingml/2006/main" xmlns:r="http://schemas.openxmlformats.org/officeDocument/2006/relationships" xmlns:p="http://schemas.openxmlformats.org/presentationml/2006/main">
+  <p:cSld>
+    <p:spTree>
+      <p:nvGrpSpPr>
+        <p:cNvPr id="1" name=""/>
+        <p:cNvGrpSpPr/>
+        <p:nvPr/>
+      </p:nvGrpSpPr>
+      <p:grpSpPr>
+        <a:xfrm>
+          <a:off x="0" y="0"/>
+          <a:ext cx="0" cy="0"/>
+          <a:chOff x="0" y="0"/>
+          <a:chExt cx="0" cy="0"/>
+        </a:xfrm>
+      </p:grpSpPr>
+      <p:sp>
+        <p:nvSpPr>
+          <p:cNvPr id="2" name="Title 1">
+            <a:extLst>
+              <a:ext uri="{FF2B5EF4-FFF2-40B4-BE49-F238E27FC236}">
+                <a16:creationId xmlns:a16="http://schemas.microsoft.com/office/drawing/2014/main" id="{E1674849-76CB-4BF1-8C0A-4DF232EDD195}"/>
+              </a:ext>
+            </a:extLst>
+          </p:cNvPr>
+          <p:cNvSpPr>
+            <a:spLocks noGrp="1"/>
+          </p:cNvSpPr>
+          <p:nvPr>
+            <p:ph type="title"/>
+          </p:nvPr>
+        </p:nvSpPr>
+        <p:spPr/>
+        <p:txBody>
+          <a:bodyPr/>
+          <a:lstStyle/>
+          <a:p>
+            <a:r>
+              <a:rPr lang="en-US" dirty="0"/>
+              <a:t>Results before tuning</a:t>
+            </a:r>
+            <a:endParaRPr lang="en-SG" dirty="0"/>
+          </a:p>
+        </p:txBody>
+      </p:sp>
+      <p:pic>
+        <p:nvPicPr>
+          <p:cNvPr id="4" name="Content Placeholder 3">
+            <a:extLst>
+              <a:ext uri="{FF2B5EF4-FFF2-40B4-BE49-F238E27FC236}">
+                <a16:creationId xmlns:a16="http://schemas.microsoft.com/office/drawing/2014/main" id="{DA9AA4EE-5E23-42BF-942C-FEAED88C5026}"/>
+              </a:ext>
+            </a:extLst>
+          </p:cNvPr>
+          <p:cNvPicPr>
+            <a:picLocks noGrp="1" noChangeAspect="1"/>
+          </p:cNvPicPr>
+          <p:nvPr>
+            <p:ph idx="1"/>
+          </p:nvPr>
+        </p:nvPicPr>
+        <p:blipFill>
+          <a:blip r:embed="rId2"/>
+          <a:stretch>
+            <a:fillRect/>
+          </a:stretch>
+        </p:blipFill>
+        <p:spPr>
+          <a:xfrm>
+            <a:off x="838200" y="1825064"/>
+            <a:ext cx="9801827" cy="3207871"/>
+          </a:xfrm>
+          <a:prstGeom prst="rect">
+            <a:avLst/>
+          </a:prstGeom>
+        </p:spPr>
+      </p:pic>
+    </p:spTree>
+    <p:extLst>
+      <p:ext uri="{BB962C8B-B14F-4D97-AF65-F5344CB8AC3E}">
+        <p14:creationId xmlns:p14="http://schemas.microsoft.com/office/powerpoint/2010/main" val="2765606240"/>
+      </p:ext>
+    </p:extLst>
+  </p:cSld>
+  <p:clrMapOvr>
+    <a:masterClrMapping/>
+  </p:clrMapOvr>
+</p:sld>
+</file>
+
+<file path=ppt/slides/slide21.xml><?xml version="1.0" encoding="utf-8"?>
+<p:sld xmlns:a="http://schemas.openxmlformats.org/drawingml/2006/main" xmlns:r="http://schemas.openxmlformats.org/officeDocument/2006/relationships" xmlns:p="http://schemas.openxmlformats.org/presentationml/2006/main">
+  <p:cSld>
+    <p:spTree>
+      <p:nvGrpSpPr>
+        <p:cNvPr id="1" name=""/>
+        <p:cNvGrpSpPr/>
+        <p:nvPr/>
+      </p:nvGrpSpPr>
+      <p:grpSpPr>
+        <a:xfrm>
+          <a:off x="0" y="0"/>
+          <a:ext cx="0" cy="0"/>
+          <a:chOff x="0" y="0"/>
+          <a:chExt cx="0" cy="0"/>
+        </a:xfrm>
+      </p:grpSpPr>
+      <p:sp>
+        <p:nvSpPr>
+          <p:cNvPr id="2" name="Title 1">
+            <a:extLst>
+              <a:ext uri="{FF2B5EF4-FFF2-40B4-BE49-F238E27FC236}">
+                <a16:creationId xmlns:a16="http://schemas.microsoft.com/office/drawing/2014/main" id="{6C3EC57E-1FAD-42C5-B490-FA39CFCD0F7A}"/>
+              </a:ext>
+            </a:extLst>
+          </p:cNvPr>
+          <p:cNvSpPr>
+            <a:spLocks noGrp="1"/>
+          </p:cNvSpPr>
+          <p:nvPr>
+            <p:ph type="title"/>
+          </p:nvPr>
+        </p:nvSpPr>
+        <p:spPr/>
+        <p:txBody>
+          <a:bodyPr/>
+          <a:lstStyle/>
+          <a:p>
+            <a:r>
+              <a:rPr lang="en-US" dirty="0"/>
+              <a:t>Full Model Performance</a:t>
+            </a:r>
+            <a:endParaRPr lang="en-SG" dirty="0"/>
+          </a:p>
+        </p:txBody>
+      </p:sp>
+      <p:pic>
+        <p:nvPicPr>
+          <p:cNvPr id="4" name="Picture 3">
+            <a:extLst>
+              <a:ext uri="{FF2B5EF4-FFF2-40B4-BE49-F238E27FC236}">
+                <a16:creationId xmlns:a16="http://schemas.microsoft.com/office/drawing/2014/main" id="{4A5C85EF-7F4E-4452-AA81-ADC73EA9AE3E}"/>
+              </a:ext>
+            </a:extLst>
+          </p:cNvPr>
+          <p:cNvPicPr>
+            <a:picLocks noChangeAspect="1"/>
+          </p:cNvPicPr>
+          <p:nvPr/>
+        </p:nvPicPr>
+        <p:blipFill>
+          <a:blip r:embed="rId3"/>
+          <a:stretch>
+            <a:fillRect/>
+          </a:stretch>
+        </p:blipFill>
+        <p:spPr>
+          <a:xfrm>
+            <a:off x="838200" y="2076690"/>
+            <a:ext cx="9400136" cy="2411782"/>
+          </a:xfrm>
+          <a:prstGeom prst="rect">
+            <a:avLst/>
+          </a:prstGeom>
+        </p:spPr>
+      </p:pic>
+    </p:spTree>
+    <p:extLst>
+      <p:ext uri="{BB962C8B-B14F-4D97-AF65-F5344CB8AC3E}">
+        <p14:creationId xmlns:p14="http://schemas.microsoft.com/office/powerpoint/2010/main" val="3870118615"/>
+      </p:ext>
+    </p:extLst>
+  </p:cSld>
+  <p:clrMapOvr>
+    <a:masterClrMapping/>
+  </p:clrMapOvr>
+</p:sld>
+</file>
+
+<file path=ppt/slides/slide22.xml><?xml version="1.0" encoding="utf-8"?>
+<p:sld xmlns:a="http://schemas.openxmlformats.org/drawingml/2006/main" xmlns:r="http://schemas.openxmlformats.org/officeDocument/2006/relationships" xmlns:p="http://schemas.openxmlformats.org/presentationml/2006/main">
+  <p:cSld>
+    <p:spTree>
+      <p:nvGrpSpPr>
+        <p:cNvPr id="1" name=""/>
+        <p:cNvGrpSpPr/>
+        <p:nvPr/>
+      </p:nvGrpSpPr>
+      <p:grpSpPr>
+        <a:xfrm>
+          <a:off x="0" y="0"/>
+          <a:ext cx="0" cy="0"/>
+          <a:chOff x="0" y="0"/>
+          <a:chExt cx="0" cy="0"/>
+        </a:xfrm>
+      </p:grpSpPr>
+      <p:sp>
+        <p:nvSpPr>
+          <p:cNvPr id="2" name="Title 1">
+            <a:extLst>
+              <a:ext uri="{FF2B5EF4-FFF2-40B4-BE49-F238E27FC236}">
+                <a16:creationId xmlns:a16="http://schemas.microsoft.com/office/drawing/2014/main" id="{4F96CACA-FE8B-4D94-B9CB-DB40F4928A68}"/>
+              </a:ext>
+            </a:extLst>
+          </p:cNvPr>
+          <p:cNvSpPr>
+            <a:spLocks noGrp="1"/>
+          </p:cNvSpPr>
+          <p:nvPr>
+            <p:ph type="title"/>
+          </p:nvPr>
+        </p:nvSpPr>
+        <p:spPr>
+          <a:xfrm>
+            <a:off x="609599" y="255950"/>
+            <a:ext cx="10515600" cy="1325563"/>
+          </a:xfrm>
+        </p:spPr>
+        <p:txBody>
+          <a:bodyPr/>
+          <a:lstStyle/>
+          <a:p>
+            <a:r>
+              <a:rPr lang="en-US" dirty="0"/>
+              <a:t>Volume of Posts</a:t>
+            </a:r>
+            <a:endParaRPr lang="en-SG" dirty="0"/>
+          </a:p>
+        </p:txBody>
+      </p:sp>
+      <p:pic>
+        <p:nvPicPr>
+          <p:cNvPr id="1026" name="Picture 2">
+            <a:extLst>
+              <a:ext uri="{FF2B5EF4-FFF2-40B4-BE49-F238E27FC236}">
+                <a16:creationId xmlns:a16="http://schemas.microsoft.com/office/drawing/2014/main" id="{47954459-036B-48F6-9AD9-AC7541C4FE1D}"/>
+              </a:ext>
+            </a:extLst>
+          </p:cNvPr>
+          <p:cNvPicPr>
+            <a:picLocks noGrp="1" noChangeAspect="1" noChangeArrowheads="1"/>
+          </p:cNvPicPr>
+          <p:nvPr>
+            <p:ph idx="1"/>
+          </p:nvPr>
+        </p:nvPicPr>
+        <p:blipFill>
+          <a:blip r:embed="rId2">
+            <a:extLst>
+              <a:ext uri="{28A0092B-C50C-407E-A947-70E740481C1C}">
+                <a14:useLocalDpi xmlns:a14="http://schemas.microsoft.com/office/drawing/2010/main" val="0"/>
+              </a:ext>
+            </a:extLst>
+          </a:blip>
+          <a:srcRect/>
+          <a:stretch>
+            <a:fillRect/>
+          </a:stretch>
+        </p:blipFill>
+        <p:spPr bwMode="auto">
+          <a:xfrm>
+            <a:off x="838200" y="1437033"/>
+            <a:ext cx="10771208" cy="5246040"/>
+          </a:xfrm>
+          <a:prstGeom prst="rect">
+            <a:avLst/>
+          </a:prstGeom>
+          <a:noFill/>
+          <a:extLst>
+            <a:ext uri="{909E8E84-426E-40DD-AFC4-6F175D3DCCD1}">
+              <a14:hiddenFill xmlns:a14="http://schemas.microsoft.com/office/drawing/2010/main">
+                <a:solidFill>
+                  <a:srgbClr val="FFFFFF"/>
+                </a:solidFill>
+              </a14:hiddenFill>
+            </a:ext>
+          </a:extLst>
+        </p:spPr>
+      </p:pic>
+    </p:spTree>
+    <p:extLst>
+      <p:ext uri="{BB962C8B-B14F-4D97-AF65-F5344CB8AC3E}">
+        <p14:creationId xmlns:p14="http://schemas.microsoft.com/office/powerpoint/2010/main" val="1333321789"/>
       </p:ext>
     </p:extLst>
   </p:cSld>
@@ -9474,16 +12887,8 @@
               <a:rPr lang="en-US" sz="2200" dirty="0">
                 <a:ea typeface="Roboto" panose="02000000000000000000" pitchFamily="2" charset="0"/>
               </a:rPr>
-              <a:t>Focus on positivity (aims to build a healthier, kinder, and more inclusive masculinity)</a:t>
-            </a:r>
-          </a:p>
-          <a:p>
-            <a:pPr marL="457200" lvl="1" indent="0">
-              <a:buNone/>
-            </a:pPr>
-            <a:endParaRPr lang="en-US" sz="2200" dirty="0">
-              <a:ea typeface="Roboto" panose="02000000000000000000" pitchFamily="2" charset="0"/>
-            </a:endParaRPr>
+              <a:t>Focus on positivity</a:t>
+            </a:r>
           </a:p>
           <a:p>
             <a:r>
@@ -9718,6 +13123,13 @@
             <a:r>
               <a:rPr lang="en-US" sz="4800" dirty="0"/>
               <a:t>Data Cleaning</a:t>
+            </a:r>
+            <a:br>
+              <a:rPr lang="en-US" sz="4800" dirty="0"/>
+            </a:br>
+            <a:r>
+              <a:rPr lang="en-US" sz="4800"/>
+              <a:t>&amp; Processing</a:t>
             </a:r>
             <a:endParaRPr lang="en-SG" sz="4800" dirty="0"/>
           </a:p>
@@ -9956,13 +13368,13 @@
         </p:nvSpPr>
         <p:spPr>
           <a:xfrm>
-            <a:off x="5656218" y="1463039"/>
-            <a:ext cx="5542387" cy="4300447"/>
+            <a:off x="5656218" y="1192193"/>
+            <a:ext cx="5542387" cy="4953964"/>
           </a:xfrm>
         </p:spPr>
         <p:txBody>
           <a:bodyPr anchor="t">
-            <a:normAutofit/>
+            <a:normAutofit fontScale="92500"/>
           </a:bodyPr>
           <a:lstStyle/>
           <a:p>
@@ -9971,7 +13383,7 @@
                 <a:latin typeface="Roboto" panose="02000000000000000000" pitchFamily="2" charset="0"/>
                 <a:ea typeface="Roboto" panose="02000000000000000000" pitchFamily="2" charset="0"/>
               </a:rPr>
-              <a:t>Retrieved 1,000 posts from each Subreddit using Python Reddit API Wrapper (PRAW)</a:t>
+              <a:t>Retrieved 1,000 posts from each subreddit</a:t>
             </a:r>
           </a:p>
           <a:p>
@@ -10016,7 +13428,37 @@
                 <a:latin typeface="Roboto" panose="02000000000000000000" pitchFamily="2" charset="0"/>
                 <a:ea typeface="Roboto" panose="02000000000000000000" pitchFamily="2" charset="0"/>
               </a:rPr>
+              <a:t>Dropped duplicate posts</a:t>
+            </a:r>
+          </a:p>
+          <a:p>
+            <a:endParaRPr lang="en-US" sz="2200" dirty="0">
+              <a:latin typeface="Roboto" panose="02000000000000000000" pitchFamily="2" charset="0"/>
+              <a:ea typeface="Roboto" panose="02000000000000000000" pitchFamily="2" charset="0"/>
+            </a:endParaRPr>
+          </a:p>
+          <a:p>
+            <a:r>
+              <a:rPr lang="en-US" sz="2200" dirty="0">
+                <a:latin typeface="Roboto" panose="02000000000000000000" pitchFamily="2" charset="0"/>
+                <a:ea typeface="Roboto" panose="02000000000000000000" pitchFamily="2" charset="0"/>
+              </a:rPr>
               <a:t>Combined title and text together</a:t>
+            </a:r>
+          </a:p>
+          <a:p>
+            <a:endParaRPr lang="en-US" sz="2200" dirty="0">
+              <a:latin typeface="Roboto" panose="02000000000000000000" pitchFamily="2" charset="0"/>
+              <a:ea typeface="Roboto" panose="02000000000000000000" pitchFamily="2" charset="0"/>
+            </a:endParaRPr>
+          </a:p>
+          <a:p>
+            <a:r>
+              <a:rPr lang="en-US" sz="2200" dirty="0">
+                <a:latin typeface="Roboto" panose="02000000000000000000" pitchFamily="2" charset="0"/>
+                <a:ea typeface="Roboto" panose="02000000000000000000" pitchFamily="2" charset="0"/>
+              </a:rPr>
+              <a:t>No lemmatization/stemming</a:t>
             </a:r>
           </a:p>
           <a:p>
@@ -10044,6 +13486,394 @@
 </file>
 
 <file path=ppt/slides/slide5.xml><?xml version="1.0" encoding="utf-8"?>
+<p:sld xmlns:a="http://schemas.openxmlformats.org/drawingml/2006/main" xmlns:r="http://schemas.openxmlformats.org/officeDocument/2006/relationships" xmlns:p="http://schemas.openxmlformats.org/presentationml/2006/main">
+  <p:cSld>
+    <p:spTree>
+      <p:nvGrpSpPr>
+        <p:cNvPr id="1" name=""/>
+        <p:cNvGrpSpPr/>
+        <p:nvPr/>
+      </p:nvGrpSpPr>
+      <p:grpSpPr>
+        <a:xfrm>
+          <a:off x="0" y="0"/>
+          <a:ext cx="0" cy="0"/>
+          <a:chOff x="0" y="0"/>
+          <a:chExt cx="0" cy="0"/>
+        </a:xfrm>
+      </p:grpSpPr>
+      <p:sp>
+        <p:nvSpPr>
+          <p:cNvPr id="2" name="Title 1">
+            <a:extLst>
+              <a:ext uri="{FF2B5EF4-FFF2-40B4-BE49-F238E27FC236}">
+                <a16:creationId xmlns:a16="http://schemas.microsoft.com/office/drawing/2014/main" id="{3A7B353F-9DE1-4469-B3B8-319674EE051E}"/>
+              </a:ext>
+            </a:extLst>
+          </p:cNvPr>
+          <p:cNvSpPr>
+            <a:spLocks noGrp="1"/>
+          </p:cNvSpPr>
+          <p:nvPr>
+            <p:ph type="title"/>
+          </p:nvPr>
+        </p:nvSpPr>
+        <p:spPr/>
+        <p:txBody>
+          <a:bodyPr/>
+          <a:lstStyle/>
+          <a:p>
+            <a:r>
+              <a:rPr lang="en-US"/>
+              <a:t>EDA</a:t>
+            </a:r>
+            <a:endParaRPr lang="en-SG" dirty="0"/>
+          </a:p>
+        </p:txBody>
+      </p:sp>
+      <p:pic>
+        <p:nvPicPr>
+          <p:cNvPr id="4" name="Picture 3">
+            <a:extLst>
+              <a:ext uri="{FF2B5EF4-FFF2-40B4-BE49-F238E27FC236}">
+                <a16:creationId xmlns:a16="http://schemas.microsoft.com/office/drawing/2014/main" id="{FFB930D6-B4CF-4172-92B6-94A39B873936}"/>
+              </a:ext>
+            </a:extLst>
+          </p:cNvPr>
+          <p:cNvPicPr>
+            <a:picLocks noChangeAspect="1"/>
+          </p:cNvPicPr>
+          <p:nvPr/>
+        </p:nvPicPr>
+        <p:blipFill>
+          <a:blip r:embed="rId3"/>
+          <a:stretch>
+            <a:fillRect/>
+          </a:stretch>
+        </p:blipFill>
+        <p:spPr>
+          <a:xfrm>
+            <a:off x="838200" y="1472499"/>
+            <a:ext cx="10364646" cy="5020376"/>
+          </a:xfrm>
+          <a:prstGeom prst="rect">
+            <a:avLst/>
+          </a:prstGeom>
+        </p:spPr>
+      </p:pic>
+    </p:spTree>
+    <p:extLst>
+      <p:ext uri="{BB962C8B-B14F-4D97-AF65-F5344CB8AC3E}">
+        <p14:creationId xmlns:p14="http://schemas.microsoft.com/office/powerpoint/2010/main" val="2765194612"/>
+      </p:ext>
+    </p:extLst>
+  </p:cSld>
+  <p:clrMapOvr>
+    <a:masterClrMapping/>
+  </p:clrMapOvr>
+</p:sld>
+</file>
+
+<file path=ppt/slides/slide6.xml><?xml version="1.0" encoding="utf-8"?>
+<p:sld xmlns:a="http://schemas.openxmlformats.org/drawingml/2006/main" xmlns:r="http://schemas.openxmlformats.org/officeDocument/2006/relationships" xmlns:p="http://schemas.openxmlformats.org/presentationml/2006/main">
+  <p:cSld>
+    <p:spTree>
+      <p:nvGrpSpPr>
+        <p:cNvPr id="1" name=""/>
+        <p:cNvGrpSpPr/>
+        <p:nvPr/>
+      </p:nvGrpSpPr>
+      <p:grpSpPr>
+        <a:xfrm>
+          <a:off x="0" y="0"/>
+          <a:ext cx="0" cy="0"/>
+          <a:chOff x="0" y="0"/>
+          <a:chExt cx="0" cy="0"/>
+        </a:xfrm>
+      </p:grpSpPr>
+      <p:sp>
+        <p:nvSpPr>
+          <p:cNvPr id="2" name="Title 1">
+            <a:extLst>
+              <a:ext uri="{FF2B5EF4-FFF2-40B4-BE49-F238E27FC236}">
+                <a16:creationId xmlns:a16="http://schemas.microsoft.com/office/drawing/2014/main" id="{D69B0753-BAAC-44B0-BF7F-21558ED3D30C}"/>
+              </a:ext>
+            </a:extLst>
+          </p:cNvPr>
+          <p:cNvSpPr>
+            <a:spLocks noGrp="1"/>
+          </p:cNvSpPr>
+          <p:nvPr>
+            <p:ph type="title"/>
+          </p:nvPr>
+        </p:nvSpPr>
+        <p:spPr/>
+        <p:txBody>
+          <a:bodyPr/>
+          <a:lstStyle/>
+          <a:p>
+            <a:r>
+              <a:rPr lang="en-US" dirty="0"/>
+              <a:t>EDA</a:t>
+            </a:r>
+            <a:endParaRPr lang="en-SG" dirty="0"/>
+          </a:p>
+        </p:txBody>
+      </p:sp>
+      <p:pic>
+        <p:nvPicPr>
+          <p:cNvPr id="4" name="Content Placeholder 3">
+            <a:extLst>
+              <a:ext uri="{FF2B5EF4-FFF2-40B4-BE49-F238E27FC236}">
+                <a16:creationId xmlns:a16="http://schemas.microsoft.com/office/drawing/2014/main" id="{2CD86239-CA36-40AE-8A7B-E8EBF50B76A1}"/>
+              </a:ext>
+            </a:extLst>
+          </p:cNvPr>
+          <p:cNvPicPr>
+            <a:picLocks noGrp="1" noChangeAspect="1"/>
+          </p:cNvPicPr>
+          <p:nvPr>
+            <p:ph idx="1"/>
+          </p:nvPr>
+        </p:nvPicPr>
+        <p:blipFill>
+          <a:blip r:embed="rId2"/>
+          <a:stretch>
+            <a:fillRect/>
+          </a:stretch>
+        </p:blipFill>
+        <p:spPr>
+          <a:xfrm>
+            <a:off x="838200" y="1473694"/>
+            <a:ext cx="10343133" cy="5019182"/>
+          </a:xfrm>
+          <a:prstGeom prst="rect">
+            <a:avLst/>
+          </a:prstGeom>
+        </p:spPr>
+      </p:pic>
+    </p:spTree>
+    <p:extLst>
+      <p:ext uri="{BB962C8B-B14F-4D97-AF65-F5344CB8AC3E}">
+        <p14:creationId xmlns:p14="http://schemas.microsoft.com/office/powerpoint/2010/main" val="1997895346"/>
+      </p:ext>
+    </p:extLst>
+  </p:cSld>
+  <p:clrMapOvr>
+    <a:masterClrMapping/>
+  </p:clrMapOvr>
+</p:sld>
+</file>
+
+<file path=ppt/slides/slide7.xml><?xml version="1.0" encoding="utf-8"?>
+<p:sld xmlns:a="http://schemas.openxmlformats.org/drawingml/2006/main" xmlns:r="http://schemas.openxmlformats.org/officeDocument/2006/relationships" xmlns:p="http://schemas.openxmlformats.org/presentationml/2006/main">
+  <p:cSld>
+    <p:spTree>
+      <p:nvGrpSpPr>
+        <p:cNvPr id="1" name=""/>
+        <p:cNvGrpSpPr/>
+        <p:nvPr/>
+      </p:nvGrpSpPr>
+      <p:grpSpPr>
+        <a:xfrm>
+          <a:off x="0" y="0"/>
+          <a:ext cx="0" cy="0"/>
+          <a:chOff x="0" y="0"/>
+          <a:chExt cx="0" cy="0"/>
+        </a:xfrm>
+      </p:grpSpPr>
+      <p:sp>
+        <p:nvSpPr>
+          <p:cNvPr id="2" name="Title 1">
+            <a:extLst>
+              <a:ext uri="{FF2B5EF4-FFF2-40B4-BE49-F238E27FC236}">
+                <a16:creationId xmlns:a16="http://schemas.microsoft.com/office/drawing/2014/main" id="{D69B0753-BAAC-44B0-BF7F-21558ED3D30C}"/>
+              </a:ext>
+            </a:extLst>
+          </p:cNvPr>
+          <p:cNvSpPr>
+            <a:spLocks noGrp="1"/>
+          </p:cNvSpPr>
+          <p:nvPr>
+            <p:ph type="title"/>
+          </p:nvPr>
+        </p:nvSpPr>
+        <p:spPr/>
+        <p:txBody>
+          <a:bodyPr/>
+          <a:lstStyle/>
+          <a:p>
+            <a:r>
+              <a:rPr lang="en-US" dirty="0"/>
+              <a:t>EDA</a:t>
+            </a:r>
+            <a:endParaRPr lang="en-SG" dirty="0"/>
+          </a:p>
+        </p:txBody>
+      </p:sp>
+      <p:pic>
+        <p:nvPicPr>
+          <p:cNvPr id="6" name="Picture 5">
+            <a:extLst>
+              <a:ext uri="{FF2B5EF4-FFF2-40B4-BE49-F238E27FC236}">
+                <a16:creationId xmlns:a16="http://schemas.microsoft.com/office/drawing/2014/main" id="{F5CFC8A8-A467-4FE0-B2B6-6F7C723A5ACF}"/>
+              </a:ext>
+            </a:extLst>
+          </p:cNvPr>
+          <p:cNvPicPr>
+            <a:picLocks noChangeAspect="1"/>
+          </p:cNvPicPr>
+          <p:nvPr/>
+        </p:nvPicPr>
+        <p:blipFill>
+          <a:blip r:embed="rId2"/>
+          <a:stretch>
+            <a:fillRect/>
+          </a:stretch>
+        </p:blipFill>
+        <p:spPr>
+          <a:xfrm>
+            <a:off x="838200" y="1501078"/>
+            <a:ext cx="10317015" cy="4991797"/>
+          </a:xfrm>
+          <a:prstGeom prst="rect">
+            <a:avLst/>
+          </a:prstGeom>
+        </p:spPr>
+      </p:pic>
+    </p:spTree>
+    <p:extLst>
+      <p:ext uri="{BB962C8B-B14F-4D97-AF65-F5344CB8AC3E}">
+        <p14:creationId xmlns:p14="http://schemas.microsoft.com/office/powerpoint/2010/main" val="806620707"/>
+      </p:ext>
+    </p:extLst>
+  </p:cSld>
+  <p:clrMapOvr>
+    <a:masterClrMapping/>
+  </p:clrMapOvr>
+</p:sld>
+</file>
+
+<file path=ppt/slides/slide8.xml><?xml version="1.0" encoding="utf-8"?>
+<p:sld xmlns:a="http://schemas.openxmlformats.org/drawingml/2006/main" xmlns:r="http://schemas.openxmlformats.org/officeDocument/2006/relationships" xmlns:p="http://schemas.openxmlformats.org/presentationml/2006/main">
+  <p:cSld>
+    <p:spTree>
+      <p:nvGrpSpPr>
+        <p:cNvPr id="1" name=""/>
+        <p:cNvGrpSpPr/>
+        <p:nvPr/>
+      </p:nvGrpSpPr>
+      <p:grpSpPr>
+        <a:xfrm>
+          <a:off x="0" y="0"/>
+          <a:ext cx="0" cy="0"/>
+          <a:chOff x="0" y="0"/>
+          <a:chExt cx="0" cy="0"/>
+        </a:xfrm>
+      </p:grpSpPr>
+      <p:pic>
+        <p:nvPicPr>
+          <p:cNvPr id="7" name="Picture 6">
+            <a:extLst>
+              <a:ext uri="{FF2B5EF4-FFF2-40B4-BE49-F238E27FC236}">
+                <a16:creationId xmlns:a16="http://schemas.microsoft.com/office/drawing/2014/main" id="{367C5060-B3E0-435E-BD50-F1F223E5200F}"/>
+              </a:ext>
+            </a:extLst>
+          </p:cNvPr>
+          <p:cNvPicPr>
+            <a:picLocks noChangeAspect="1"/>
+          </p:cNvPicPr>
+          <p:nvPr/>
+        </p:nvPicPr>
+        <p:blipFill>
+          <a:blip r:embed="rId2"/>
+          <a:stretch>
+            <a:fillRect/>
+          </a:stretch>
+        </p:blipFill>
+        <p:spPr>
+          <a:xfrm>
+            <a:off x="901798" y="1365416"/>
+            <a:ext cx="10174477" cy="4407173"/>
+          </a:xfrm>
+          <a:prstGeom prst="rect">
+            <a:avLst/>
+          </a:prstGeom>
+        </p:spPr>
+      </p:pic>
+      <p:pic>
+        <p:nvPicPr>
+          <p:cNvPr id="8" name="Picture 7">
+            <a:extLst>
+              <a:ext uri="{FF2B5EF4-FFF2-40B4-BE49-F238E27FC236}">
+                <a16:creationId xmlns:a16="http://schemas.microsoft.com/office/drawing/2014/main" id="{A454A604-E5E2-4310-8955-D2B8CD64FD74}"/>
+              </a:ext>
+            </a:extLst>
+          </p:cNvPr>
+          <p:cNvPicPr>
+            <a:picLocks noChangeAspect="1"/>
+          </p:cNvPicPr>
+          <p:nvPr/>
+        </p:nvPicPr>
+        <p:blipFill>
+          <a:blip r:embed="rId3"/>
+          <a:stretch>
+            <a:fillRect/>
+          </a:stretch>
+        </p:blipFill>
+        <p:spPr>
+          <a:xfrm>
+            <a:off x="1317594" y="5772589"/>
+            <a:ext cx="8025580" cy="991823"/>
+          </a:xfrm>
+          <a:prstGeom prst="rect">
+            <a:avLst/>
+          </a:prstGeom>
+        </p:spPr>
+      </p:pic>
+      <p:sp>
+        <p:nvSpPr>
+          <p:cNvPr id="10" name="Title 9">
+            <a:extLst>
+              <a:ext uri="{FF2B5EF4-FFF2-40B4-BE49-F238E27FC236}">
+                <a16:creationId xmlns:a16="http://schemas.microsoft.com/office/drawing/2014/main" id="{18B2041C-4BCA-4F72-8E35-9EAB963161F7}"/>
+              </a:ext>
+            </a:extLst>
+          </p:cNvPr>
+          <p:cNvSpPr>
+            <a:spLocks noGrp="1"/>
+          </p:cNvSpPr>
+          <p:nvPr>
+            <p:ph type="title"/>
+          </p:nvPr>
+        </p:nvSpPr>
+        <p:spPr/>
+        <p:txBody>
+          <a:bodyPr/>
+          <a:lstStyle/>
+          <a:p>
+            <a:r>
+              <a:rPr lang="en-US" dirty="0"/>
+              <a:t>EDA</a:t>
+            </a:r>
+            <a:endParaRPr lang="en-SG" dirty="0"/>
+          </a:p>
+        </p:txBody>
+      </p:sp>
+    </p:spTree>
+    <p:extLst>
+      <p:ext uri="{BB962C8B-B14F-4D97-AF65-F5344CB8AC3E}">
+        <p14:creationId xmlns:p14="http://schemas.microsoft.com/office/powerpoint/2010/main" val="3172282208"/>
+      </p:ext>
+    </p:extLst>
+  </p:cSld>
+  <p:clrMapOvr>
+    <a:masterClrMapping/>
+  </p:clrMapOvr>
+</p:sld>
+</file>
+
+<file path=ppt/slides/slide9.xml><?xml version="1.0" encoding="utf-8"?>
 <p:sld xmlns:a="http://schemas.openxmlformats.org/drawingml/2006/main" xmlns:r="http://schemas.openxmlformats.org/officeDocument/2006/relationships" xmlns:p="http://schemas.openxmlformats.org/presentationml/2006/main">
   <p:cSld>
     <p:bg>
@@ -10315,8 +14145,8 @@
         </p:nvSpPr>
         <p:spPr>
           <a:xfrm>
-            <a:off x="793661" y="2780068"/>
-            <a:ext cx="10252120" cy="2574523"/>
+            <a:off x="793662" y="2491573"/>
+            <a:ext cx="4646440" cy="3691002"/>
           </a:xfrm>
           <a:solidFill>
             <a:schemeClr val="bg2"/>
@@ -10370,7 +14200,7 @@
                 <a:latin typeface="Roboto" panose="02000000000000000000" pitchFamily="2" charset="0"/>
                 <a:ea typeface="Roboto" panose="02000000000000000000" pitchFamily="2" charset="0"/>
               </a:rPr>
-              <a:t>F-score: 0.850</a:t>
+              <a:t>AUC-ROC score: 0.830</a:t>
             </a:r>
           </a:p>
           <a:p>
@@ -10400,7 +14230,20 @@
                 <a:latin typeface="Roboto" panose="02000000000000000000" pitchFamily="2" charset="0"/>
                 <a:ea typeface="Roboto" panose="02000000000000000000" pitchFamily="2" charset="0"/>
               </a:rPr>
-              <a:t>Uses Ridge regularization (𝛼  = 0.1 | C = 10)</a:t>
+              <a:t>Uses Ridge regularization </a:t>
+            </a:r>
+            <a:br>
+              <a:rPr lang="en-US" sz="2000" dirty="0">
+                <a:latin typeface="Roboto" panose="02000000000000000000" pitchFamily="2" charset="0"/>
+                <a:ea typeface="Roboto" panose="02000000000000000000" pitchFamily="2" charset="0"/>
+              </a:rPr>
+            </a:br>
+            <a:r>
+              <a:rPr lang="en-US" sz="2000" dirty="0">
+                <a:latin typeface="Roboto" panose="02000000000000000000" pitchFamily="2" charset="0"/>
+                <a:ea typeface="Roboto" panose="02000000000000000000" pitchFamily="2" charset="0"/>
+              </a:rPr>
+              <a:t>(𝛼  = 0.1 | C = 10)</a:t>
             </a:r>
           </a:p>
         </p:txBody>
@@ -10468,245 +14311,93 @@
           </a:p>
         </p:txBody>
       </p:sp>
-    </p:spTree>
-    <p:extLst>
-      <p:ext uri="{BB962C8B-B14F-4D97-AF65-F5344CB8AC3E}">
-        <p14:creationId xmlns:p14="http://schemas.microsoft.com/office/powerpoint/2010/main" val="1124853290"/>
-      </p:ext>
-    </p:extLst>
-  </p:cSld>
-  <p:clrMapOvr>
-    <a:masterClrMapping/>
-  </p:clrMapOvr>
-</p:sld>
-</file>
-
-<file path=ppt/slides/slide6.xml><?xml version="1.0" encoding="utf-8"?>
-<p:sld xmlns:a="http://schemas.openxmlformats.org/drawingml/2006/main" xmlns:r="http://schemas.openxmlformats.org/officeDocument/2006/relationships" xmlns:p="http://schemas.openxmlformats.org/presentationml/2006/main">
-  <p:cSld>
-    <p:bg>
-      <p:bgPr>
-        <a:solidFill>
-          <a:schemeClr val="bg1"/>
-        </a:solidFill>
-        <a:effectLst/>
-      </p:bgPr>
-    </p:bg>
-    <p:spTree>
-      <p:nvGrpSpPr>
-        <p:cNvPr id="1" name=""/>
-        <p:cNvGrpSpPr/>
-        <p:nvPr/>
-      </p:nvGrpSpPr>
-      <p:grpSpPr>
-        <a:xfrm>
-          <a:off x="0" y="0"/>
-          <a:ext cx="0" cy="0"/>
-          <a:chOff x="0" y="0"/>
-          <a:chExt cx="0" cy="0"/>
-        </a:xfrm>
-      </p:grpSpPr>
-      <p:sp useBgFill="1">
-        <p:nvSpPr>
-          <p:cNvPr id="10" name="Rectangle 9">
-            <a:extLst>
-              <a:ext uri="{FF2B5EF4-FFF2-40B4-BE49-F238E27FC236}">
-                <a16:creationId xmlns:a16="http://schemas.microsoft.com/office/drawing/2014/main" id="{201CC55D-ED54-4C5C-95E6-10947BD1103B}"/>
-              </a:ext>
-              <a:ext uri="{C183D7F6-B498-43B3-948B-1728B52AA6E4}">
-                <adec:decorative xmlns:adec="http://schemas.microsoft.com/office/drawing/2017/decorative" val="1"/>
-              </a:ext>
-            </a:extLst>
-          </p:cNvPr>
-          <p:cNvSpPr>
-            <a:spLocks noGrp="1" noRot="1" noChangeAspect="1" noMove="1" noResize="1" noEditPoints="1" noAdjustHandles="1" noChangeArrowheads="1" noChangeShapeType="1" noTextEdit="1"/>
-          </p:cNvSpPr>
-          <p:nvPr>
-            <p:extLst>
-              <p:ext uri="{386F3935-93C4-4BCD-93E2-E3B085C9AB24}">
-                <p16:designElem xmlns:p16="http://schemas.microsoft.com/office/powerpoint/2015/main" val="1"/>
-              </p:ext>
-            </p:extLst>
-          </p:nvPr>
-        </p:nvSpPr>
-        <p:spPr>
-          <a:xfrm>
-            <a:off x="0" y="0"/>
-            <a:ext cx="12191999" cy="6857365"/>
-          </a:xfrm>
-          <a:prstGeom prst="rect">
-            <a:avLst/>
-          </a:prstGeom>
-          <a:ln>
-            <a:noFill/>
-          </a:ln>
-        </p:spPr>
-        <p:style>
-          <a:lnRef idx="2">
-            <a:schemeClr val="accent1">
-              <a:shade val="50000"/>
-            </a:schemeClr>
-          </a:lnRef>
-          <a:fillRef idx="1">
-            <a:schemeClr val="accent1"/>
-          </a:fillRef>
-          <a:effectRef idx="0">
-            <a:schemeClr val="accent1"/>
-          </a:effectRef>
-          <a:fontRef idx="minor">
-            <a:schemeClr val="lt1"/>
-          </a:fontRef>
-        </p:style>
-        <p:txBody>
-          <a:bodyPr rtlCol="0" anchor="ctr"/>
-          <a:lstStyle/>
-          <a:p>
-            <a:pPr algn="ctr"/>
-            <a:endParaRPr lang="en-US"/>
-          </a:p>
-        </p:txBody>
-      </p:sp>
-      <p:sp>
-        <p:nvSpPr>
-          <p:cNvPr id="2" name="Title 1">
-            <a:extLst>
-              <a:ext uri="{FF2B5EF4-FFF2-40B4-BE49-F238E27FC236}">
-                <a16:creationId xmlns:a16="http://schemas.microsoft.com/office/drawing/2014/main" id="{4BEE9392-33AB-4C31-BB89-D5BA658A9A48}"/>
-              </a:ext>
-            </a:extLst>
-          </p:cNvPr>
-          <p:cNvSpPr>
-            <a:spLocks noGrp="1"/>
-          </p:cNvSpPr>
-          <p:nvPr>
-            <p:ph type="title"/>
-          </p:nvPr>
-        </p:nvSpPr>
-        <p:spPr>
-          <a:xfrm>
-            <a:off x="589560" y="856180"/>
-            <a:ext cx="4560584" cy="1128068"/>
-          </a:xfrm>
-        </p:spPr>
-        <p:txBody>
-          <a:bodyPr anchor="ctr">
-            <a:normAutofit/>
-          </a:bodyPr>
-          <a:lstStyle/>
-          <a:p>
-            <a:r>
-              <a:rPr lang="en-US" sz="3600" dirty="0"/>
-              <a:t>r/</a:t>
-            </a:r>
-            <a:r>
-              <a:rPr lang="en-US" sz="3600" dirty="0" err="1"/>
-              <a:t>MensRights</a:t>
-            </a:r>
-            <a:r>
-              <a:rPr lang="en-US" sz="3600" dirty="0"/>
-              <a:t>: </a:t>
-            </a:r>
-            <a:br>
-              <a:rPr lang="en-US" sz="2400" dirty="0"/>
-            </a:br>
-            <a:r>
-              <a:rPr lang="en-US" sz="2400" dirty="0">
-                <a:solidFill>
-                  <a:schemeClr val="bg1">
-                    <a:lumMod val="50000"/>
-                  </a:schemeClr>
-                </a:solidFill>
-              </a:rPr>
-              <a:t>Anti-Feminist Rants</a:t>
-            </a:r>
-            <a:endParaRPr lang="en-SG" sz="2400" dirty="0">
-              <a:solidFill>
-                <a:schemeClr val="bg1">
-                  <a:lumMod val="50000"/>
-                </a:schemeClr>
-              </a:solidFill>
-            </a:endParaRPr>
-          </a:p>
-        </p:txBody>
-      </p:sp>
       <p:grpSp>
         <p:nvGrpSpPr>
-          <p:cNvPr id="12" name="Group 11">
-            <a:extLst>
-              <a:ext uri="{FF2B5EF4-FFF2-40B4-BE49-F238E27FC236}">
-                <a16:creationId xmlns:a16="http://schemas.microsoft.com/office/drawing/2014/main" id="{1DE889C7-FAD6-4397-98E2-05D503484459}"/>
-              </a:ext>
-              <a:ext uri="{C183D7F6-B498-43B3-948B-1728B52AA6E4}">
-                <adec:decorative xmlns:adec="http://schemas.microsoft.com/office/drawing/2017/decorative" val="1"/>
-              </a:ext>
-            </a:extLst>
-          </p:cNvPr>
-          <p:cNvGrpSpPr>
-            <a:grpSpLocks noGrp="1" noUngrp="1" noRot="1" noChangeAspect="1" noMove="1" noResize="1"/>
-          </p:cNvGrpSpPr>
-          <p:nvPr>
-            <p:extLst>
-              <p:ext uri="{386F3935-93C4-4BCD-93E2-E3B085C9AB24}">
-                <p16:designElem xmlns:p16="http://schemas.microsoft.com/office/powerpoint/2015/main" val="1"/>
-              </p:ext>
-            </p:extLst>
-          </p:nvPr>
+          <p:cNvPr id="6" name="Group 5">
+            <a:extLst>
+              <a:ext uri="{FF2B5EF4-FFF2-40B4-BE49-F238E27FC236}">
+                <a16:creationId xmlns:a16="http://schemas.microsoft.com/office/drawing/2014/main" id="{69E7015A-39EF-4D8F-9D0A-0B4A6B43951A}"/>
+              </a:ext>
+            </a:extLst>
+          </p:cNvPr>
+          <p:cNvGrpSpPr/>
+          <p:nvPr/>
         </p:nvGrpSpPr>
         <p:grpSpPr>
           <a:xfrm>
-            <a:off x="0" y="1083484"/>
-            <a:ext cx="355196" cy="673460"/>
-            <a:chOff x="0" y="823811"/>
-            <a:chExt cx="355196" cy="673460"/>
+            <a:off x="5856799" y="3233533"/>
+            <a:ext cx="5117977" cy="2060908"/>
+            <a:chOff x="6007270" y="2984778"/>
+            <a:chExt cx="5117977" cy="2060908"/>
           </a:xfrm>
         </p:grpSpPr>
+        <p:pic>
+          <p:nvPicPr>
+            <p:cNvPr id="3" name="Picture 2">
+              <a:extLst>
+                <a:ext uri="{FF2B5EF4-FFF2-40B4-BE49-F238E27FC236}">
+                  <a16:creationId xmlns:a16="http://schemas.microsoft.com/office/drawing/2014/main" id="{ECF1F96A-7EC6-4EB9-B3D7-0D3C1581978E}"/>
+                </a:ext>
+              </a:extLst>
+            </p:cNvPr>
+            <p:cNvPicPr>
+              <a:picLocks noChangeAspect="1"/>
+            </p:cNvPicPr>
+            <p:nvPr/>
+          </p:nvPicPr>
+          <p:blipFill rotWithShape="1">
+            <a:blip r:embed="rId3"/>
+            <a:srcRect r="40550"/>
+            <a:stretch/>
+          </p:blipFill>
+          <p:spPr>
+            <a:xfrm>
+              <a:off x="6007270" y="2984778"/>
+              <a:ext cx="5117977" cy="2060908"/>
+            </a:xfrm>
+            <a:prstGeom prst="rect">
+              <a:avLst/>
+            </a:prstGeom>
+          </p:spPr>
+        </p:pic>
         <p:sp>
           <p:nvSpPr>
-            <p:cNvPr id="13" name="Rectangle 12">
+            <p:cNvPr id="5" name="Rectangle 4">
               <a:extLst>
                 <a:ext uri="{FF2B5EF4-FFF2-40B4-BE49-F238E27FC236}">
-                  <a16:creationId xmlns:a16="http://schemas.microsoft.com/office/drawing/2014/main" id="{F399A70F-F8CD-4992-9EF5-6CF15472E73F}"/>
-                </a:ext>
-                <a:ext uri="{C183D7F6-B498-43B3-948B-1728B52AA6E4}">
-                  <adec:decorative xmlns:adec="http://schemas.microsoft.com/office/drawing/2017/decorative" val="1"/>
+                  <a16:creationId xmlns:a16="http://schemas.microsoft.com/office/drawing/2014/main" id="{F8180D75-9BCA-4494-BA02-1910B785823E}"/>
                 </a:ext>
               </a:extLst>
             </p:cNvPr>
             <p:cNvSpPr/>
-            <p:nvPr>
-              <p:extLst>
-                <p:ext uri="{386F3935-93C4-4BCD-93E2-E3B085C9AB24}">
-                  <p16:designElem xmlns:p16="http://schemas.microsoft.com/office/powerpoint/2015/main" val="1"/>
-                </p:ext>
-              </p:extLst>
-            </p:nvPr>
+            <p:nvPr/>
           </p:nvSpPr>
           <p:spPr>
             <a:xfrm>
-              <a:off x="0" y="823811"/>
-              <a:ext cx="87363" cy="673460"/>
+              <a:off x="6829069" y="3397527"/>
+              <a:ext cx="4245184" cy="329520"/>
             </a:xfrm>
             <a:prstGeom prst="rect">
               <a:avLst/>
             </a:prstGeom>
-            <a:solidFill>
-              <a:schemeClr val="accent4"/>
-            </a:solidFill>
-            <a:ln>
-              <a:noFill/>
+            <a:noFill/>
+            <a:ln w="57150">
+              <a:solidFill>
+                <a:srgbClr val="FFFF00"/>
+              </a:solidFill>
             </a:ln>
           </p:spPr>
           <p:style>
             <a:lnRef idx="2">
-              <a:schemeClr val="accent1">
+              <a:schemeClr val="accent4">
                 <a:shade val="50000"/>
               </a:schemeClr>
             </a:lnRef>
             <a:fillRef idx="1">
-              <a:schemeClr val="accent1"/>
+              <a:schemeClr val="accent4"/>
             </a:fillRef>
             <a:effectRef idx="0">
-              <a:schemeClr val="accent1"/>
+              <a:schemeClr val="accent4"/>
             </a:effectRef>
             <a:fontRef idx="minor">
               <a:schemeClr val="lt1"/>
@@ -10717,2449 +14408,15 @@
             <a:lstStyle/>
             <a:p>
               <a:pPr algn="ctr"/>
-              <a:endParaRPr lang="en-US"/>
-            </a:p>
-          </p:txBody>
-        </p:sp>
-        <p:sp>
-          <p:nvSpPr>
-            <p:cNvPr id="14" name="Rectangle 13">
-              <a:extLst>
-                <a:ext uri="{FF2B5EF4-FFF2-40B4-BE49-F238E27FC236}">
-                  <a16:creationId xmlns:a16="http://schemas.microsoft.com/office/drawing/2014/main" id="{48F4FEDC-6D80-458C-A665-075D9B9500FD}"/>
-                </a:ext>
-                <a:ext uri="{C183D7F6-B498-43B3-948B-1728B52AA6E4}">
-                  <adec:decorative xmlns:adec="http://schemas.microsoft.com/office/drawing/2017/decorative" val="1"/>
-                </a:ext>
-              </a:extLst>
-            </p:cNvPr>
-            <p:cNvSpPr/>
-            <p:nvPr>
-              <p:extLst>
-                <p:ext uri="{386F3935-93C4-4BCD-93E2-E3B085C9AB24}">
-                  <p16:designElem xmlns:p16="http://schemas.microsoft.com/office/powerpoint/2015/main" val="1"/>
-                </p:ext>
-              </p:extLst>
-            </p:nvPr>
-          </p:nvSpPr>
-          <p:spPr>
-            <a:xfrm>
-              <a:off x="159341" y="823811"/>
-              <a:ext cx="195855" cy="673460"/>
-            </a:xfrm>
-            <a:prstGeom prst="rect">
-              <a:avLst/>
-            </a:prstGeom>
-            <a:solidFill>
-              <a:schemeClr val="accent4"/>
-            </a:solidFill>
-            <a:ln>
-              <a:noFill/>
-            </a:ln>
-          </p:spPr>
-          <p:style>
-            <a:lnRef idx="2">
-              <a:schemeClr val="accent1">
-                <a:shade val="50000"/>
-              </a:schemeClr>
-            </a:lnRef>
-            <a:fillRef idx="1">
-              <a:schemeClr val="accent1"/>
-            </a:fillRef>
-            <a:effectRef idx="0">
-              <a:schemeClr val="accent1"/>
-            </a:effectRef>
-            <a:fontRef idx="minor">
-              <a:schemeClr val="lt1"/>
-            </a:fontRef>
-          </p:style>
-          <p:txBody>
-            <a:bodyPr rtlCol="0" anchor="ctr"/>
-            <a:lstStyle/>
-            <a:p>
-              <a:pPr algn="ctr"/>
-              <a:endParaRPr lang="en-US"/>
+              <a:endParaRPr lang="en-SG"/>
             </a:p>
           </p:txBody>
         </p:sp>
       </p:grpSp>
-      <p:sp>
-        <p:nvSpPr>
-          <p:cNvPr id="16" name="Rectangle 15">
-            <a:extLst>
-              <a:ext uri="{FF2B5EF4-FFF2-40B4-BE49-F238E27FC236}">
-                <a16:creationId xmlns:a16="http://schemas.microsoft.com/office/drawing/2014/main" id="{3873B707-463F-40B0-8227-E8CC6C67EB25}"/>
-              </a:ext>
-              <a:ext uri="{C183D7F6-B498-43B3-948B-1728B52AA6E4}">
-                <adec:decorative xmlns:adec="http://schemas.microsoft.com/office/drawing/2017/decorative" val="1"/>
-              </a:ext>
-            </a:extLst>
-          </p:cNvPr>
-          <p:cNvSpPr>
-            <a:spLocks noGrp="1" noRot="1" noChangeAspect="1" noMove="1" noResize="1" noEditPoints="1" noAdjustHandles="1" noChangeArrowheads="1" noChangeShapeType="1" noTextEdit="1"/>
-          </p:cNvSpPr>
-          <p:nvPr>
-            <p:extLst>
-              <p:ext uri="{386F3935-93C4-4BCD-93E2-E3B085C9AB24}">
-                <p16:designElem xmlns:p16="http://schemas.microsoft.com/office/powerpoint/2015/main" val="1"/>
-              </p:ext>
-            </p:extLst>
-          </p:nvPr>
-        </p:nvSpPr>
-        <p:spPr>
-          <a:xfrm flipH="1">
-            <a:off x="665085" y="2090569"/>
-            <a:ext cx="4297680" cy="27432"/>
-          </a:xfrm>
-          <a:prstGeom prst="rect">
-            <a:avLst/>
-          </a:prstGeom>
-          <a:solidFill>
-            <a:schemeClr val="accent4"/>
-          </a:solidFill>
-          <a:ln>
-            <a:noFill/>
-          </a:ln>
-        </p:spPr>
-        <p:style>
-          <a:lnRef idx="2">
-            <a:schemeClr val="accent1">
-              <a:shade val="50000"/>
-            </a:schemeClr>
-          </a:lnRef>
-          <a:fillRef idx="1">
-            <a:schemeClr val="accent1"/>
-          </a:fillRef>
-          <a:effectRef idx="0">
-            <a:schemeClr val="accent1"/>
-          </a:effectRef>
-          <a:fontRef idx="minor">
-            <a:schemeClr val="lt1"/>
-          </a:fontRef>
-        </p:style>
-        <p:txBody>
-          <a:bodyPr rtlCol="0" anchor="ctr"/>
-          <a:lstStyle/>
-          <a:p>
-            <a:pPr algn="ctr"/>
-            <a:endParaRPr lang="en-US"/>
-          </a:p>
-        </p:txBody>
-      </p:sp>
-      <p:sp>
-        <p:nvSpPr>
-          <p:cNvPr id="3" name="Content Placeholder 2">
-            <a:extLst>
-              <a:ext uri="{FF2B5EF4-FFF2-40B4-BE49-F238E27FC236}">
-                <a16:creationId xmlns:a16="http://schemas.microsoft.com/office/drawing/2014/main" id="{65636415-BDF4-4668-867B-7D34995346D6}"/>
-              </a:ext>
-            </a:extLst>
-          </p:cNvPr>
-          <p:cNvSpPr>
-            <a:spLocks noGrp="1"/>
-          </p:cNvSpPr>
-          <p:nvPr>
-            <p:ph idx="1"/>
-          </p:nvPr>
-        </p:nvSpPr>
-        <p:spPr>
-          <a:xfrm>
-            <a:off x="355197" y="2234810"/>
-            <a:ext cx="4794948" cy="4527495"/>
-          </a:xfrm>
-        </p:spPr>
-        <p:txBody>
-          <a:bodyPr anchor="ctr">
-            <a:normAutofit/>
-          </a:bodyPr>
-          <a:lstStyle/>
-          <a:p>
-            <a:r>
-              <a:rPr lang="en-US" sz="2000" dirty="0">
-                <a:ea typeface="Roboto" panose="02000000000000000000" pitchFamily="2" charset="0"/>
-              </a:rPr>
-              <a:t>So a common argument </a:t>
-            </a:r>
-            <a:r>
-              <a:rPr lang="en-US" sz="2000" b="1" u="sng" dirty="0">
-                <a:ea typeface="Roboto" panose="02000000000000000000" pitchFamily="2" charset="0"/>
-              </a:rPr>
-              <a:t>feminists</a:t>
-            </a:r>
-            <a:r>
-              <a:rPr lang="en-US" sz="2000" dirty="0">
-                <a:ea typeface="Roboto" panose="02000000000000000000" pitchFamily="2" charset="0"/>
-              </a:rPr>
-              <a:t> LOVE to use is the “</a:t>
-            </a:r>
-            <a:r>
-              <a:rPr lang="en-US" sz="2000" b="1" u="sng" dirty="0">
-                <a:ea typeface="Roboto" panose="02000000000000000000" pitchFamily="2" charset="0"/>
-              </a:rPr>
-              <a:t>feminism</a:t>
-            </a:r>
-            <a:r>
-              <a:rPr lang="en-US" sz="2000" dirty="0">
-                <a:ea typeface="Roboto" panose="02000000000000000000" pitchFamily="2" charset="0"/>
-              </a:rPr>
-              <a:t> cares about men’s issues too” bullshit line used, well the nice thing about today (international men’s day) is it really proves them wrong, go look at every single </a:t>
-            </a:r>
-            <a:r>
-              <a:rPr lang="en-US" sz="2000" b="1" u="sng" dirty="0">
-                <a:ea typeface="Roboto" panose="02000000000000000000" pitchFamily="2" charset="0"/>
-              </a:rPr>
-              <a:t>feminist</a:t>
-            </a:r>
-            <a:r>
-              <a:rPr lang="en-US" sz="2000" dirty="0">
-                <a:ea typeface="Roboto" panose="02000000000000000000" pitchFamily="2" charset="0"/>
-              </a:rPr>
-              <a:t> sub on Reddit, every </a:t>
-            </a:r>
-            <a:r>
-              <a:rPr lang="en-US" sz="2000" b="1" u="sng" dirty="0">
-                <a:ea typeface="Roboto" panose="02000000000000000000" pitchFamily="2" charset="0"/>
-              </a:rPr>
-              <a:t>feminist</a:t>
-            </a:r>
-            <a:r>
-              <a:rPr lang="en-US" sz="2000" dirty="0">
-                <a:ea typeface="Roboto" panose="02000000000000000000" pitchFamily="2" charset="0"/>
-              </a:rPr>
-              <a:t> page on Facebook, any feminists blog or journal.... guess what, radio silent on men’s issues on the one day of the year dedicated to men’s issues, yet every men’s rights page and sub is covered in IMD posts. </a:t>
-            </a:r>
-            <a:r>
-              <a:rPr lang="en-US" sz="2000" b="1" u="sng" dirty="0">
-                <a:ea typeface="Roboto" panose="02000000000000000000" pitchFamily="2" charset="0"/>
-              </a:rPr>
-              <a:t>Feminism</a:t>
-            </a:r>
-            <a:r>
-              <a:rPr lang="en-US" sz="2000" dirty="0">
-                <a:ea typeface="Roboto" panose="02000000000000000000" pitchFamily="2" charset="0"/>
-              </a:rPr>
-              <a:t> straight up does not care about men’s issues and this proves it. </a:t>
-            </a:r>
-            <a:r>
-              <a:rPr lang="en-US" sz="2000" b="1" u="sng" dirty="0">
-                <a:ea typeface="Roboto" panose="02000000000000000000" pitchFamily="2" charset="0"/>
-              </a:rPr>
-              <a:t>Feminism</a:t>
-            </a:r>
-            <a:r>
-              <a:rPr lang="en-US" sz="2000" dirty="0">
-                <a:ea typeface="Roboto" panose="02000000000000000000" pitchFamily="2" charset="0"/>
-              </a:rPr>
-              <a:t> is not about equality but supremacy. </a:t>
-            </a:r>
-            <a:r>
-              <a:rPr lang="en-US" sz="2000" b="1" u="sng" dirty="0">
-                <a:ea typeface="Roboto" panose="02000000000000000000" pitchFamily="2" charset="0"/>
-              </a:rPr>
-              <a:t>Feminism</a:t>
-            </a:r>
-            <a:r>
-              <a:rPr lang="en-US" sz="2000" dirty="0">
-                <a:ea typeface="Roboto" panose="02000000000000000000" pitchFamily="2" charset="0"/>
-              </a:rPr>
-              <a:t> hates men.</a:t>
-            </a:r>
-            <a:endParaRPr lang="en-SG" sz="2000" dirty="0">
-              <a:ea typeface="Roboto" panose="02000000000000000000" pitchFamily="2" charset="0"/>
-            </a:endParaRPr>
-          </a:p>
-        </p:txBody>
-      </p:sp>
-      <p:sp>
-        <p:nvSpPr>
-          <p:cNvPr id="18" name="Rectangle 17">
-            <a:extLst>
-              <a:ext uri="{FF2B5EF4-FFF2-40B4-BE49-F238E27FC236}">
-                <a16:creationId xmlns:a16="http://schemas.microsoft.com/office/drawing/2014/main" id="{C13237C8-E62C-4F0D-A318-BD6FB6C2D138}"/>
-              </a:ext>
-              <a:ext uri="{C183D7F6-B498-43B3-948B-1728B52AA6E4}">
-                <adec:decorative xmlns:adec="http://schemas.microsoft.com/office/drawing/2017/decorative" val="1"/>
-              </a:ext>
-            </a:extLst>
-          </p:cNvPr>
-          <p:cNvSpPr>
-            <a:spLocks noGrp="1" noRot="1" noChangeAspect="1" noMove="1" noResize="1" noEditPoints="1" noAdjustHandles="1" noChangeArrowheads="1" noChangeShapeType="1" noTextEdit="1"/>
-          </p:cNvSpPr>
-          <p:nvPr>
-            <p:extLst>
-              <p:ext uri="{386F3935-93C4-4BCD-93E2-E3B085C9AB24}">
-                <p16:designElem xmlns:p16="http://schemas.microsoft.com/office/powerpoint/2015/main" val="1"/>
-              </p:ext>
-            </p:extLst>
-          </p:nvPr>
-        </p:nvSpPr>
-        <p:spPr>
-          <a:xfrm flipH="1">
-            <a:off x="10697670" y="0"/>
-            <a:ext cx="1494330" cy="6858000"/>
-          </a:xfrm>
-          <a:prstGeom prst="rect">
-            <a:avLst/>
-          </a:prstGeom>
-          <a:solidFill>
-            <a:schemeClr val="accent4"/>
-          </a:solidFill>
-          <a:ln>
-            <a:noFill/>
-          </a:ln>
-        </p:spPr>
-        <p:style>
-          <a:lnRef idx="2">
-            <a:schemeClr val="accent1">
-              <a:shade val="50000"/>
-            </a:schemeClr>
-          </a:lnRef>
-          <a:fillRef idx="1">
-            <a:schemeClr val="accent1"/>
-          </a:fillRef>
-          <a:effectRef idx="0">
-            <a:schemeClr val="accent1"/>
-          </a:effectRef>
-          <a:fontRef idx="minor">
-            <a:schemeClr val="lt1"/>
-          </a:fontRef>
-        </p:style>
-        <p:txBody>
-          <a:bodyPr rtlCol="0" anchor="ctr"/>
-          <a:lstStyle/>
-          <a:p>
-            <a:pPr algn="ctr"/>
-            <a:endParaRPr lang="en-US"/>
-          </a:p>
-        </p:txBody>
-      </p:sp>
-      <p:sp>
-        <p:nvSpPr>
-          <p:cNvPr id="20" name="Rectangle 19">
-            <a:extLst>
-              <a:ext uri="{FF2B5EF4-FFF2-40B4-BE49-F238E27FC236}">
-                <a16:creationId xmlns:a16="http://schemas.microsoft.com/office/drawing/2014/main" id="{19C9EAEA-39D0-4B0E-A0EB-51E7B26740B1}"/>
-              </a:ext>
-              <a:ext uri="{C183D7F6-B498-43B3-948B-1728B52AA6E4}">
-                <adec:decorative xmlns:adec="http://schemas.microsoft.com/office/drawing/2017/decorative" val="1"/>
-              </a:ext>
-            </a:extLst>
-          </p:cNvPr>
-          <p:cNvSpPr>
-            <a:spLocks noGrp="1" noRot="1" noChangeAspect="1" noMove="1" noResize="1" noEditPoints="1" noAdjustHandles="1" noChangeArrowheads="1" noChangeShapeType="1" noTextEdit="1"/>
-          </p:cNvSpPr>
-          <p:nvPr>
-            <p:extLst>
-              <p:ext uri="{386F3935-93C4-4BCD-93E2-E3B085C9AB24}">
-                <p16:designElem xmlns:p16="http://schemas.microsoft.com/office/powerpoint/2015/main" val="1"/>
-              </p:ext>
-            </p:extLst>
-          </p:nvPr>
-        </p:nvSpPr>
-        <p:spPr>
-          <a:xfrm>
-            <a:off x="5685810" y="513853"/>
-            <a:ext cx="6009366" cy="5834577"/>
-          </a:xfrm>
-          <a:prstGeom prst="rect">
-            <a:avLst/>
-          </a:prstGeom>
-          <a:solidFill>
-            <a:schemeClr val="bg1"/>
-          </a:solidFill>
-          <a:ln>
-            <a:noFill/>
-          </a:ln>
-          <a:effectLst>
-            <a:outerShdw blurRad="139700" dist="127000" dir="5400000" algn="t" rotWithShape="0">
-              <a:prstClr val="black">
-                <a:alpha val="15000"/>
-              </a:prstClr>
-            </a:outerShdw>
-          </a:effectLst>
-        </p:spPr>
-        <p:style>
-          <a:lnRef idx="2">
-            <a:schemeClr val="accent1">
-              <a:shade val="50000"/>
-            </a:schemeClr>
-          </a:lnRef>
-          <a:fillRef idx="1">
-            <a:schemeClr val="accent1"/>
-          </a:fillRef>
-          <a:effectRef idx="0">
-            <a:schemeClr val="accent1"/>
-          </a:effectRef>
-          <a:fontRef idx="minor">
-            <a:schemeClr val="lt1"/>
-          </a:fontRef>
-        </p:style>
-        <p:txBody>
-          <a:bodyPr rtlCol="0" anchor="ctr"/>
-          <a:lstStyle/>
-          <a:p>
-            <a:pPr algn="ctr"/>
-            <a:endParaRPr lang="en-US"/>
-          </a:p>
-        </p:txBody>
-      </p:sp>
-      <p:pic>
-        <p:nvPicPr>
-          <p:cNvPr id="5" name="Picture 4">
-            <a:extLst>
-              <a:ext uri="{FF2B5EF4-FFF2-40B4-BE49-F238E27FC236}">
-                <a16:creationId xmlns:a16="http://schemas.microsoft.com/office/drawing/2014/main" id="{AE333EA3-000A-4F3D-9775-7FCA1FE75206}"/>
-              </a:ext>
-            </a:extLst>
-          </p:cNvPr>
-          <p:cNvPicPr>
-            <a:picLocks noChangeAspect="1"/>
-          </p:cNvPicPr>
-          <p:nvPr/>
-        </p:nvPicPr>
-        <p:blipFill rotWithShape="1">
-          <a:blip r:embed="rId2"/>
-          <a:srcRect r="1742" b="1"/>
-          <a:stretch/>
-        </p:blipFill>
-        <p:spPr>
-          <a:xfrm>
-            <a:off x="5734969" y="609600"/>
-            <a:ext cx="5910275" cy="5729316"/>
-          </a:xfrm>
-          <a:prstGeom prst="rect">
-            <a:avLst/>
-          </a:prstGeom>
-        </p:spPr>
-      </p:pic>
     </p:spTree>
     <p:extLst>
       <p:ext uri="{BB962C8B-B14F-4D97-AF65-F5344CB8AC3E}">
-        <p14:creationId xmlns:p14="http://schemas.microsoft.com/office/powerpoint/2010/main" val="1309271220"/>
-      </p:ext>
-    </p:extLst>
-  </p:cSld>
-  <p:clrMapOvr>
-    <a:masterClrMapping/>
-  </p:clrMapOvr>
-</p:sld>
-</file>
-
-<file path=ppt/slides/slide7.xml><?xml version="1.0" encoding="utf-8"?>
-<p:sld xmlns:a="http://schemas.openxmlformats.org/drawingml/2006/main" xmlns:r="http://schemas.openxmlformats.org/officeDocument/2006/relationships" xmlns:p="http://schemas.openxmlformats.org/presentationml/2006/main">
-  <p:cSld>
-    <p:bg>
-      <p:bgPr>
-        <a:solidFill>
-          <a:schemeClr val="bg1"/>
-        </a:solidFill>
-        <a:effectLst/>
-      </p:bgPr>
-    </p:bg>
-    <p:spTree>
-      <p:nvGrpSpPr>
-        <p:cNvPr id="1" name=""/>
-        <p:cNvGrpSpPr/>
-        <p:nvPr/>
-      </p:nvGrpSpPr>
-      <p:grpSpPr>
-        <a:xfrm>
-          <a:off x="0" y="0"/>
-          <a:ext cx="0" cy="0"/>
-          <a:chOff x="0" y="0"/>
-          <a:chExt cx="0" cy="0"/>
-        </a:xfrm>
-      </p:grpSpPr>
-      <p:sp useBgFill="1">
-        <p:nvSpPr>
-          <p:cNvPr id="7" name="Rectangle 9">
-            <a:extLst>
-              <a:ext uri="{FF2B5EF4-FFF2-40B4-BE49-F238E27FC236}">
-                <a16:creationId xmlns:a16="http://schemas.microsoft.com/office/drawing/2014/main" id="{201CC55D-ED54-4C5C-95E6-10947BD1103B}"/>
-              </a:ext>
-              <a:ext uri="{C183D7F6-B498-43B3-948B-1728B52AA6E4}">
-                <adec:decorative xmlns:adec="http://schemas.microsoft.com/office/drawing/2017/decorative" val="1"/>
-              </a:ext>
-            </a:extLst>
-          </p:cNvPr>
-          <p:cNvSpPr>
-            <a:spLocks noGrp="1" noRot="1" noChangeAspect="1" noMove="1" noResize="1" noEditPoints="1" noAdjustHandles="1" noChangeArrowheads="1" noChangeShapeType="1" noTextEdit="1"/>
-          </p:cNvSpPr>
-          <p:nvPr>
-            <p:extLst>
-              <p:ext uri="{386F3935-93C4-4BCD-93E2-E3B085C9AB24}">
-                <p16:designElem xmlns:p16="http://schemas.microsoft.com/office/powerpoint/2015/main" val="1"/>
-              </p:ext>
-            </p:extLst>
-          </p:nvPr>
-        </p:nvSpPr>
-        <p:spPr>
-          <a:xfrm>
-            <a:off x="0" y="0"/>
-            <a:ext cx="12191999" cy="6857365"/>
-          </a:xfrm>
-          <a:prstGeom prst="rect">
-            <a:avLst/>
-          </a:prstGeom>
-          <a:ln>
-            <a:noFill/>
-          </a:ln>
-        </p:spPr>
-        <p:style>
-          <a:lnRef idx="2">
-            <a:schemeClr val="accent1">
-              <a:shade val="50000"/>
-            </a:schemeClr>
-          </a:lnRef>
-          <a:fillRef idx="1">
-            <a:schemeClr val="accent1"/>
-          </a:fillRef>
-          <a:effectRef idx="0">
-            <a:schemeClr val="accent1"/>
-          </a:effectRef>
-          <a:fontRef idx="minor">
-            <a:schemeClr val="lt1"/>
-          </a:fontRef>
-        </p:style>
-        <p:txBody>
-          <a:bodyPr rtlCol="0" anchor="ctr"/>
-          <a:lstStyle/>
-          <a:p>
-            <a:pPr algn="ctr"/>
-            <a:endParaRPr lang="en-US"/>
-          </a:p>
-        </p:txBody>
-      </p:sp>
-      <p:sp>
-        <p:nvSpPr>
-          <p:cNvPr id="2" name="Title 1">
-            <a:extLst>
-              <a:ext uri="{FF2B5EF4-FFF2-40B4-BE49-F238E27FC236}">
-                <a16:creationId xmlns:a16="http://schemas.microsoft.com/office/drawing/2014/main" id="{4BEE9392-33AB-4C31-BB89-D5BA658A9A48}"/>
-              </a:ext>
-            </a:extLst>
-          </p:cNvPr>
-          <p:cNvSpPr>
-            <a:spLocks noGrp="1"/>
-          </p:cNvSpPr>
-          <p:nvPr>
-            <p:ph type="title"/>
-          </p:nvPr>
-        </p:nvSpPr>
-        <p:spPr>
-          <a:xfrm>
-            <a:off x="589560" y="856180"/>
-            <a:ext cx="4560584" cy="1128068"/>
-          </a:xfrm>
-        </p:spPr>
-        <p:txBody>
-          <a:bodyPr anchor="ctr">
-            <a:noAutofit/>
-          </a:bodyPr>
-          <a:lstStyle/>
-          <a:p>
-            <a:r>
-              <a:rPr lang="en-US" sz="3600" dirty="0"/>
-              <a:t>r/</a:t>
-            </a:r>
-            <a:r>
-              <a:rPr lang="en-US" sz="3600" dirty="0" err="1"/>
-              <a:t>MensRights</a:t>
-            </a:r>
-            <a:r>
-              <a:rPr lang="en-US" sz="3600" dirty="0"/>
-              <a:t>: </a:t>
-            </a:r>
-            <a:br>
-              <a:rPr lang="en-US" sz="2400" dirty="0"/>
-            </a:br>
-            <a:r>
-              <a:rPr lang="en-US" sz="2400" dirty="0">
-                <a:solidFill>
-                  <a:schemeClr val="bg1">
-                    <a:lumMod val="50000"/>
-                  </a:schemeClr>
-                </a:solidFill>
-              </a:rPr>
-              <a:t>False Accusations Against Men </a:t>
-            </a:r>
-            <a:br>
-              <a:rPr lang="en-US" sz="2400" dirty="0">
-                <a:solidFill>
-                  <a:schemeClr val="bg1">
-                    <a:lumMod val="50000"/>
-                  </a:schemeClr>
-                </a:solidFill>
-              </a:rPr>
-            </a:br>
-            <a:r>
-              <a:rPr lang="en-US" sz="2400" dirty="0">
-                <a:solidFill>
-                  <a:schemeClr val="bg1">
-                    <a:lumMod val="50000"/>
-                  </a:schemeClr>
-                </a:solidFill>
-              </a:rPr>
-              <a:t>e.g. Amber Heard</a:t>
-            </a:r>
-            <a:endParaRPr lang="en-SG" sz="2000" dirty="0"/>
-          </a:p>
-        </p:txBody>
-      </p:sp>
-      <p:grpSp>
-        <p:nvGrpSpPr>
-          <p:cNvPr id="8" name="Group 11">
-            <a:extLst>
-              <a:ext uri="{FF2B5EF4-FFF2-40B4-BE49-F238E27FC236}">
-                <a16:creationId xmlns:a16="http://schemas.microsoft.com/office/drawing/2014/main" id="{1DE889C7-FAD6-4397-98E2-05D503484459}"/>
-              </a:ext>
-              <a:ext uri="{C183D7F6-B498-43B3-948B-1728B52AA6E4}">
-                <adec:decorative xmlns:adec="http://schemas.microsoft.com/office/drawing/2017/decorative" val="1"/>
-              </a:ext>
-            </a:extLst>
-          </p:cNvPr>
-          <p:cNvGrpSpPr>
-            <a:grpSpLocks noGrp="1" noUngrp="1" noRot="1" noChangeAspect="1" noMove="1" noResize="1"/>
-          </p:cNvGrpSpPr>
-          <p:nvPr>
-            <p:extLst>
-              <p:ext uri="{386F3935-93C4-4BCD-93E2-E3B085C9AB24}">
-                <p16:designElem xmlns:p16="http://schemas.microsoft.com/office/powerpoint/2015/main" val="1"/>
-              </p:ext>
-            </p:extLst>
-          </p:nvPr>
-        </p:nvGrpSpPr>
-        <p:grpSpPr>
-          <a:xfrm>
-            <a:off x="0" y="1083484"/>
-            <a:ext cx="355196" cy="673460"/>
-            <a:chOff x="0" y="823811"/>
-            <a:chExt cx="355196" cy="673460"/>
-          </a:xfrm>
-        </p:grpSpPr>
-        <p:sp>
-          <p:nvSpPr>
-            <p:cNvPr id="13" name="Rectangle 12">
-              <a:extLst>
-                <a:ext uri="{FF2B5EF4-FFF2-40B4-BE49-F238E27FC236}">
-                  <a16:creationId xmlns:a16="http://schemas.microsoft.com/office/drawing/2014/main" id="{F399A70F-F8CD-4992-9EF5-6CF15472E73F}"/>
-                </a:ext>
-                <a:ext uri="{C183D7F6-B498-43B3-948B-1728B52AA6E4}">
-                  <adec:decorative xmlns:adec="http://schemas.microsoft.com/office/drawing/2017/decorative" val="1"/>
-                </a:ext>
-              </a:extLst>
-            </p:cNvPr>
-            <p:cNvSpPr/>
-            <p:nvPr>
-              <p:extLst>
-                <p:ext uri="{386F3935-93C4-4BCD-93E2-E3B085C9AB24}">
-                  <p16:designElem xmlns:p16="http://schemas.microsoft.com/office/powerpoint/2015/main" val="1"/>
-                </p:ext>
-              </p:extLst>
-            </p:nvPr>
-          </p:nvSpPr>
-          <p:spPr>
-            <a:xfrm>
-              <a:off x="0" y="823811"/>
-              <a:ext cx="87363" cy="673460"/>
-            </a:xfrm>
-            <a:prstGeom prst="rect">
-              <a:avLst/>
-            </a:prstGeom>
-            <a:solidFill>
-              <a:schemeClr val="accent4"/>
-            </a:solidFill>
-            <a:ln>
-              <a:noFill/>
-            </a:ln>
-          </p:spPr>
-          <p:style>
-            <a:lnRef idx="2">
-              <a:schemeClr val="accent1">
-                <a:shade val="50000"/>
-              </a:schemeClr>
-            </a:lnRef>
-            <a:fillRef idx="1">
-              <a:schemeClr val="accent1"/>
-            </a:fillRef>
-            <a:effectRef idx="0">
-              <a:schemeClr val="accent1"/>
-            </a:effectRef>
-            <a:fontRef idx="minor">
-              <a:schemeClr val="lt1"/>
-            </a:fontRef>
-          </p:style>
-          <p:txBody>
-            <a:bodyPr rtlCol="0" anchor="ctr"/>
-            <a:lstStyle/>
-            <a:p>
-              <a:pPr algn="ctr"/>
-              <a:endParaRPr lang="en-US"/>
-            </a:p>
-          </p:txBody>
-        </p:sp>
-        <p:sp>
-          <p:nvSpPr>
-            <p:cNvPr id="14" name="Rectangle 13">
-              <a:extLst>
-                <a:ext uri="{FF2B5EF4-FFF2-40B4-BE49-F238E27FC236}">
-                  <a16:creationId xmlns:a16="http://schemas.microsoft.com/office/drawing/2014/main" id="{48F4FEDC-6D80-458C-A665-075D9B9500FD}"/>
-                </a:ext>
-                <a:ext uri="{C183D7F6-B498-43B3-948B-1728B52AA6E4}">
-                  <adec:decorative xmlns:adec="http://schemas.microsoft.com/office/drawing/2017/decorative" val="1"/>
-                </a:ext>
-              </a:extLst>
-            </p:cNvPr>
-            <p:cNvSpPr/>
-            <p:nvPr>
-              <p:extLst>
-                <p:ext uri="{386F3935-93C4-4BCD-93E2-E3B085C9AB24}">
-                  <p16:designElem xmlns:p16="http://schemas.microsoft.com/office/powerpoint/2015/main" val="1"/>
-                </p:ext>
-              </p:extLst>
-            </p:nvPr>
-          </p:nvSpPr>
-          <p:spPr>
-            <a:xfrm>
-              <a:off x="159341" y="823811"/>
-              <a:ext cx="195855" cy="673460"/>
-            </a:xfrm>
-            <a:prstGeom prst="rect">
-              <a:avLst/>
-            </a:prstGeom>
-            <a:solidFill>
-              <a:schemeClr val="accent4"/>
-            </a:solidFill>
-            <a:ln>
-              <a:noFill/>
-            </a:ln>
-          </p:spPr>
-          <p:style>
-            <a:lnRef idx="2">
-              <a:schemeClr val="accent1">
-                <a:shade val="50000"/>
-              </a:schemeClr>
-            </a:lnRef>
-            <a:fillRef idx="1">
-              <a:schemeClr val="accent1"/>
-            </a:fillRef>
-            <a:effectRef idx="0">
-              <a:schemeClr val="accent1"/>
-            </a:effectRef>
-            <a:fontRef idx="minor">
-              <a:schemeClr val="lt1"/>
-            </a:fontRef>
-          </p:style>
-          <p:txBody>
-            <a:bodyPr rtlCol="0" anchor="ctr"/>
-            <a:lstStyle/>
-            <a:p>
-              <a:pPr algn="ctr"/>
-              <a:endParaRPr lang="en-US"/>
-            </a:p>
-          </p:txBody>
-        </p:sp>
-      </p:grpSp>
-      <p:sp>
-        <p:nvSpPr>
-          <p:cNvPr id="9" name="Rectangle 15">
-            <a:extLst>
-              <a:ext uri="{FF2B5EF4-FFF2-40B4-BE49-F238E27FC236}">
-                <a16:creationId xmlns:a16="http://schemas.microsoft.com/office/drawing/2014/main" id="{3873B707-463F-40B0-8227-E8CC6C67EB25}"/>
-              </a:ext>
-              <a:ext uri="{C183D7F6-B498-43B3-948B-1728B52AA6E4}">
-                <adec:decorative xmlns:adec="http://schemas.microsoft.com/office/drawing/2017/decorative" val="1"/>
-              </a:ext>
-            </a:extLst>
-          </p:cNvPr>
-          <p:cNvSpPr>
-            <a:spLocks noGrp="1" noRot="1" noChangeAspect="1" noMove="1" noResize="1" noEditPoints="1" noAdjustHandles="1" noChangeArrowheads="1" noChangeShapeType="1" noTextEdit="1"/>
-          </p:cNvSpPr>
-          <p:nvPr>
-            <p:extLst>
-              <p:ext uri="{386F3935-93C4-4BCD-93E2-E3B085C9AB24}">
-                <p16:designElem xmlns:p16="http://schemas.microsoft.com/office/powerpoint/2015/main" val="1"/>
-              </p:ext>
-            </p:extLst>
-          </p:nvPr>
-        </p:nvSpPr>
-        <p:spPr>
-          <a:xfrm flipH="1">
-            <a:off x="665085" y="2090569"/>
-            <a:ext cx="4297680" cy="27432"/>
-          </a:xfrm>
-          <a:prstGeom prst="rect">
-            <a:avLst/>
-          </a:prstGeom>
-          <a:solidFill>
-            <a:schemeClr val="accent4"/>
-          </a:solidFill>
-          <a:ln>
-            <a:noFill/>
-          </a:ln>
-        </p:spPr>
-        <p:style>
-          <a:lnRef idx="2">
-            <a:schemeClr val="accent1">
-              <a:shade val="50000"/>
-            </a:schemeClr>
-          </a:lnRef>
-          <a:fillRef idx="1">
-            <a:schemeClr val="accent1"/>
-          </a:fillRef>
-          <a:effectRef idx="0">
-            <a:schemeClr val="accent1"/>
-          </a:effectRef>
-          <a:fontRef idx="minor">
-            <a:schemeClr val="lt1"/>
-          </a:fontRef>
-        </p:style>
-        <p:txBody>
-          <a:bodyPr rtlCol="0" anchor="ctr"/>
-          <a:lstStyle/>
-          <a:p>
-            <a:pPr algn="ctr"/>
-            <a:endParaRPr lang="en-US"/>
-          </a:p>
-        </p:txBody>
-      </p:sp>
-      <p:sp>
-        <p:nvSpPr>
-          <p:cNvPr id="3" name="Content Placeholder 2">
-            <a:extLst>
-              <a:ext uri="{FF2B5EF4-FFF2-40B4-BE49-F238E27FC236}">
-                <a16:creationId xmlns:a16="http://schemas.microsoft.com/office/drawing/2014/main" id="{65636415-BDF4-4668-867B-7D34995346D6}"/>
-              </a:ext>
-            </a:extLst>
-          </p:cNvPr>
-          <p:cNvSpPr>
-            <a:spLocks noGrp="1"/>
-          </p:cNvSpPr>
-          <p:nvPr>
-            <p:ph idx="1"/>
-          </p:nvPr>
-        </p:nvSpPr>
-        <p:spPr>
-          <a:xfrm>
-            <a:off x="159341" y="2276514"/>
-            <a:ext cx="5525695" cy="4373376"/>
-          </a:xfrm>
-        </p:spPr>
-        <p:txBody>
-          <a:bodyPr anchor="ctr">
-            <a:normAutofit lnSpcReduction="10000"/>
-          </a:bodyPr>
-          <a:lstStyle/>
-          <a:p>
-            <a:r>
-              <a:rPr lang="en-US" sz="1800" dirty="0">
-                <a:ea typeface="Roboto" panose="02000000000000000000" pitchFamily="2" charset="0"/>
-              </a:rPr>
-              <a:t>“Sign to push for </a:t>
-            </a:r>
-            <a:r>
-              <a:rPr lang="en-US" sz="1800" b="1" u="sng" dirty="0">
-                <a:ea typeface="Roboto" panose="02000000000000000000" pitchFamily="2" charset="0"/>
-              </a:rPr>
-              <a:t>Amber Heard </a:t>
-            </a:r>
-            <a:r>
-              <a:rPr lang="en-US" sz="1800" dirty="0">
-                <a:ea typeface="Roboto" panose="02000000000000000000" pitchFamily="2" charset="0"/>
-              </a:rPr>
-              <a:t>to be fired. Why? Because men are targeted and women get let off”</a:t>
-            </a:r>
-          </a:p>
-          <a:p>
-            <a:endParaRPr lang="en-US" sz="1800" dirty="0">
-              <a:ea typeface="Roboto" panose="02000000000000000000" pitchFamily="2" charset="0"/>
-            </a:endParaRPr>
-          </a:p>
-          <a:p>
-            <a:r>
-              <a:rPr lang="en-US" sz="1800" dirty="0">
-                <a:ea typeface="Roboto" panose="02000000000000000000" pitchFamily="2" charset="0"/>
-              </a:rPr>
-              <a:t>“</a:t>
-            </a:r>
-            <a:r>
-              <a:rPr lang="en-US" sz="1800" b="1" u="sng" dirty="0">
-                <a:ea typeface="Roboto" panose="02000000000000000000" pitchFamily="2" charset="0"/>
-              </a:rPr>
-              <a:t>Johnny Depp</a:t>
-            </a:r>
-            <a:r>
-              <a:rPr lang="en-US" sz="1800" b="1" dirty="0">
-                <a:ea typeface="Roboto" panose="02000000000000000000" pitchFamily="2" charset="0"/>
-              </a:rPr>
-              <a:t> </a:t>
-            </a:r>
-            <a:r>
-              <a:rPr lang="en-US" sz="1800" dirty="0">
-                <a:ea typeface="Roboto" panose="02000000000000000000" pitchFamily="2" charset="0"/>
-              </a:rPr>
-              <a:t>loses to amber heard. Where is the justice?”</a:t>
-            </a:r>
-          </a:p>
-          <a:p>
-            <a:endParaRPr lang="en-US" sz="1800" dirty="0">
-              <a:ea typeface="Roboto" panose="02000000000000000000" pitchFamily="2" charset="0"/>
-            </a:endParaRPr>
-          </a:p>
-          <a:p>
-            <a:r>
-              <a:rPr lang="en-US" sz="1800" dirty="0">
-                <a:ea typeface="Roboto" panose="02000000000000000000" pitchFamily="2" charset="0"/>
-              </a:rPr>
-              <a:t>“</a:t>
-            </a:r>
-            <a:r>
-              <a:rPr lang="en-US" sz="1800" b="1" u="sng" dirty="0">
-                <a:ea typeface="Roboto" panose="02000000000000000000" pitchFamily="2" charset="0"/>
-              </a:rPr>
-              <a:t>Johnny Depp</a:t>
-            </a:r>
-            <a:r>
-              <a:rPr lang="en-US" sz="1800" b="1" dirty="0">
-                <a:ea typeface="Roboto" panose="02000000000000000000" pitchFamily="2" charset="0"/>
-              </a:rPr>
-              <a:t> </a:t>
-            </a:r>
-            <a:r>
-              <a:rPr lang="en-US" sz="1800" dirty="0">
-                <a:ea typeface="Roboto" panose="02000000000000000000" pitchFamily="2" charset="0"/>
-              </a:rPr>
-              <a:t>Is Being Blackmailed by </a:t>
-            </a:r>
-            <a:r>
-              <a:rPr lang="en-US" sz="1800" b="1" u="sng" dirty="0">
-                <a:ea typeface="Roboto" panose="02000000000000000000" pitchFamily="2" charset="0"/>
-              </a:rPr>
-              <a:t>Amber Heard</a:t>
-            </a:r>
-            <a:r>
-              <a:rPr lang="en-US" sz="1800" dirty="0">
-                <a:ea typeface="Roboto" panose="02000000000000000000" pitchFamily="2" charset="0"/>
-              </a:rPr>
-              <a:t>”</a:t>
-            </a:r>
-          </a:p>
-          <a:p>
-            <a:endParaRPr lang="en-US" sz="1800" dirty="0">
-              <a:ea typeface="Roboto" panose="02000000000000000000" pitchFamily="2" charset="0"/>
-            </a:endParaRPr>
-          </a:p>
-          <a:p>
-            <a:r>
-              <a:rPr lang="en-US" sz="1800" dirty="0">
-                <a:ea typeface="Roboto" panose="02000000000000000000" pitchFamily="2" charset="0"/>
-              </a:rPr>
-              <a:t>“The </a:t>
-            </a:r>
-            <a:r>
-              <a:rPr lang="en-US" sz="1800" b="1" u="sng" dirty="0">
-                <a:ea typeface="Roboto" panose="02000000000000000000" pitchFamily="2" charset="0"/>
-              </a:rPr>
-              <a:t>amber heard </a:t>
-            </a:r>
-            <a:r>
-              <a:rPr lang="en-US" sz="1800" dirty="0">
-                <a:ea typeface="Roboto" panose="02000000000000000000" pitchFamily="2" charset="0"/>
-              </a:rPr>
-              <a:t>situation is the best way to expose misandrist, and how people believe women more. People who defend </a:t>
-            </a:r>
-            <a:r>
-              <a:rPr lang="en-US" sz="1800" b="1" u="sng" dirty="0">
-                <a:ea typeface="Roboto" panose="02000000000000000000" pitchFamily="2" charset="0"/>
-              </a:rPr>
-              <a:t>amber heard</a:t>
-            </a:r>
-            <a:r>
-              <a:rPr lang="en-US" sz="1800" b="1" dirty="0">
-                <a:ea typeface="Roboto" panose="02000000000000000000" pitchFamily="2" charset="0"/>
-              </a:rPr>
-              <a:t> </a:t>
-            </a:r>
-            <a:r>
-              <a:rPr lang="en-US" sz="1800" dirty="0">
-                <a:ea typeface="Roboto" panose="02000000000000000000" pitchFamily="2" charset="0"/>
-              </a:rPr>
-              <a:t>are misandrist who knows nothing about false allegations. And the people defending her are so caught up in the “believe all women” bull shit that they are being completely blind of the truth.”</a:t>
-            </a:r>
-          </a:p>
-        </p:txBody>
-      </p:sp>
-      <p:sp>
-        <p:nvSpPr>
-          <p:cNvPr id="11" name="Rectangle 17">
-            <a:extLst>
-              <a:ext uri="{FF2B5EF4-FFF2-40B4-BE49-F238E27FC236}">
-                <a16:creationId xmlns:a16="http://schemas.microsoft.com/office/drawing/2014/main" id="{C13237C8-E62C-4F0D-A318-BD6FB6C2D138}"/>
-              </a:ext>
-              <a:ext uri="{C183D7F6-B498-43B3-948B-1728B52AA6E4}">
-                <adec:decorative xmlns:adec="http://schemas.microsoft.com/office/drawing/2017/decorative" val="1"/>
-              </a:ext>
-            </a:extLst>
-          </p:cNvPr>
-          <p:cNvSpPr>
-            <a:spLocks noGrp="1" noRot="1" noChangeAspect="1" noMove="1" noResize="1" noEditPoints="1" noAdjustHandles="1" noChangeArrowheads="1" noChangeShapeType="1" noTextEdit="1"/>
-          </p:cNvSpPr>
-          <p:nvPr>
-            <p:extLst>
-              <p:ext uri="{386F3935-93C4-4BCD-93E2-E3B085C9AB24}">
-                <p16:designElem xmlns:p16="http://schemas.microsoft.com/office/powerpoint/2015/main" val="1"/>
-              </p:ext>
-            </p:extLst>
-          </p:nvPr>
-        </p:nvSpPr>
-        <p:spPr>
-          <a:xfrm flipH="1">
-            <a:off x="10697670" y="0"/>
-            <a:ext cx="1494330" cy="6858000"/>
-          </a:xfrm>
-          <a:prstGeom prst="rect">
-            <a:avLst/>
-          </a:prstGeom>
-          <a:solidFill>
-            <a:schemeClr val="accent4"/>
-          </a:solidFill>
-          <a:ln>
-            <a:noFill/>
-          </a:ln>
-        </p:spPr>
-        <p:style>
-          <a:lnRef idx="2">
-            <a:schemeClr val="accent1">
-              <a:shade val="50000"/>
-            </a:schemeClr>
-          </a:lnRef>
-          <a:fillRef idx="1">
-            <a:schemeClr val="accent1"/>
-          </a:fillRef>
-          <a:effectRef idx="0">
-            <a:schemeClr val="accent1"/>
-          </a:effectRef>
-          <a:fontRef idx="minor">
-            <a:schemeClr val="lt1"/>
-          </a:fontRef>
-        </p:style>
-        <p:txBody>
-          <a:bodyPr rtlCol="0" anchor="ctr"/>
-          <a:lstStyle/>
-          <a:p>
-            <a:pPr algn="ctr"/>
-            <a:endParaRPr lang="en-US"/>
-          </a:p>
-        </p:txBody>
-      </p:sp>
-      <p:sp>
-        <p:nvSpPr>
-          <p:cNvPr id="15" name="Rectangle 19">
-            <a:extLst>
-              <a:ext uri="{FF2B5EF4-FFF2-40B4-BE49-F238E27FC236}">
-                <a16:creationId xmlns:a16="http://schemas.microsoft.com/office/drawing/2014/main" id="{19C9EAEA-39D0-4B0E-A0EB-51E7B26740B1}"/>
-              </a:ext>
-              <a:ext uri="{C183D7F6-B498-43B3-948B-1728B52AA6E4}">
-                <adec:decorative xmlns:adec="http://schemas.microsoft.com/office/drawing/2017/decorative" val="1"/>
-              </a:ext>
-            </a:extLst>
-          </p:cNvPr>
-          <p:cNvSpPr>
-            <a:spLocks noGrp="1" noRot="1" noChangeAspect="1" noMove="1" noResize="1" noEditPoints="1" noAdjustHandles="1" noChangeArrowheads="1" noChangeShapeType="1" noTextEdit="1"/>
-          </p:cNvSpPr>
-          <p:nvPr>
-            <p:extLst>
-              <p:ext uri="{386F3935-93C4-4BCD-93E2-E3B085C9AB24}">
-                <p16:designElem xmlns:p16="http://schemas.microsoft.com/office/powerpoint/2015/main" val="1"/>
-              </p:ext>
-            </p:extLst>
-          </p:nvPr>
-        </p:nvSpPr>
-        <p:spPr>
-          <a:xfrm>
-            <a:off x="5685810" y="513853"/>
-            <a:ext cx="6009366" cy="5834577"/>
-          </a:xfrm>
-          <a:prstGeom prst="rect">
-            <a:avLst/>
-          </a:prstGeom>
-          <a:solidFill>
-            <a:schemeClr val="bg1"/>
-          </a:solidFill>
-          <a:ln>
-            <a:noFill/>
-          </a:ln>
-          <a:effectLst>
-            <a:outerShdw blurRad="139700" dist="127000" dir="5400000" algn="t" rotWithShape="0">
-              <a:prstClr val="black">
-                <a:alpha val="15000"/>
-              </a:prstClr>
-            </a:outerShdw>
-          </a:effectLst>
-        </p:spPr>
-        <p:style>
-          <a:lnRef idx="2">
-            <a:schemeClr val="accent1">
-              <a:shade val="50000"/>
-            </a:schemeClr>
-          </a:lnRef>
-          <a:fillRef idx="1">
-            <a:schemeClr val="accent1"/>
-          </a:fillRef>
-          <a:effectRef idx="0">
-            <a:schemeClr val="accent1"/>
-          </a:effectRef>
-          <a:fontRef idx="minor">
-            <a:schemeClr val="lt1"/>
-          </a:fontRef>
-        </p:style>
-        <p:txBody>
-          <a:bodyPr rtlCol="0" anchor="ctr"/>
-          <a:lstStyle/>
-          <a:p>
-            <a:pPr algn="ctr"/>
-            <a:endParaRPr lang="en-US"/>
-          </a:p>
-        </p:txBody>
-      </p:sp>
-      <p:pic>
-        <p:nvPicPr>
-          <p:cNvPr id="12" name="Picture 11">
-            <a:extLst>
-              <a:ext uri="{FF2B5EF4-FFF2-40B4-BE49-F238E27FC236}">
-                <a16:creationId xmlns:a16="http://schemas.microsoft.com/office/drawing/2014/main" id="{A8FB6496-1DC0-4A6C-8831-14C08687EC3A}"/>
-              </a:ext>
-            </a:extLst>
-          </p:cNvPr>
-          <p:cNvPicPr>
-            <a:picLocks noChangeAspect="1"/>
-          </p:cNvPicPr>
-          <p:nvPr/>
-        </p:nvPicPr>
-        <p:blipFill rotWithShape="1">
-          <a:blip r:embed="rId3"/>
-          <a:srcRect r="1742" b="1"/>
-          <a:stretch/>
-        </p:blipFill>
-        <p:spPr>
-          <a:xfrm>
-            <a:off x="5734969" y="609600"/>
-            <a:ext cx="5910275" cy="5729316"/>
-          </a:xfrm>
-          <a:prstGeom prst="rect">
-            <a:avLst/>
-          </a:prstGeom>
-        </p:spPr>
-      </p:pic>
-    </p:spTree>
-    <p:extLst>
-      <p:ext uri="{BB962C8B-B14F-4D97-AF65-F5344CB8AC3E}">
-        <p14:creationId xmlns:p14="http://schemas.microsoft.com/office/powerpoint/2010/main" val="2357560883"/>
-      </p:ext>
-    </p:extLst>
-  </p:cSld>
-  <p:clrMapOvr>
-    <a:masterClrMapping/>
-  </p:clrMapOvr>
-</p:sld>
-</file>
-
-<file path=ppt/slides/slide8.xml><?xml version="1.0" encoding="utf-8"?>
-<p:sld xmlns:a="http://schemas.openxmlformats.org/drawingml/2006/main" xmlns:r="http://schemas.openxmlformats.org/officeDocument/2006/relationships" xmlns:p="http://schemas.openxmlformats.org/presentationml/2006/main">
-  <p:cSld>
-    <p:bg>
-      <p:bgPr>
-        <a:solidFill>
-          <a:schemeClr val="bg1"/>
-        </a:solidFill>
-        <a:effectLst/>
-      </p:bgPr>
-    </p:bg>
-    <p:spTree>
-      <p:nvGrpSpPr>
-        <p:cNvPr id="1" name=""/>
-        <p:cNvGrpSpPr/>
-        <p:nvPr/>
-      </p:nvGrpSpPr>
-      <p:grpSpPr>
-        <a:xfrm>
-          <a:off x="0" y="0"/>
-          <a:ext cx="0" cy="0"/>
-          <a:chOff x="0" y="0"/>
-          <a:chExt cx="0" cy="0"/>
-        </a:xfrm>
-      </p:grpSpPr>
-      <p:sp useBgFill="1">
-        <p:nvSpPr>
-          <p:cNvPr id="25" name="Rectangle 19">
-            <a:extLst>
-              <a:ext uri="{FF2B5EF4-FFF2-40B4-BE49-F238E27FC236}">
-                <a16:creationId xmlns:a16="http://schemas.microsoft.com/office/drawing/2014/main" id="{201CC55D-ED54-4C5C-95E6-10947BD1103B}"/>
-              </a:ext>
-              <a:ext uri="{C183D7F6-B498-43B3-948B-1728B52AA6E4}">
-                <adec:decorative xmlns:adec="http://schemas.microsoft.com/office/drawing/2017/decorative" val="1"/>
-              </a:ext>
-            </a:extLst>
-          </p:cNvPr>
-          <p:cNvSpPr>
-            <a:spLocks noGrp="1" noRot="1" noChangeAspect="1" noMove="1" noResize="1" noEditPoints="1" noAdjustHandles="1" noChangeArrowheads="1" noChangeShapeType="1" noTextEdit="1"/>
-          </p:cNvSpPr>
-          <p:nvPr>
-            <p:extLst>
-              <p:ext uri="{386F3935-93C4-4BCD-93E2-E3B085C9AB24}">
-                <p16:designElem xmlns:p16="http://schemas.microsoft.com/office/powerpoint/2015/main" val="1"/>
-              </p:ext>
-            </p:extLst>
-          </p:nvPr>
-        </p:nvSpPr>
-        <p:spPr>
-          <a:xfrm>
-            <a:off x="0" y="0"/>
-            <a:ext cx="12191999" cy="6857365"/>
-          </a:xfrm>
-          <a:prstGeom prst="rect">
-            <a:avLst/>
-          </a:prstGeom>
-          <a:ln>
-            <a:noFill/>
-          </a:ln>
-        </p:spPr>
-        <p:style>
-          <a:lnRef idx="2">
-            <a:schemeClr val="accent1">
-              <a:shade val="50000"/>
-            </a:schemeClr>
-          </a:lnRef>
-          <a:fillRef idx="1">
-            <a:schemeClr val="accent1"/>
-          </a:fillRef>
-          <a:effectRef idx="0">
-            <a:schemeClr val="accent1"/>
-          </a:effectRef>
-          <a:fontRef idx="minor">
-            <a:schemeClr val="lt1"/>
-          </a:fontRef>
-        </p:style>
-        <p:txBody>
-          <a:bodyPr rtlCol="0" anchor="ctr"/>
-          <a:lstStyle/>
-          <a:p>
-            <a:pPr algn="ctr"/>
-            <a:endParaRPr lang="en-US"/>
-          </a:p>
-        </p:txBody>
-      </p:sp>
-      <p:sp>
-        <p:nvSpPr>
-          <p:cNvPr id="2" name="Title 1">
-            <a:extLst>
-              <a:ext uri="{FF2B5EF4-FFF2-40B4-BE49-F238E27FC236}">
-                <a16:creationId xmlns:a16="http://schemas.microsoft.com/office/drawing/2014/main" id="{4BEE9392-33AB-4C31-BB89-D5BA658A9A48}"/>
-              </a:ext>
-            </a:extLst>
-          </p:cNvPr>
-          <p:cNvSpPr>
-            <a:spLocks noGrp="1"/>
-          </p:cNvSpPr>
-          <p:nvPr>
-            <p:ph type="title"/>
-          </p:nvPr>
-        </p:nvSpPr>
-        <p:spPr>
-          <a:xfrm>
-            <a:off x="589559" y="856180"/>
-            <a:ext cx="4941229" cy="1128068"/>
-          </a:xfrm>
-        </p:spPr>
-        <p:txBody>
-          <a:bodyPr anchor="ctr">
-            <a:noAutofit/>
-          </a:bodyPr>
-          <a:lstStyle/>
-          <a:p>
-            <a:r>
-              <a:rPr lang="en-US" sz="3600" dirty="0"/>
-              <a:t>r/</a:t>
-            </a:r>
-            <a:r>
-              <a:rPr lang="en-US" sz="3600" dirty="0" err="1"/>
-              <a:t>MensLib</a:t>
-            </a:r>
-            <a:r>
-              <a:rPr lang="en-US" sz="3600" dirty="0"/>
-              <a:t>: </a:t>
-            </a:r>
-            <a:br>
-              <a:rPr lang="en-US" sz="3600" dirty="0"/>
-            </a:br>
-            <a:r>
-              <a:rPr lang="en-US" sz="2400" dirty="0">
-                <a:solidFill>
-                  <a:schemeClr val="bg1">
-                    <a:lumMod val="50000"/>
-                  </a:schemeClr>
-                </a:solidFill>
-              </a:rPr>
-              <a:t>Questioning ‘Traditional’ Masculinity</a:t>
-            </a:r>
-            <a:endParaRPr lang="en-SG" sz="2400" dirty="0">
-              <a:solidFill>
-                <a:schemeClr val="bg1">
-                  <a:lumMod val="50000"/>
-                </a:schemeClr>
-              </a:solidFill>
-            </a:endParaRPr>
-          </a:p>
-        </p:txBody>
-      </p:sp>
-      <p:grpSp>
-        <p:nvGrpSpPr>
-          <p:cNvPr id="31" name="Group 21">
-            <a:extLst>
-              <a:ext uri="{FF2B5EF4-FFF2-40B4-BE49-F238E27FC236}">
-                <a16:creationId xmlns:a16="http://schemas.microsoft.com/office/drawing/2014/main" id="{1DE889C7-FAD6-4397-98E2-05D503484459}"/>
-              </a:ext>
-              <a:ext uri="{C183D7F6-B498-43B3-948B-1728B52AA6E4}">
-                <adec:decorative xmlns:adec="http://schemas.microsoft.com/office/drawing/2017/decorative" val="1"/>
-              </a:ext>
-            </a:extLst>
-          </p:cNvPr>
-          <p:cNvGrpSpPr>
-            <a:grpSpLocks noGrp="1" noUngrp="1" noRot="1" noChangeAspect="1" noMove="1" noResize="1"/>
-          </p:cNvGrpSpPr>
-          <p:nvPr>
-            <p:extLst>
-              <p:ext uri="{386F3935-93C4-4BCD-93E2-E3B085C9AB24}">
-                <p16:designElem xmlns:p16="http://schemas.microsoft.com/office/powerpoint/2015/main" val="1"/>
-              </p:ext>
-            </p:extLst>
-          </p:nvPr>
-        </p:nvGrpSpPr>
-        <p:grpSpPr>
-          <a:xfrm>
-            <a:off x="0" y="1083484"/>
-            <a:ext cx="355196" cy="673460"/>
-            <a:chOff x="0" y="823811"/>
-            <a:chExt cx="355196" cy="673460"/>
-          </a:xfrm>
-        </p:grpSpPr>
-        <p:sp>
-          <p:nvSpPr>
-            <p:cNvPr id="23" name="Rectangle 22">
-              <a:extLst>
-                <a:ext uri="{FF2B5EF4-FFF2-40B4-BE49-F238E27FC236}">
-                  <a16:creationId xmlns:a16="http://schemas.microsoft.com/office/drawing/2014/main" id="{F399A70F-F8CD-4992-9EF5-6CF15472E73F}"/>
-                </a:ext>
-                <a:ext uri="{C183D7F6-B498-43B3-948B-1728B52AA6E4}">
-                  <adec:decorative xmlns:adec="http://schemas.microsoft.com/office/drawing/2017/decorative" val="1"/>
-                </a:ext>
-              </a:extLst>
-            </p:cNvPr>
-            <p:cNvSpPr/>
-            <p:nvPr>
-              <p:extLst>
-                <p:ext uri="{386F3935-93C4-4BCD-93E2-E3B085C9AB24}">
-                  <p16:designElem xmlns:p16="http://schemas.microsoft.com/office/powerpoint/2015/main" val="1"/>
-                </p:ext>
-              </p:extLst>
-            </p:nvPr>
-          </p:nvSpPr>
-          <p:spPr>
-            <a:xfrm>
-              <a:off x="0" y="823811"/>
-              <a:ext cx="87363" cy="673460"/>
-            </a:xfrm>
-            <a:prstGeom prst="rect">
-              <a:avLst/>
-            </a:prstGeom>
-            <a:solidFill>
-              <a:schemeClr val="accent4"/>
-            </a:solidFill>
-            <a:ln>
-              <a:noFill/>
-            </a:ln>
-          </p:spPr>
-          <p:style>
-            <a:lnRef idx="2">
-              <a:schemeClr val="accent1">
-                <a:shade val="50000"/>
-              </a:schemeClr>
-            </a:lnRef>
-            <a:fillRef idx="1">
-              <a:schemeClr val="accent1"/>
-            </a:fillRef>
-            <a:effectRef idx="0">
-              <a:schemeClr val="accent1"/>
-            </a:effectRef>
-            <a:fontRef idx="minor">
-              <a:schemeClr val="lt1"/>
-            </a:fontRef>
-          </p:style>
-          <p:txBody>
-            <a:bodyPr rtlCol="0" anchor="ctr"/>
-            <a:lstStyle/>
-            <a:p>
-              <a:pPr algn="ctr"/>
-              <a:endParaRPr lang="en-US"/>
-            </a:p>
-          </p:txBody>
-        </p:sp>
-        <p:sp>
-          <p:nvSpPr>
-            <p:cNvPr id="24" name="Rectangle 23">
-              <a:extLst>
-                <a:ext uri="{FF2B5EF4-FFF2-40B4-BE49-F238E27FC236}">
-                  <a16:creationId xmlns:a16="http://schemas.microsoft.com/office/drawing/2014/main" id="{48F4FEDC-6D80-458C-A665-075D9B9500FD}"/>
-                </a:ext>
-                <a:ext uri="{C183D7F6-B498-43B3-948B-1728B52AA6E4}">
-                  <adec:decorative xmlns:adec="http://schemas.microsoft.com/office/drawing/2017/decorative" val="1"/>
-                </a:ext>
-              </a:extLst>
-            </p:cNvPr>
-            <p:cNvSpPr/>
-            <p:nvPr>
-              <p:extLst>
-                <p:ext uri="{386F3935-93C4-4BCD-93E2-E3B085C9AB24}">
-                  <p16:designElem xmlns:p16="http://schemas.microsoft.com/office/powerpoint/2015/main" val="1"/>
-                </p:ext>
-              </p:extLst>
-            </p:nvPr>
-          </p:nvSpPr>
-          <p:spPr>
-            <a:xfrm>
-              <a:off x="159341" y="823811"/>
-              <a:ext cx="195855" cy="673460"/>
-            </a:xfrm>
-            <a:prstGeom prst="rect">
-              <a:avLst/>
-            </a:prstGeom>
-            <a:solidFill>
-              <a:schemeClr val="accent4"/>
-            </a:solidFill>
-            <a:ln>
-              <a:noFill/>
-            </a:ln>
-          </p:spPr>
-          <p:style>
-            <a:lnRef idx="2">
-              <a:schemeClr val="accent1">
-                <a:shade val="50000"/>
-              </a:schemeClr>
-            </a:lnRef>
-            <a:fillRef idx="1">
-              <a:schemeClr val="accent1"/>
-            </a:fillRef>
-            <a:effectRef idx="0">
-              <a:schemeClr val="accent1"/>
-            </a:effectRef>
-            <a:fontRef idx="minor">
-              <a:schemeClr val="lt1"/>
-            </a:fontRef>
-          </p:style>
-          <p:txBody>
-            <a:bodyPr rtlCol="0" anchor="ctr"/>
-            <a:lstStyle/>
-            <a:p>
-              <a:pPr algn="ctr"/>
-              <a:endParaRPr lang="en-US"/>
-            </a:p>
-          </p:txBody>
-        </p:sp>
-      </p:grpSp>
-      <p:sp>
-        <p:nvSpPr>
-          <p:cNvPr id="32" name="Rectangle 25">
-            <a:extLst>
-              <a:ext uri="{FF2B5EF4-FFF2-40B4-BE49-F238E27FC236}">
-                <a16:creationId xmlns:a16="http://schemas.microsoft.com/office/drawing/2014/main" id="{3873B707-463F-40B0-8227-E8CC6C67EB25}"/>
-              </a:ext>
-              <a:ext uri="{C183D7F6-B498-43B3-948B-1728B52AA6E4}">
-                <adec:decorative xmlns:adec="http://schemas.microsoft.com/office/drawing/2017/decorative" val="1"/>
-              </a:ext>
-            </a:extLst>
-          </p:cNvPr>
-          <p:cNvSpPr>
-            <a:spLocks noGrp="1" noRot="1" noChangeAspect="1" noMove="1" noResize="1" noEditPoints="1" noAdjustHandles="1" noChangeArrowheads="1" noChangeShapeType="1" noTextEdit="1"/>
-          </p:cNvSpPr>
-          <p:nvPr>
-            <p:extLst>
-              <p:ext uri="{386F3935-93C4-4BCD-93E2-E3B085C9AB24}">
-                <p16:designElem xmlns:p16="http://schemas.microsoft.com/office/powerpoint/2015/main" val="1"/>
-              </p:ext>
-            </p:extLst>
-          </p:nvPr>
-        </p:nvSpPr>
-        <p:spPr>
-          <a:xfrm flipH="1">
-            <a:off x="665085" y="2090569"/>
-            <a:ext cx="4297680" cy="27432"/>
-          </a:xfrm>
-          <a:prstGeom prst="rect">
-            <a:avLst/>
-          </a:prstGeom>
-          <a:solidFill>
-            <a:schemeClr val="accent4"/>
-          </a:solidFill>
-          <a:ln>
-            <a:noFill/>
-          </a:ln>
-        </p:spPr>
-        <p:style>
-          <a:lnRef idx="2">
-            <a:schemeClr val="accent1">
-              <a:shade val="50000"/>
-            </a:schemeClr>
-          </a:lnRef>
-          <a:fillRef idx="1">
-            <a:schemeClr val="accent1"/>
-          </a:fillRef>
-          <a:effectRef idx="0">
-            <a:schemeClr val="accent1"/>
-          </a:effectRef>
-          <a:fontRef idx="minor">
-            <a:schemeClr val="lt1"/>
-          </a:fontRef>
-        </p:style>
-        <p:txBody>
-          <a:bodyPr rtlCol="0" anchor="ctr"/>
-          <a:lstStyle/>
-          <a:p>
-            <a:pPr algn="ctr"/>
-            <a:endParaRPr lang="en-US"/>
-          </a:p>
-        </p:txBody>
-      </p:sp>
-      <p:sp>
-        <p:nvSpPr>
-          <p:cNvPr id="3" name="Content Placeholder 2">
-            <a:extLst>
-              <a:ext uri="{FF2B5EF4-FFF2-40B4-BE49-F238E27FC236}">
-                <a16:creationId xmlns:a16="http://schemas.microsoft.com/office/drawing/2014/main" id="{65636415-BDF4-4668-867B-7D34995346D6}"/>
-              </a:ext>
-            </a:extLst>
-          </p:cNvPr>
-          <p:cNvSpPr>
-            <a:spLocks noGrp="1"/>
-          </p:cNvSpPr>
-          <p:nvPr>
-            <p:ph idx="1"/>
-          </p:nvPr>
-        </p:nvSpPr>
-        <p:spPr>
-          <a:xfrm>
-            <a:off x="355197" y="2330505"/>
-            <a:ext cx="4794948" cy="4176621"/>
-          </a:xfrm>
-        </p:spPr>
-        <p:txBody>
-          <a:bodyPr anchor="ctr">
-            <a:normAutofit/>
-          </a:bodyPr>
-          <a:lstStyle/>
-          <a:p>
-            <a:r>
-              <a:rPr lang="en-US" sz="2000" dirty="0">
-                <a:ea typeface="Roboto" panose="02000000000000000000" pitchFamily="2" charset="0"/>
-              </a:rPr>
-              <a:t>“Whether I’m on a basketball court, in a boardroom, at the pub, or in the bedroom, my </a:t>
-            </a:r>
-            <a:r>
-              <a:rPr lang="en-US" sz="2000" b="1" u="sng" dirty="0">
-                <a:ea typeface="Roboto" panose="02000000000000000000" pitchFamily="2" charset="0"/>
-              </a:rPr>
-              <a:t>masculinity</a:t>
-            </a:r>
-            <a:r>
-              <a:rPr lang="en-US" sz="2000" dirty="0">
-                <a:ea typeface="Roboto" panose="02000000000000000000" pitchFamily="2" charset="0"/>
-              </a:rPr>
-              <a:t> will be different in each context [...] It’s a performance, and it changes based not only on the setting, but also the other players taking part in the scene.”</a:t>
-            </a:r>
-            <a:br>
-              <a:rPr lang="en-US" sz="2000" dirty="0">
-                <a:ea typeface="Roboto" panose="02000000000000000000" pitchFamily="2" charset="0"/>
-              </a:rPr>
-            </a:br>
-            <a:endParaRPr lang="en-US" sz="2000" dirty="0">
-              <a:ea typeface="Roboto" panose="02000000000000000000" pitchFamily="2" charset="0"/>
-            </a:endParaRPr>
-          </a:p>
-          <a:p>
-            <a:r>
-              <a:rPr lang="en-US" sz="2000" dirty="0">
-                <a:ea typeface="Roboto" panose="02000000000000000000" pitchFamily="2" charset="0"/>
-              </a:rPr>
-              <a:t>“It's obvious that *toxic* </a:t>
-            </a:r>
-            <a:r>
-              <a:rPr lang="en-US" sz="2000" b="1" u="sng" dirty="0">
-                <a:ea typeface="Roboto" panose="02000000000000000000" pitchFamily="2" charset="0"/>
-              </a:rPr>
-              <a:t>masculinity</a:t>
-            </a:r>
-            <a:r>
-              <a:rPr lang="en-US" sz="2000" dirty="0">
-                <a:ea typeface="Roboto" panose="02000000000000000000" pitchFamily="2" charset="0"/>
-              </a:rPr>
-              <a:t> is bad, but what about concepts of </a:t>
-            </a:r>
-            <a:r>
-              <a:rPr lang="en-US" sz="2000" b="1" u="sng" dirty="0">
-                <a:ea typeface="Roboto" panose="02000000000000000000" pitchFamily="2" charset="0"/>
-              </a:rPr>
-              <a:t>masculinity</a:t>
-            </a:r>
-            <a:r>
-              <a:rPr lang="en-US" sz="2000" dirty="0">
-                <a:ea typeface="Roboto" panose="02000000000000000000" pitchFamily="2" charset="0"/>
-              </a:rPr>
-              <a:t> and femininity as a whole? Are they necessary to keep around, or do they only exist to put people in boxes and perpetuate stereotypes? “</a:t>
-            </a:r>
-          </a:p>
-        </p:txBody>
-      </p:sp>
-      <p:sp>
-        <p:nvSpPr>
-          <p:cNvPr id="28" name="Rectangle 27">
-            <a:extLst>
-              <a:ext uri="{FF2B5EF4-FFF2-40B4-BE49-F238E27FC236}">
-                <a16:creationId xmlns:a16="http://schemas.microsoft.com/office/drawing/2014/main" id="{C13237C8-E62C-4F0D-A318-BD6FB6C2D138}"/>
-              </a:ext>
-              <a:ext uri="{C183D7F6-B498-43B3-948B-1728B52AA6E4}">
-                <adec:decorative xmlns:adec="http://schemas.microsoft.com/office/drawing/2017/decorative" val="1"/>
-              </a:ext>
-            </a:extLst>
-          </p:cNvPr>
-          <p:cNvSpPr>
-            <a:spLocks noGrp="1" noRot="1" noChangeAspect="1" noMove="1" noResize="1" noEditPoints="1" noAdjustHandles="1" noChangeArrowheads="1" noChangeShapeType="1" noTextEdit="1"/>
-          </p:cNvSpPr>
-          <p:nvPr>
-            <p:extLst>
-              <p:ext uri="{386F3935-93C4-4BCD-93E2-E3B085C9AB24}">
-                <p16:designElem xmlns:p16="http://schemas.microsoft.com/office/powerpoint/2015/main" val="1"/>
-              </p:ext>
-            </p:extLst>
-          </p:nvPr>
-        </p:nvSpPr>
-        <p:spPr>
-          <a:xfrm flipH="1">
-            <a:off x="10697670" y="0"/>
-            <a:ext cx="1494330" cy="6858000"/>
-          </a:xfrm>
-          <a:prstGeom prst="rect">
-            <a:avLst/>
-          </a:prstGeom>
-          <a:solidFill>
-            <a:schemeClr val="accent4"/>
-          </a:solidFill>
-          <a:ln>
-            <a:noFill/>
-          </a:ln>
-        </p:spPr>
-        <p:style>
-          <a:lnRef idx="2">
-            <a:schemeClr val="accent1">
-              <a:shade val="50000"/>
-            </a:schemeClr>
-          </a:lnRef>
-          <a:fillRef idx="1">
-            <a:schemeClr val="accent1"/>
-          </a:fillRef>
-          <a:effectRef idx="0">
-            <a:schemeClr val="accent1"/>
-          </a:effectRef>
-          <a:fontRef idx="minor">
-            <a:schemeClr val="lt1"/>
-          </a:fontRef>
-        </p:style>
-        <p:txBody>
-          <a:bodyPr rtlCol="0" anchor="ctr"/>
-          <a:lstStyle/>
-          <a:p>
-            <a:pPr algn="ctr"/>
-            <a:endParaRPr lang="en-US"/>
-          </a:p>
-        </p:txBody>
-      </p:sp>
-      <p:sp>
-        <p:nvSpPr>
-          <p:cNvPr id="30" name="Rectangle 29">
-            <a:extLst>
-              <a:ext uri="{FF2B5EF4-FFF2-40B4-BE49-F238E27FC236}">
-                <a16:creationId xmlns:a16="http://schemas.microsoft.com/office/drawing/2014/main" id="{19C9EAEA-39D0-4B0E-A0EB-51E7B26740B1}"/>
-              </a:ext>
-              <a:ext uri="{C183D7F6-B498-43B3-948B-1728B52AA6E4}">
-                <adec:decorative xmlns:adec="http://schemas.microsoft.com/office/drawing/2017/decorative" val="1"/>
-              </a:ext>
-            </a:extLst>
-          </p:cNvPr>
-          <p:cNvSpPr>
-            <a:spLocks noGrp="1" noRot="1" noChangeAspect="1" noMove="1" noResize="1" noEditPoints="1" noAdjustHandles="1" noChangeArrowheads="1" noChangeShapeType="1" noTextEdit="1"/>
-          </p:cNvSpPr>
-          <p:nvPr>
-            <p:extLst>
-              <p:ext uri="{386F3935-93C4-4BCD-93E2-E3B085C9AB24}">
-                <p16:designElem xmlns:p16="http://schemas.microsoft.com/office/powerpoint/2015/main" val="1"/>
-              </p:ext>
-            </p:extLst>
-          </p:nvPr>
-        </p:nvSpPr>
-        <p:spPr>
-          <a:xfrm>
-            <a:off x="5685810" y="513853"/>
-            <a:ext cx="6009366" cy="5834577"/>
-          </a:xfrm>
-          <a:prstGeom prst="rect">
-            <a:avLst/>
-          </a:prstGeom>
-          <a:solidFill>
-            <a:schemeClr val="bg1"/>
-          </a:solidFill>
-          <a:ln>
-            <a:noFill/>
-          </a:ln>
-          <a:effectLst>
-            <a:outerShdw blurRad="139700" dist="127000" dir="5400000" algn="t" rotWithShape="0">
-              <a:prstClr val="black">
-                <a:alpha val="15000"/>
-              </a:prstClr>
-            </a:outerShdw>
-          </a:effectLst>
-        </p:spPr>
-        <p:style>
-          <a:lnRef idx="2">
-            <a:schemeClr val="accent1">
-              <a:shade val="50000"/>
-            </a:schemeClr>
-          </a:lnRef>
-          <a:fillRef idx="1">
-            <a:schemeClr val="accent1"/>
-          </a:fillRef>
-          <a:effectRef idx="0">
-            <a:schemeClr val="accent1"/>
-          </a:effectRef>
-          <a:fontRef idx="minor">
-            <a:schemeClr val="lt1"/>
-          </a:fontRef>
-        </p:style>
-        <p:txBody>
-          <a:bodyPr rtlCol="0" anchor="ctr"/>
-          <a:lstStyle/>
-          <a:p>
-            <a:pPr algn="ctr"/>
-            <a:endParaRPr lang="en-US"/>
-          </a:p>
-        </p:txBody>
-      </p:sp>
-      <p:pic>
-        <p:nvPicPr>
-          <p:cNvPr id="12" name="Picture 11">
-            <a:extLst>
-              <a:ext uri="{FF2B5EF4-FFF2-40B4-BE49-F238E27FC236}">
-                <a16:creationId xmlns:a16="http://schemas.microsoft.com/office/drawing/2014/main" id="{F5F70E49-4E22-45AF-8265-6D34172FC0DC}"/>
-              </a:ext>
-            </a:extLst>
-          </p:cNvPr>
-          <p:cNvPicPr>
-            <a:picLocks noChangeAspect="1"/>
-          </p:cNvPicPr>
-          <p:nvPr/>
-        </p:nvPicPr>
-        <p:blipFill rotWithShape="1">
-          <a:blip r:embed="rId2"/>
-          <a:srcRect r="1742" b="1"/>
-          <a:stretch/>
-        </p:blipFill>
-        <p:spPr>
-          <a:xfrm>
-            <a:off x="5740863" y="629105"/>
-            <a:ext cx="5860418" cy="5680985"/>
-          </a:xfrm>
-          <a:prstGeom prst="rect">
-            <a:avLst/>
-          </a:prstGeom>
-        </p:spPr>
-      </p:pic>
-    </p:spTree>
-    <p:extLst>
-      <p:ext uri="{BB962C8B-B14F-4D97-AF65-F5344CB8AC3E}">
-        <p14:creationId xmlns:p14="http://schemas.microsoft.com/office/powerpoint/2010/main" val="3031535676"/>
-      </p:ext>
-    </p:extLst>
-  </p:cSld>
-  <p:clrMapOvr>
-    <a:masterClrMapping/>
-  </p:clrMapOvr>
-</p:sld>
-</file>
-
-<file path=ppt/slides/slide9.xml><?xml version="1.0" encoding="utf-8"?>
-<p:sld xmlns:a="http://schemas.openxmlformats.org/drawingml/2006/main" xmlns:r="http://schemas.openxmlformats.org/officeDocument/2006/relationships" xmlns:p="http://schemas.openxmlformats.org/presentationml/2006/main">
-  <p:cSld>
-    <p:bg>
-      <p:bgPr>
-        <a:solidFill>
-          <a:schemeClr val="bg1"/>
-        </a:solidFill>
-        <a:effectLst/>
-      </p:bgPr>
-    </p:bg>
-    <p:spTree>
-      <p:nvGrpSpPr>
-        <p:cNvPr id="1" name=""/>
-        <p:cNvGrpSpPr/>
-        <p:nvPr/>
-      </p:nvGrpSpPr>
-      <p:grpSpPr>
-        <a:xfrm>
-          <a:off x="0" y="0"/>
-          <a:ext cx="0" cy="0"/>
-          <a:chOff x="0" y="0"/>
-          <a:chExt cx="0" cy="0"/>
-        </a:xfrm>
-      </p:grpSpPr>
-      <p:sp useBgFill="1">
-        <p:nvSpPr>
-          <p:cNvPr id="6" name="Rectangle 8">
-            <a:extLst>
-              <a:ext uri="{FF2B5EF4-FFF2-40B4-BE49-F238E27FC236}">
-                <a16:creationId xmlns:a16="http://schemas.microsoft.com/office/drawing/2014/main" id="{201CC55D-ED54-4C5C-95E6-10947BD1103B}"/>
-              </a:ext>
-              <a:ext uri="{C183D7F6-B498-43B3-948B-1728B52AA6E4}">
-                <adec:decorative xmlns:adec="http://schemas.microsoft.com/office/drawing/2017/decorative" val="1"/>
-              </a:ext>
-            </a:extLst>
-          </p:cNvPr>
-          <p:cNvSpPr>
-            <a:spLocks noGrp="1" noRot="1" noChangeAspect="1" noMove="1" noResize="1" noEditPoints="1" noAdjustHandles="1" noChangeArrowheads="1" noChangeShapeType="1" noTextEdit="1"/>
-          </p:cNvSpPr>
-          <p:nvPr>
-            <p:extLst>
-              <p:ext uri="{386F3935-93C4-4BCD-93E2-E3B085C9AB24}">
-                <p16:designElem xmlns:p16="http://schemas.microsoft.com/office/powerpoint/2015/main" val="1"/>
-              </p:ext>
-            </p:extLst>
-          </p:nvPr>
-        </p:nvSpPr>
-        <p:spPr>
-          <a:xfrm>
-            <a:off x="0" y="0"/>
-            <a:ext cx="12191999" cy="6857365"/>
-          </a:xfrm>
-          <a:prstGeom prst="rect">
-            <a:avLst/>
-          </a:prstGeom>
-          <a:ln>
-            <a:noFill/>
-          </a:ln>
-        </p:spPr>
-        <p:style>
-          <a:lnRef idx="2">
-            <a:schemeClr val="accent1">
-              <a:shade val="50000"/>
-            </a:schemeClr>
-          </a:lnRef>
-          <a:fillRef idx="1">
-            <a:schemeClr val="accent1"/>
-          </a:fillRef>
-          <a:effectRef idx="0">
-            <a:schemeClr val="accent1"/>
-          </a:effectRef>
-          <a:fontRef idx="minor">
-            <a:schemeClr val="lt1"/>
-          </a:fontRef>
-        </p:style>
-        <p:txBody>
-          <a:bodyPr rtlCol="0" anchor="ctr"/>
-          <a:lstStyle/>
-          <a:p>
-            <a:pPr algn="ctr"/>
-            <a:endParaRPr lang="en-US"/>
-          </a:p>
-        </p:txBody>
-      </p:sp>
-      <p:sp>
-        <p:nvSpPr>
-          <p:cNvPr id="2" name="Title 1">
-            <a:extLst>
-              <a:ext uri="{FF2B5EF4-FFF2-40B4-BE49-F238E27FC236}">
-                <a16:creationId xmlns:a16="http://schemas.microsoft.com/office/drawing/2014/main" id="{4BEE9392-33AB-4C31-BB89-D5BA658A9A48}"/>
-              </a:ext>
-            </a:extLst>
-          </p:cNvPr>
-          <p:cNvSpPr>
-            <a:spLocks noGrp="1"/>
-          </p:cNvSpPr>
-          <p:nvPr>
-            <p:ph type="title"/>
-          </p:nvPr>
-        </p:nvSpPr>
-        <p:spPr>
-          <a:xfrm>
-            <a:off x="589560" y="856180"/>
-            <a:ext cx="4373206" cy="1128068"/>
-          </a:xfrm>
-        </p:spPr>
-        <p:txBody>
-          <a:bodyPr anchor="ctr">
-            <a:normAutofit/>
-          </a:bodyPr>
-          <a:lstStyle/>
-          <a:p>
-            <a:r>
-              <a:rPr lang="en-US" sz="3600" dirty="0"/>
-              <a:t>r/</a:t>
-            </a:r>
-            <a:r>
-              <a:rPr lang="en-US" sz="3600" dirty="0" err="1"/>
-              <a:t>MensLib</a:t>
-            </a:r>
-            <a:r>
-              <a:rPr lang="en-US" sz="3600" dirty="0"/>
-              <a:t>: </a:t>
-            </a:r>
-            <a:br>
-              <a:rPr lang="en-US" sz="2500" dirty="0"/>
-            </a:br>
-            <a:r>
-              <a:rPr lang="en-US" sz="2400" dirty="0">
-                <a:solidFill>
-                  <a:schemeClr val="bg1">
-                    <a:lumMod val="50000"/>
-                  </a:schemeClr>
-                </a:solidFill>
-              </a:rPr>
-              <a:t>Discussion of LGBTQ/POC Issues</a:t>
-            </a:r>
-            <a:endParaRPr lang="en-SG" sz="2400" dirty="0">
-              <a:solidFill>
-                <a:schemeClr val="bg1">
-                  <a:lumMod val="50000"/>
-                </a:schemeClr>
-              </a:solidFill>
-            </a:endParaRPr>
-          </a:p>
-        </p:txBody>
-      </p:sp>
-      <p:grpSp>
-        <p:nvGrpSpPr>
-          <p:cNvPr id="10" name="Group 10">
-            <a:extLst>
-              <a:ext uri="{FF2B5EF4-FFF2-40B4-BE49-F238E27FC236}">
-                <a16:creationId xmlns:a16="http://schemas.microsoft.com/office/drawing/2014/main" id="{1DE889C7-FAD6-4397-98E2-05D503484459}"/>
-              </a:ext>
-              <a:ext uri="{C183D7F6-B498-43B3-948B-1728B52AA6E4}">
-                <adec:decorative xmlns:adec="http://schemas.microsoft.com/office/drawing/2017/decorative" val="1"/>
-              </a:ext>
-            </a:extLst>
-          </p:cNvPr>
-          <p:cNvGrpSpPr>
-            <a:grpSpLocks noGrp="1" noUngrp="1" noRot="1" noChangeAspect="1" noMove="1" noResize="1"/>
-          </p:cNvGrpSpPr>
-          <p:nvPr>
-            <p:extLst>
-              <p:ext uri="{386F3935-93C4-4BCD-93E2-E3B085C9AB24}">
-                <p16:designElem xmlns:p16="http://schemas.microsoft.com/office/powerpoint/2015/main" val="1"/>
-              </p:ext>
-            </p:extLst>
-          </p:nvPr>
-        </p:nvGrpSpPr>
-        <p:grpSpPr>
-          <a:xfrm>
-            <a:off x="0" y="1083484"/>
-            <a:ext cx="355196" cy="673460"/>
-            <a:chOff x="0" y="823811"/>
-            <a:chExt cx="355196" cy="673460"/>
-          </a:xfrm>
-        </p:grpSpPr>
-        <p:sp>
-          <p:nvSpPr>
-            <p:cNvPr id="12" name="Rectangle 11">
-              <a:extLst>
-                <a:ext uri="{FF2B5EF4-FFF2-40B4-BE49-F238E27FC236}">
-                  <a16:creationId xmlns:a16="http://schemas.microsoft.com/office/drawing/2014/main" id="{F399A70F-F8CD-4992-9EF5-6CF15472E73F}"/>
-                </a:ext>
-                <a:ext uri="{C183D7F6-B498-43B3-948B-1728B52AA6E4}">
-                  <adec:decorative xmlns:adec="http://schemas.microsoft.com/office/drawing/2017/decorative" val="1"/>
-                </a:ext>
-              </a:extLst>
-            </p:cNvPr>
-            <p:cNvSpPr/>
-            <p:nvPr>
-              <p:extLst>
-                <p:ext uri="{386F3935-93C4-4BCD-93E2-E3B085C9AB24}">
-                  <p16:designElem xmlns:p16="http://schemas.microsoft.com/office/powerpoint/2015/main" val="1"/>
-                </p:ext>
-              </p:extLst>
-            </p:nvPr>
-          </p:nvSpPr>
-          <p:spPr>
-            <a:xfrm>
-              <a:off x="0" y="823811"/>
-              <a:ext cx="87363" cy="673460"/>
-            </a:xfrm>
-            <a:prstGeom prst="rect">
-              <a:avLst/>
-            </a:prstGeom>
-            <a:solidFill>
-              <a:schemeClr val="accent4"/>
-            </a:solidFill>
-            <a:ln>
-              <a:noFill/>
-            </a:ln>
-          </p:spPr>
-          <p:style>
-            <a:lnRef idx="2">
-              <a:schemeClr val="accent1">
-                <a:shade val="50000"/>
-              </a:schemeClr>
-            </a:lnRef>
-            <a:fillRef idx="1">
-              <a:schemeClr val="accent1"/>
-            </a:fillRef>
-            <a:effectRef idx="0">
-              <a:schemeClr val="accent1"/>
-            </a:effectRef>
-            <a:fontRef idx="minor">
-              <a:schemeClr val="lt1"/>
-            </a:fontRef>
-          </p:style>
-          <p:txBody>
-            <a:bodyPr rtlCol="0" anchor="ctr"/>
-            <a:lstStyle/>
-            <a:p>
-              <a:pPr algn="ctr"/>
-              <a:endParaRPr lang="en-US"/>
-            </a:p>
-          </p:txBody>
-        </p:sp>
-        <p:sp>
-          <p:nvSpPr>
-            <p:cNvPr id="13" name="Rectangle 12">
-              <a:extLst>
-                <a:ext uri="{FF2B5EF4-FFF2-40B4-BE49-F238E27FC236}">
-                  <a16:creationId xmlns:a16="http://schemas.microsoft.com/office/drawing/2014/main" id="{48F4FEDC-6D80-458C-A665-075D9B9500FD}"/>
-                </a:ext>
-                <a:ext uri="{C183D7F6-B498-43B3-948B-1728B52AA6E4}">
-                  <adec:decorative xmlns:adec="http://schemas.microsoft.com/office/drawing/2017/decorative" val="1"/>
-                </a:ext>
-              </a:extLst>
-            </p:cNvPr>
-            <p:cNvSpPr/>
-            <p:nvPr>
-              <p:extLst>
-                <p:ext uri="{386F3935-93C4-4BCD-93E2-E3B085C9AB24}">
-                  <p16:designElem xmlns:p16="http://schemas.microsoft.com/office/powerpoint/2015/main" val="1"/>
-                </p:ext>
-              </p:extLst>
-            </p:nvPr>
-          </p:nvSpPr>
-          <p:spPr>
-            <a:xfrm>
-              <a:off x="159341" y="823811"/>
-              <a:ext cx="195855" cy="673460"/>
-            </a:xfrm>
-            <a:prstGeom prst="rect">
-              <a:avLst/>
-            </a:prstGeom>
-            <a:solidFill>
-              <a:schemeClr val="accent4"/>
-            </a:solidFill>
-            <a:ln>
-              <a:noFill/>
-            </a:ln>
-          </p:spPr>
-          <p:style>
-            <a:lnRef idx="2">
-              <a:schemeClr val="accent1">
-                <a:shade val="50000"/>
-              </a:schemeClr>
-            </a:lnRef>
-            <a:fillRef idx="1">
-              <a:schemeClr val="accent1"/>
-            </a:fillRef>
-            <a:effectRef idx="0">
-              <a:schemeClr val="accent1"/>
-            </a:effectRef>
-            <a:fontRef idx="minor">
-              <a:schemeClr val="lt1"/>
-            </a:fontRef>
-          </p:style>
-          <p:txBody>
-            <a:bodyPr rtlCol="0" anchor="ctr"/>
-            <a:lstStyle/>
-            <a:p>
-              <a:pPr algn="ctr"/>
-              <a:endParaRPr lang="en-US"/>
-            </a:p>
-          </p:txBody>
-        </p:sp>
-      </p:grpSp>
-      <p:sp>
-        <p:nvSpPr>
-          <p:cNvPr id="14" name="Rectangle 14">
-            <a:extLst>
-              <a:ext uri="{FF2B5EF4-FFF2-40B4-BE49-F238E27FC236}">
-                <a16:creationId xmlns:a16="http://schemas.microsoft.com/office/drawing/2014/main" id="{3873B707-463F-40B0-8227-E8CC6C67EB25}"/>
-              </a:ext>
-              <a:ext uri="{C183D7F6-B498-43B3-948B-1728B52AA6E4}">
-                <adec:decorative xmlns:adec="http://schemas.microsoft.com/office/drawing/2017/decorative" val="1"/>
-              </a:ext>
-            </a:extLst>
-          </p:cNvPr>
-          <p:cNvSpPr>
-            <a:spLocks noGrp="1" noRot="1" noChangeAspect="1" noMove="1" noResize="1" noEditPoints="1" noAdjustHandles="1" noChangeArrowheads="1" noChangeShapeType="1" noTextEdit="1"/>
-          </p:cNvSpPr>
-          <p:nvPr>
-            <p:extLst>
-              <p:ext uri="{386F3935-93C4-4BCD-93E2-E3B085C9AB24}">
-                <p16:designElem xmlns:p16="http://schemas.microsoft.com/office/powerpoint/2015/main" val="1"/>
-              </p:ext>
-            </p:extLst>
-          </p:nvPr>
-        </p:nvSpPr>
-        <p:spPr>
-          <a:xfrm flipH="1">
-            <a:off x="665085" y="2090569"/>
-            <a:ext cx="4297680" cy="27432"/>
-          </a:xfrm>
-          <a:prstGeom prst="rect">
-            <a:avLst/>
-          </a:prstGeom>
-          <a:solidFill>
-            <a:schemeClr val="accent4"/>
-          </a:solidFill>
-          <a:ln>
-            <a:noFill/>
-          </a:ln>
-        </p:spPr>
-        <p:style>
-          <a:lnRef idx="2">
-            <a:schemeClr val="accent1">
-              <a:shade val="50000"/>
-            </a:schemeClr>
-          </a:lnRef>
-          <a:fillRef idx="1">
-            <a:schemeClr val="accent1"/>
-          </a:fillRef>
-          <a:effectRef idx="0">
-            <a:schemeClr val="accent1"/>
-          </a:effectRef>
-          <a:fontRef idx="minor">
-            <a:schemeClr val="lt1"/>
-          </a:fontRef>
-        </p:style>
-        <p:txBody>
-          <a:bodyPr rtlCol="0" anchor="ctr"/>
-          <a:lstStyle/>
-          <a:p>
-            <a:pPr algn="ctr"/>
-            <a:endParaRPr lang="en-US"/>
-          </a:p>
-        </p:txBody>
-      </p:sp>
-      <p:sp>
-        <p:nvSpPr>
-          <p:cNvPr id="3" name="Content Placeholder 2">
-            <a:extLst>
-              <a:ext uri="{FF2B5EF4-FFF2-40B4-BE49-F238E27FC236}">
-                <a16:creationId xmlns:a16="http://schemas.microsoft.com/office/drawing/2014/main" id="{65636415-BDF4-4668-867B-7D34995346D6}"/>
-              </a:ext>
-            </a:extLst>
-          </p:cNvPr>
-          <p:cNvSpPr>
-            <a:spLocks noGrp="1"/>
-          </p:cNvSpPr>
-          <p:nvPr>
-            <p:ph idx="1"/>
-          </p:nvPr>
-        </p:nvSpPr>
-        <p:spPr>
-          <a:xfrm>
-            <a:off x="265814" y="2136774"/>
-            <a:ext cx="4883171" cy="4680817"/>
-          </a:xfrm>
-        </p:spPr>
-        <p:txBody>
-          <a:bodyPr anchor="ctr">
-            <a:noAutofit/>
-          </a:bodyPr>
-          <a:lstStyle/>
-          <a:p>
-            <a:r>
-              <a:rPr lang="en-US" sz="1900" dirty="0">
-                <a:ea typeface="Roboto" panose="02000000000000000000" pitchFamily="2" charset="0"/>
-              </a:rPr>
-              <a:t>“It didn't take me very long even as a kid to realize that I didn't really fit the societal image of what a </a:t>
-            </a:r>
-            <a:r>
-              <a:rPr lang="en-US" sz="1900" b="1" u="sng" dirty="0">
-                <a:ea typeface="Roboto" panose="02000000000000000000" pitchFamily="2" charset="0"/>
-              </a:rPr>
-              <a:t>black man</a:t>
-            </a:r>
-            <a:r>
-              <a:rPr lang="en-US" sz="1900" b="1" dirty="0">
-                <a:ea typeface="Roboto" panose="02000000000000000000" pitchFamily="2" charset="0"/>
-              </a:rPr>
-              <a:t> </a:t>
-            </a:r>
-            <a:r>
-              <a:rPr lang="en-US" sz="1900" dirty="0">
-                <a:ea typeface="Roboto" panose="02000000000000000000" pitchFamily="2" charset="0"/>
-              </a:rPr>
-              <a:t>should be… I never did grow into common cultural image of </a:t>
-            </a:r>
-            <a:r>
-              <a:rPr lang="en-US" sz="1900" b="1" u="sng" dirty="0">
-                <a:ea typeface="Roboto" panose="02000000000000000000" pitchFamily="2" charset="0"/>
-              </a:rPr>
-              <a:t>black men</a:t>
-            </a:r>
-            <a:r>
-              <a:rPr lang="en-US" sz="1900" b="1" dirty="0">
-                <a:ea typeface="Roboto" panose="02000000000000000000" pitchFamily="2" charset="0"/>
-              </a:rPr>
-              <a:t> </a:t>
-            </a:r>
-            <a:r>
-              <a:rPr lang="en-US" sz="1900" dirty="0">
-                <a:ea typeface="Roboto" panose="02000000000000000000" pitchFamily="2" charset="0"/>
-              </a:rPr>
-              <a:t>as tall, muscular, sexy, confident”</a:t>
-            </a:r>
-            <a:br>
-              <a:rPr lang="en-US" sz="1900" dirty="0">
-                <a:ea typeface="Roboto" panose="02000000000000000000" pitchFamily="2" charset="0"/>
-              </a:rPr>
-            </a:br>
-            <a:endParaRPr lang="en-US" sz="1900" dirty="0">
-              <a:ea typeface="Roboto" panose="02000000000000000000" pitchFamily="2" charset="0"/>
-            </a:endParaRPr>
-          </a:p>
-          <a:p>
-            <a:r>
-              <a:rPr lang="en-US" sz="1900" dirty="0">
-                <a:ea typeface="Roboto" panose="02000000000000000000" pitchFamily="2" charset="0"/>
-              </a:rPr>
-              <a:t>“I am also a </a:t>
-            </a:r>
-            <a:r>
-              <a:rPr lang="en-US" sz="1900" b="1" u="sng" dirty="0">
-                <a:ea typeface="Roboto" panose="02000000000000000000" pitchFamily="2" charset="0"/>
-              </a:rPr>
-              <a:t>disabled</a:t>
-            </a:r>
-            <a:r>
-              <a:rPr lang="en-US" sz="1900" dirty="0">
-                <a:ea typeface="Roboto" panose="02000000000000000000" pitchFamily="2" charset="0"/>
-              </a:rPr>
-              <a:t> man. I will never be a "protector" or any number of modern dominant culture stereotypes […] Not meeting those stereotypes AND finding a powerful masculinity in myself is an active part of my liberation”</a:t>
-            </a:r>
-            <a:br>
-              <a:rPr lang="en-US" sz="1900" dirty="0">
-                <a:ea typeface="Roboto" panose="02000000000000000000" pitchFamily="2" charset="0"/>
-              </a:rPr>
-            </a:br>
-            <a:endParaRPr lang="en-US" sz="1900" dirty="0">
-              <a:ea typeface="Roboto" panose="02000000000000000000" pitchFamily="2" charset="0"/>
-            </a:endParaRPr>
-          </a:p>
-          <a:p>
-            <a:r>
-              <a:rPr lang="en-US" sz="1900" dirty="0">
-                <a:ea typeface="Roboto" panose="02000000000000000000" pitchFamily="2" charset="0"/>
-              </a:rPr>
-              <a:t>“I am a </a:t>
-            </a:r>
-            <a:r>
-              <a:rPr lang="en-US" sz="1900" b="1" u="sng" dirty="0">
-                <a:ea typeface="Roboto" panose="02000000000000000000" pitchFamily="2" charset="0"/>
-              </a:rPr>
-              <a:t>trans man </a:t>
-            </a:r>
-            <a:r>
-              <a:rPr lang="en-US" sz="1900" dirty="0">
-                <a:ea typeface="Roboto" panose="02000000000000000000" pitchFamily="2" charset="0"/>
-              </a:rPr>
-              <a:t>and "man" is an active part of who I am, day and day out</a:t>
-            </a:r>
-            <a:r>
-              <a:rPr lang="en-US" sz="1900" dirty="0">
-                <a:latin typeface="Roboto" panose="02000000000000000000" pitchFamily="2" charset="0"/>
-                <a:ea typeface="Roboto" panose="02000000000000000000" pitchFamily="2" charset="0"/>
-              </a:rPr>
-              <a:t>”</a:t>
-            </a:r>
-          </a:p>
-        </p:txBody>
-      </p:sp>
-      <p:sp>
-        <p:nvSpPr>
-          <p:cNvPr id="17" name="Rectangle 16">
-            <a:extLst>
-              <a:ext uri="{FF2B5EF4-FFF2-40B4-BE49-F238E27FC236}">
-                <a16:creationId xmlns:a16="http://schemas.microsoft.com/office/drawing/2014/main" id="{C13237C8-E62C-4F0D-A318-BD6FB6C2D138}"/>
-              </a:ext>
-              <a:ext uri="{C183D7F6-B498-43B3-948B-1728B52AA6E4}">
-                <adec:decorative xmlns:adec="http://schemas.microsoft.com/office/drawing/2017/decorative" val="1"/>
-              </a:ext>
-            </a:extLst>
-          </p:cNvPr>
-          <p:cNvSpPr>
-            <a:spLocks noGrp="1" noRot="1" noChangeAspect="1" noMove="1" noResize="1" noEditPoints="1" noAdjustHandles="1" noChangeArrowheads="1" noChangeShapeType="1" noTextEdit="1"/>
-          </p:cNvSpPr>
-          <p:nvPr>
-            <p:extLst>
-              <p:ext uri="{386F3935-93C4-4BCD-93E2-E3B085C9AB24}">
-                <p16:designElem xmlns:p16="http://schemas.microsoft.com/office/powerpoint/2015/main" val="1"/>
-              </p:ext>
-            </p:extLst>
-          </p:nvPr>
-        </p:nvSpPr>
-        <p:spPr>
-          <a:xfrm flipH="1">
-            <a:off x="10697670" y="0"/>
-            <a:ext cx="1494330" cy="6858000"/>
-          </a:xfrm>
-          <a:prstGeom prst="rect">
-            <a:avLst/>
-          </a:prstGeom>
-          <a:solidFill>
-            <a:schemeClr val="accent4"/>
-          </a:solidFill>
-          <a:ln>
-            <a:noFill/>
-          </a:ln>
-        </p:spPr>
-        <p:style>
-          <a:lnRef idx="2">
-            <a:schemeClr val="accent1">
-              <a:shade val="50000"/>
-            </a:schemeClr>
-          </a:lnRef>
-          <a:fillRef idx="1">
-            <a:schemeClr val="accent1"/>
-          </a:fillRef>
-          <a:effectRef idx="0">
-            <a:schemeClr val="accent1"/>
-          </a:effectRef>
-          <a:fontRef idx="minor">
-            <a:schemeClr val="lt1"/>
-          </a:fontRef>
-        </p:style>
-        <p:txBody>
-          <a:bodyPr rtlCol="0" anchor="ctr"/>
-          <a:lstStyle/>
-          <a:p>
-            <a:pPr algn="ctr"/>
-            <a:endParaRPr lang="en-US"/>
-          </a:p>
-        </p:txBody>
-      </p:sp>
-      <p:sp>
-        <p:nvSpPr>
-          <p:cNvPr id="19" name="Rectangle 18">
-            <a:extLst>
-              <a:ext uri="{FF2B5EF4-FFF2-40B4-BE49-F238E27FC236}">
-                <a16:creationId xmlns:a16="http://schemas.microsoft.com/office/drawing/2014/main" id="{19C9EAEA-39D0-4B0E-A0EB-51E7B26740B1}"/>
-              </a:ext>
-              <a:ext uri="{C183D7F6-B498-43B3-948B-1728B52AA6E4}">
-                <adec:decorative xmlns:adec="http://schemas.microsoft.com/office/drawing/2017/decorative" val="1"/>
-              </a:ext>
-            </a:extLst>
-          </p:cNvPr>
-          <p:cNvSpPr>
-            <a:spLocks noGrp="1" noRot="1" noChangeAspect="1" noMove="1" noResize="1" noEditPoints="1" noAdjustHandles="1" noChangeArrowheads="1" noChangeShapeType="1" noTextEdit="1"/>
-          </p:cNvSpPr>
-          <p:nvPr>
-            <p:extLst>
-              <p:ext uri="{386F3935-93C4-4BCD-93E2-E3B085C9AB24}">
-                <p16:designElem xmlns:p16="http://schemas.microsoft.com/office/powerpoint/2015/main" val="1"/>
-              </p:ext>
-            </p:extLst>
-          </p:nvPr>
-        </p:nvSpPr>
-        <p:spPr>
-          <a:xfrm>
-            <a:off x="5685810" y="513853"/>
-            <a:ext cx="6009366" cy="5834577"/>
-          </a:xfrm>
-          <a:prstGeom prst="rect">
-            <a:avLst/>
-          </a:prstGeom>
-          <a:solidFill>
-            <a:schemeClr val="bg1"/>
-          </a:solidFill>
-          <a:ln>
-            <a:noFill/>
-          </a:ln>
-          <a:effectLst>
-            <a:outerShdw blurRad="139700" dist="127000" dir="5400000" algn="t" rotWithShape="0">
-              <a:prstClr val="black">
-                <a:alpha val="15000"/>
-              </a:prstClr>
-            </a:outerShdw>
-          </a:effectLst>
-        </p:spPr>
-        <p:style>
-          <a:lnRef idx="2">
-            <a:schemeClr val="accent1">
-              <a:shade val="50000"/>
-            </a:schemeClr>
-          </a:lnRef>
-          <a:fillRef idx="1">
-            <a:schemeClr val="accent1"/>
-          </a:fillRef>
-          <a:effectRef idx="0">
-            <a:schemeClr val="accent1"/>
-          </a:effectRef>
-          <a:fontRef idx="minor">
-            <a:schemeClr val="lt1"/>
-          </a:fontRef>
-        </p:style>
-        <p:txBody>
-          <a:bodyPr rtlCol="0" anchor="ctr"/>
-          <a:lstStyle/>
-          <a:p>
-            <a:pPr algn="ctr"/>
-            <a:endParaRPr lang="en-US"/>
-          </a:p>
-        </p:txBody>
-      </p:sp>
-      <p:pic>
-        <p:nvPicPr>
-          <p:cNvPr id="4" name="Picture 3">
-            <a:extLst>
-              <a:ext uri="{FF2B5EF4-FFF2-40B4-BE49-F238E27FC236}">
-                <a16:creationId xmlns:a16="http://schemas.microsoft.com/office/drawing/2014/main" id="{17477ED3-0BC5-4E1F-870A-7136CD397AF9}"/>
-              </a:ext>
-            </a:extLst>
-          </p:cNvPr>
-          <p:cNvPicPr>
-            <a:picLocks noChangeAspect="1"/>
-          </p:cNvPicPr>
-          <p:nvPr/>
-        </p:nvPicPr>
-        <p:blipFill rotWithShape="1">
-          <a:blip r:embed="rId2"/>
-          <a:srcRect r="1742" b="1"/>
-          <a:stretch/>
-        </p:blipFill>
-        <p:spPr>
-          <a:xfrm>
-            <a:off x="5773173" y="629105"/>
-            <a:ext cx="5860418" cy="5680985"/>
-          </a:xfrm>
-          <a:prstGeom prst="rect">
-            <a:avLst/>
-          </a:prstGeom>
-        </p:spPr>
-      </p:pic>
-    </p:spTree>
-    <p:extLst>
-      <p:ext uri="{BB962C8B-B14F-4D97-AF65-F5344CB8AC3E}">
-        <p14:creationId xmlns:p14="http://schemas.microsoft.com/office/powerpoint/2010/main" val="1909178621"/>
+        <p14:creationId xmlns:p14="http://schemas.microsoft.com/office/powerpoint/2010/main" val="1124853290"/>
       </p:ext>
     </p:extLst>
   </p:cSld>
